--- a/XQuery og relasjonell algebra.pptx
+++ b/XQuery og relasjonell algebra.pptx
@@ -5,17 +5,39 @@
     <p:sldMasterId id="2147483648" r:id="rId1"/>
   </p:sldMasterIdLst>
   <p:notesMasterIdLst>
-    <p:notesMasterId r:id="rId10"/>
+    <p:notesMasterId r:id="rId32"/>
   </p:notesMasterIdLst>
   <p:sldIdLst>
     <p:sldId id="256" r:id="rId2"/>
     <p:sldId id="257" r:id="rId3"/>
     <p:sldId id="259" r:id="rId4"/>
-    <p:sldId id="262" r:id="rId5"/>
-    <p:sldId id="260" r:id="rId6"/>
-    <p:sldId id="261" r:id="rId7"/>
-    <p:sldId id="263" r:id="rId8"/>
-    <p:sldId id="258" r:id="rId9"/>
+    <p:sldId id="264" r:id="rId5"/>
+    <p:sldId id="261" r:id="rId6"/>
+    <p:sldId id="265" r:id="rId7"/>
+    <p:sldId id="262" r:id="rId8"/>
+    <p:sldId id="266" r:id="rId9"/>
+    <p:sldId id="260" r:id="rId10"/>
+    <p:sldId id="263" r:id="rId11"/>
+    <p:sldId id="279" r:id="rId12"/>
+    <p:sldId id="280" r:id="rId13"/>
+    <p:sldId id="281" r:id="rId14"/>
+    <p:sldId id="268" r:id="rId15"/>
+    <p:sldId id="270" r:id="rId16"/>
+    <p:sldId id="269" r:id="rId17"/>
+    <p:sldId id="271" r:id="rId18"/>
+    <p:sldId id="273" r:id="rId19"/>
+    <p:sldId id="272" r:id="rId20"/>
+    <p:sldId id="274" r:id="rId21"/>
+    <p:sldId id="267" r:id="rId22"/>
+    <p:sldId id="275" r:id="rId23"/>
+    <p:sldId id="277" r:id="rId24"/>
+    <p:sldId id="258" r:id="rId25"/>
+    <p:sldId id="282" r:id="rId26"/>
+    <p:sldId id="283" r:id="rId27"/>
+    <p:sldId id="286" r:id="rId28"/>
+    <p:sldId id="284" r:id="rId29"/>
+    <p:sldId id="285" r:id="rId30"/>
+    <p:sldId id="278" r:id="rId31"/>
   </p:sldIdLst>
   <p:sldSz cx="9144000" cy="6858000" type="screen4x3"/>
   <p:notesSz cx="6858000" cy="9144000"/>
@@ -199,7 +221,8 @@
           <a:p>
             <a:fld id="{D3CEF4D7-AB8E-4546-B80E-03B8CCBB3F3F}" type="datetimeFigureOut">
               <a:rPr lang="en-US" smtClean="0"/>
-              <a:t>10/20/2008</a:t>
+              <a:pPr/>
+              <a:t>10/22/2008</a:t>
             </a:fld>
             <a:endParaRPr lang="en-US"/>
           </a:p>
@@ -360,6 +383,7 @@
           <a:p>
             <a:fld id="{ECA3453C-E802-4D47-B71A-12E4B9F31731}" type="slidenum">
               <a:rPr lang="en-US" smtClean="0"/>
+              <a:pPr/>
               <a:t>‹#›</a:t>
             </a:fld>
             <a:endParaRPr lang="en-US"/>
@@ -524,40 +548,529 @@
           <a:p>
             <a:r>
               <a:rPr lang="nb-NO" baseline="0" dirty="0" smtClean="0"/>
-              <a:t> * Sprø indekseringsmetoder</a:t>
+              <a:t> * Nye sprø indekseringsmetoder</a:t>
             </a:r>
           </a:p>
           <a:p>
             <a:endParaRPr lang="nb-NO" baseline="0" dirty="0" smtClean="0"/>
           </a:p>
           <a:p>
+            <a:endParaRPr lang="nb-NO" baseline="0" dirty="0" smtClean="0"/>
+          </a:p>
+        </p:txBody>
+      </p:sp>
+      <p:sp>
+        <p:nvSpPr>
+          <p:cNvPr id="4" name="Slide Number Placeholder 3"/>
+          <p:cNvSpPr>
+            <a:spLocks noGrp="1"/>
+          </p:cNvSpPr>
+          <p:nvPr>
+            <p:ph type="sldNum" sz="quarter" idx="10"/>
+          </p:nvPr>
+        </p:nvSpPr>
+        <p:spPr/>
+        <p:txBody>
+          <a:bodyPr/>
+          <a:lstStyle/>
+          <a:p>
+            <a:fld id="{ECA3453C-E802-4D47-B71A-12E4B9F31731}" type="slidenum">
+              <a:rPr lang="en-US" smtClean="0"/>
+              <a:pPr/>
+              <a:t>3</a:t>
+            </a:fld>
+            <a:endParaRPr lang="en-US"/>
+          </a:p>
+        </p:txBody>
+      </p:sp>
+    </p:spTree>
+  </p:cSld>
+  <p:clrMapOvr>
+    <a:masterClrMapping/>
+  </p:clrMapOvr>
+</p:notes>
+</file>
+
+<file path=ppt/notesSlides/notesSlide10.xml><?xml version="1.0" encoding="utf-8"?>
+<p:notes xmlns:a="http://schemas.openxmlformats.org/drawingml/2006/main" xmlns:r="http://schemas.openxmlformats.org/officeDocument/2006/relationships" xmlns:p="http://schemas.openxmlformats.org/presentationml/2006/main">
+  <p:cSld>
+    <p:spTree>
+      <p:nvGrpSpPr>
+        <p:cNvPr id="1" name=""/>
+        <p:cNvGrpSpPr/>
+        <p:nvPr/>
+      </p:nvGrpSpPr>
+      <p:grpSpPr>
+        <a:xfrm>
+          <a:off x="0" y="0"/>
+          <a:ext cx="0" cy="0"/>
+          <a:chOff x="0" y="0"/>
+          <a:chExt cx="0" cy="0"/>
+        </a:xfrm>
+      </p:grpSpPr>
+      <p:sp>
+        <p:nvSpPr>
+          <p:cNvPr id="2" name="Slide Image Placeholder 1"/>
+          <p:cNvSpPr>
+            <a:spLocks noGrp="1" noRot="1" noChangeAspect="1"/>
+          </p:cNvSpPr>
+          <p:nvPr>
+            <p:ph type="sldImg"/>
+          </p:nvPr>
+        </p:nvSpPr>
+        <p:spPr/>
+      </p:sp>
+      <p:sp>
+        <p:nvSpPr>
+          <p:cNvPr id="3" name="Notes Placeholder 2"/>
+          <p:cNvSpPr>
+            <a:spLocks noGrp="1"/>
+          </p:cNvSpPr>
+          <p:nvPr>
+            <p:ph type="body" idx="1"/>
+          </p:nvPr>
+        </p:nvSpPr>
+        <p:spPr/>
+        <p:txBody>
+          <a:bodyPr>
+            <a:normAutofit/>
+          </a:bodyPr>
+          <a:lstStyle/>
+          <a:p>
+            <a:r>
+              <a:rPr lang="nb-NO" dirty="0" smtClean="0"/>
+              <a:t>Et</a:t>
+            </a:r>
             <a:r>
               <a:rPr lang="nb-NO" baseline="0" dirty="0" smtClean="0"/>
-              <a:t>MQL er et spørringsspråk for MARS:</a:t>
+              <a:t> resultat av et uttrykk har en sannhetsverdi, men den vet man ikke før under evalueringen.</a:t>
             </a:r>
           </a:p>
           <a:p>
             <a:r>
               <a:rPr lang="nb-NO" baseline="0" dirty="0" smtClean="0"/>
-              <a:t> * Ligner lisp</a:t>
+              <a:t>Et tomt resultatsett har sannhetsverdien false</a:t>
             </a:r>
           </a:p>
           <a:p>
             <a:r>
               <a:rPr lang="nb-NO" baseline="0" dirty="0" smtClean="0"/>
-              <a:t> * Dialekt av relasjonell algebra</a:t>
+              <a:t>En atomic har sannhetsverdien true, med mindre verdien er 0</a:t>
             </a:r>
           </a:p>
           <a:p>
             <a:r>
               <a:rPr lang="nb-NO" baseline="0" dirty="0" smtClean="0"/>
-              <a:t> * Nærmest uleselig for mennesker</a:t>
+              <a:t>osv</a:t>
             </a:r>
           </a:p>
           <a:p>
             <a:r>
               <a:rPr lang="nb-NO" baseline="0" dirty="0" smtClean="0"/>
-              <a:t> * Består hovedsaklig av operatorer (og navngitte indekser man jobber mot)</a:t>
+              <a:t>Dette er en ekkel problemstilling, som fører til generering av branches som kanskje ikke er nødvendige</a:t>
+            </a:r>
+          </a:p>
+          <a:p>
+            <a:r>
+              <a:rPr lang="nb-NO" baseline="0" dirty="0" smtClean="0"/>
+              <a:t>Optimisering fikser noe av dette</a:t>
+            </a:r>
+          </a:p>
+        </p:txBody>
+      </p:sp>
+      <p:sp>
+        <p:nvSpPr>
+          <p:cNvPr id="4" name="Slide Number Placeholder 3"/>
+          <p:cNvSpPr>
+            <a:spLocks noGrp="1"/>
+          </p:cNvSpPr>
+          <p:nvPr>
+            <p:ph type="sldNum" sz="quarter" idx="10"/>
+          </p:nvPr>
+        </p:nvSpPr>
+        <p:spPr/>
+        <p:txBody>
+          <a:bodyPr/>
+          <a:lstStyle/>
+          <a:p>
+            <a:fld id="{ECA3453C-E802-4D47-B71A-12E4B9F31731}" type="slidenum">
+              <a:rPr lang="en-US" smtClean="0"/>
+              <a:pPr/>
+              <a:t>13</a:t>
+            </a:fld>
+            <a:endParaRPr lang="en-US"/>
+          </a:p>
+        </p:txBody>
+      </p:sp>
+    </p:spTree>
+  </p:cSld>
+  <p:clrMapOvr>
+    <a:masterClrMapping/>
+  </p:clrMapOvr>
+</p:notes>
+</file>
+
+<file path=ppt/notesSlides/notesSlide11.xml><?xml version="1.0" encoding="utf-8"?>
+<p:notes xmlns:a="http://schemas.openxmlformats.org/drawingml/2006/main" xmlns:r="http://schemas.openxmlformats.org/officeDocument/2006/relationships" xmlns:p="http://schemas.openxmlformats.org/presentationml/2006/main">
+  <p:cSld>
+    <p:spTree>
+      <p:nvGrpSpPr>
+        <p:cNvPr id="1" name=""/>
+        <p:cNvGrpSpPr/>
+        <p:nvPr/>
+      </p:nvGrpSpPr>
+      <p:grpSpPr>
+        <a:xfrm>
+          <a:off x="0" y="0"/>
+          <a:ext cx="0" cy="0"/>
+          <a:chOff x="0" y="0"/>
+          <a:chExt cx="0" cy="0"/>
+        </a:xfrm>
+      </p:grpSpPr>
+      <p:sp>
+        <p:nvSpPr>
+          <p:cNvPr id="2" name="Slide Image Placeholder 1"/>
+          <p:cNvSpPr>
+            <a:spLocks noGrp="1" noRot="1" noChangeAspect="1"/>
+          </p:cNvSpPr>
+          <p:nvPr>
+            <p:ph type="sldImg"/>
+          </p:nvPr>
+        </p:nvSpPr>
+        <p:spPr/>
+      </p:sp>
+      <p:sp>
+        <p:nvSpPr>
+          <p:cNvPr id="3" name="Notes Placeholder 2"/>
+          <p:cNvSpPr>
+            <a:spLocks noGrp="1"/>
+          </p:cNvSpPr>
+          <p:nvPr>
+            <p:ph type="body" idx="1"/>
+          </p:nvPr>
+        </p:nvSpPr>
+        <p:spPr/>
+        <p:txBody>
+          <a:bodyPr>
+            <a:normAutofit/>
+          </a:bodyPr>
+          <a:lstStyle/>
+          <a:p>
+            <a:r>
+              <a:rPr lang="nb-NO" dirty="0" smtClean="0"/>
+              <a:t>En</a:t>
+            </a:r>
+            <a:r>
+              <a:rPr lang="nb-NO" baseline="0" dirty="0" smtClean="0"/>
+              <a:t> relasjon == sett med tupler (ala resultat fra SQL)</a:t>
+            </a:r>
+            <a:endParaRPr lang="en-US" dirty="0"/>
+          </a:p>
+        </p:txBody>
+      </p:sp>
+      <p:sp>
+        <p:nvSpPr>
+          <p:cNvPr id="4" name="Slide Number Placeholder 3"/>
+          <p:cNvSpPr>
+            <a:spLocks noGrp="1"/>
+          </p:cNvSpPr>
+          <p:nvPr>
+            <p:ph type="sldNum" sz="quarter" idx="10"/>
+          </p:nvPr>
+        </p:nvSpPr>
+        <p:spPr/>
+        <p:txBody>
+          <a:bodyPr/>
+          <a:lstStyle/>
+          <a:p>
+            <a:fld id="{ECA3453C-E802-4D47-B71A-12E4B9F31731}" type="slidenum">
+              <a:rPr lang="en-US" smtClean="0"/>
+              <a:pPr/>
+              <a:t>14</a:t>
+            </a:fld>
+            <a:endParaRPr lang="en-US"/>
+          </a:p>
+        </p:txBody>
+      </p:sp>
+    </p:spTree>
+  </p:cSld>
+  <p:clrMapOvr>
+    <a:masterClrMapping/>
+  </p:clrMapOvr>
+</p:notes>
+</file>
+
+<file path=ppt/notesSlides/notesSlide12.xml><?xml version="1.0" encoding="utf-8"?>
+<p:notes xmlns:a="http://schemas.openxmlformats.org/drawingml/2006/main" xmlns:r="http://schemas.openxmlformats.org/officeDocument/2006/relationships" xmlns:p="http://schemas.openxmlformats.org/presentationml/2006/main">
+  <p:cSld>
+    <p:spTree>
+      <p:nvGrpSpPr>
+        <p:cNvPr id="1" name=""/>
+        <p:cNvGrpSpPr/>
+        <p:nvPr/>
+      </p:nvGrpSpPr>
+      <p:grpSpPr>
+        <a:xfrm>
+          <a:off x="0" y="0"/>
+          <a:ext cx="0" cy="0"/>
+          <a:chOff x="0" y="0"/>
+          <a:chExt cx="0" cy="0"/>
+        </a:xfrm>
+      </p:grpSpPr>
+      <p:sp>
+        <p:nvSpPr>
+          <p:cNvPr id="2" name="Slide Image Placeholder 1"/>
+          <p:cNvSpPr>
+            <a:spLocks noGrp="1" noRot="1" noChangeAspect="1"/>
+          </p:cNvSpPr>
+          <p:nvPr>
+            <p:ph type="sldImg"/>
+          </p:nvPr>
+        </p:nvSpPr>
+        <p:spPr/>
+      </p:sp>
+      <p:sp>
+        <p:nvSpPr>
+          <p:cNvPr id="3" name="Notes Placeholder 2"/>
+          <p:cNvSpPr>
+            <a:spLocks noGrp="1"/>
+          </p:cNvSpPr>
+          <p:nvPr>
+            <p:ph type="body" idx="1"/>
+          </p:nvPr>
+        </p:nvSpPr>
+        <p:spPr/>
+        <p:txBody>
+          <a:bodyPr>
+            <a:normAutofit/>
+          </a:bodyPr>
+          <a:lstStyle/>
+          <a:p>
+            <a:r>
+              <a:rPr lang="nb-NO" dirty="0" smtClean="0"/>
+              <a:t>Hver tuppel/rad kan</a:t>
+            </a:r>
+            <a:r>
+              <a:rPr lang="nb-NO" baseline="0" dirty="0" smtClean="0"/>
+              <a:t> sies å inneha/fremsi et ”faktum”, f.eks av form ”Per er 34 år gammel og veier 80kg”</a:t>
+            </a:r>
+          </a:p>
+          <a:p>
+            <a:r>
+              <a:rPr lang="nb-NO" baseline="0" dirty="0" smtClean="0"/>
+              <a:t>Hver tuppel/rad er i teorien unik (forskjell fra relasjonelle databaser)</a:t>
+            </a:r>
+          </a:p>
+          <a:p>
+            <a:r>
+              <a:rPr lang="nb-NO" dirty="0" smtClean="0"/>
+              <a:t>Kan enkodes som</a:t>
+            </a:r>
+            <a:r>
+              <a:rPr lang="nb-NO" baseline="0" dirty="0" smtClean="0"/>
+              <a:t> et sett av tripletter som vist i S</a:t>
+            </a:r>
+          </a:p>
+          <a:p>
+            <a:r>
+              <a:rPr lang="nb-NO" baseline="0" dirty="0" smtClean="0"/>
+              <a:t>I praksis følges ikke disse reglene alltid, hensyn til optimiseringer kommer først</a:t>
+            </a:r>
+            <a:endParaRPr lang="en-US" dirty="0"/>
+          </a:p>
+        </p:txBody>
+      </p:sp>
+      <p:sp>
+        <p:nvSpPr>
+          <p:cNvPr id="4" name="Slide Number Placeholder 3"/>
+          <p:cNvSpPr>
+            <a:spLocks noGrp="1"/>
+          </p:cNvSpPr>
+          <p:nvPr>
+            <p:ph type="sldNum" sz="quarter" idx="10"/>
+          </p:nvPr>
+        </p:nvSpPr>
+        <p:spPr/>
+        <p:txBody>
+          <a:bodyPr/>
+          <a:lstStyle/>
+          <a:p>
+            <a:fld id="{ECA3453C-E802-4D47-B71A-12E4B9F31731}" type="slidenum">
+              <a:rPr lang="en-US" smtClean="0"/>
+              <a:pPr/>
+              <a:t>15</a:t>
+            </a:fld>
+            <a:endParaRPr lang="en-US"/>
+          </a:p>
+        </p:txBody>
+      </p:sp>
+    </p:spTree>
+  </p:cSld>
+  <p:clrMapOvr>
+    <a:masterClrMapping/>
+  </p:clrMapOvr>
+</p:notes>
+</file>
+
+<file path=ppt/notesSlides/notesSlide13.xml><?xml version="1.0" encoding="utf-8"?>
+<p:notes xmlns:a="http://schemas.openxmlformats.org/drawingml/2006/main" xmlns:r="http://schemas.openxmlformats.org/officeDocument/2006/relationships" xmlns:p="http://schemas.openxmlformats.org/presentationml/2006/main">
+  <p:cSld>
+    <p:spTree>
+      <p:nvGrpSpPr>
+        <p:cNvPr id="1" name=""/>
+        <p:cNvGrpSpPr/>
+        <p:nvPr/>
+      </p:nvGrpSpPr>
+      <p:grpSpPr>
+        <a:xfrm>
+          <a:off x="0" y="0"/>
+          <a:ext cx="0" cy="0"/>
+          <a:chOff x="0" y="0"/>
+          <a:chExt cx="0" cy="0"/>
+        </a:xfrm>
+      </p:grpSpPr>
+      <p:sp>
+        <p:nvSpPr>
+          <p:cNvPr id="2" name="Slide Image Placeholder 1"/>
+          <p:cNvSpPr>
+            <a:spLocks noGrp="1" noRot="1" noChangeAspect="1"/>
+          </p:cNvSpPr>
+          <p:nvPr>
+            <p:ph type="sldImg"/>
+          </p:nvPr>
+        </p:nvSpPr>
+        <p:spPr/>
+      </p:sp>
+      <p:sp>
+        <p:nvSpPr>
+          <p:cNvPr id="3" name="Notes Placeholder 2"/>
+          <p:cNvSpPr>
+            <a:spLocks noGrp="1"/>
+          </p:cNvSpPr>
+          <p:nvPr>
+            <p:ph type="body" idx="1"/>
+          </p:nvPr>
+        </p:nvSpPr>
+        <p:spPr/>
+        <p:txBody>
+          <a:bodyPr>
+            <a:normAutofit/>
+          </a:bodyPr>
+          <a:lstStyle/>
+          <a:p>
+            <a:r>
+              <a:rPr lang="en-US" dirty="0" err="1" smtClean="0"/>
+              <a:t>Grunnleggende</a:t>
+            </a:r>
+            <a:r>
+              <a:rPr lang="en-US" dirty="0" smtClean="0"/>
+              <a:t> </a:t>
+            </a:r>
+            <a:r>
+              <a:rPr lang="en-US" dirty="0" err="1" smtClean="0"/>
+              <a:t>operatorer</a:t>
+            </a:r>
+            <a:endParaRPr lang="en-US" dirty="0"/>
+          </a:p>
+        </p:txBody>
+      </p:sp>
+      <p:sp>
+        <p:nvSpPr>
+          <p:cNvPr id="4" name="Slide Number Placeholder 3"/>
+          <p:cNvSpPr>
+            <a:spLocks noGrp="1"/>
+          </p:cNvSpPr>
+          <p:nvPr>
+            <p:ph type="sldNum" sz="quarter" idx="10"/>
+          </p:nvPr>
+        </p:nvSpPr>
+        <p:spPr/>
+        <p:txBody>
+          <a:bodyPr/>
+          <a:lstStyle/>
+          <a:p>
+            <a:fld id="{ECA3453C-E802-4D47-B71A-12E4B9F31731}" type="slidenum">
+              <a:rPr lang="en-US" smtClean="0"/>
+              <a:pPr/>
+              <a:t>16</a:t>
+            </a:fld>
+            <a:endParaRPr lang="en-US"/>
+          </a:p>
+        </p:txBody>
+      </p:sp>
+    </p:spTree>
+  </p:cSld>
+  <p:clrMapOvr>
+    <a:masterClrMapping/>
+  </p:clrMapOvr>
+</p:notes>
+</file>
+
+<file path=ppt/notesSlides/notesSlide14.xml><?xml version="1.0" encoding="utf-8"?>
+<p:notes xmlns:a="http://schemas.openxmlformats.org/drawingml/2006/main" xmlns:r="http://schemas.openxmlformats.org/officeDocument/2006/relationships" xmlns:p="http://schemas.openxmlformats.org/presentationml/2006/main">
+  <p:cSld>
+    <p:spTree>
+      <p:nvGrpSpPr>
+        <p:cNvPr id="1" name=""/>
+        <p:cNvGrpSpPr/>
+        <p:nvPr/>
+      </p:nvGrpSpPr>
+      <p:grpSpPr>
+        <a:xfrm>
+          <a:off x="0" y="0"/>
+          <a:ext cx="0" cy="0"/>
+          <a:chOff x="0" y="0"/>
+          <a:chExt cx="0" cy="0"/>
+        </a:xfrm>
+      </p:grpSpPr>
+      <p:sp>
+        <p:nvSpPr>
+          <p:cNvPr id="2" name="Slide Image Placeholder 1"/>
+          <p:cNvSpPr>
+            <a:spLocks noGrp="1" noRot="1" noChangeAspect="1"/>
+          </p:cNvSpPr>
+          <p:nvPr>
+            <p:ph type="sldImg"/>
+          </p:nvPr>
+        </p:nvSpPr>
+        <p:spPr/>
+      </p:sp>
+      <p:sp>
+        <p:nvSpPr>
+          <p:cNvPr id="3" name="Notes Placeholder 2"/>
+          <p:cNvSpPr>
+            <a:spLocks noGrp="1"/>
+          </p:cNvSpPr>
+          <p:nvPr>
+            <p:ph type="body" idx="1"/>
+          </p:nvPr>
+        </p:nvSpPr>
+        <p:spPr/>
+        <p:txBody>
+          <a:bodyPr>
+            <a:normAutofit/>
+          </a:bodyPr>
+          <a:lstStyle/>
+          <a:p>
+            <a:r>
+              <a:rPr lang="nb-NO" dirty="0" smtClean="0"/>
+              <a:t>Problematisk: tradisjonelle måter</a:t>
+            </a:r>
+            <a:r>
+              <a:rPr lang="nb-NO" baseline="0" dirty="0" smtClean="0"/>
+              <a:t> er trege (DOM, SAX)</a:t>
+            </a:r>
+          </a:p>
+          <a:p>
+            <a:r>
+              <a:rPr lang="nb-NO" baseline="0" dirty="0" smtClean="0"/>
+              <a:t>Relasjonelle databaser mer egnet</a:t>
+            </a:r>
+          </a:p>
+          <a:p>
+            <a:r>
+              <a:rPr lang="nb-NO" baseline="0" dirty="0" smtClean="0"/>
+              <a:t>Mye forskning relatert til skalering, distribuering, osv osv</a:t>
             </a:r>
           </a:p>
           <a:p>
@@ -566,7 +1079,7 @@
           <a:p>
             <a:r>
               <a:rPr lang="nb-NO" baseline="0" dirty="0" smtClean="0"/>
-              <a:t>Data indeksert som XML (data -&gt; XML -&gt; </a:t>
+              <a:t>Så vi trengte en parser...</a:t>
             </a:r>
             <a:endParaRPr lang="en-US" dirty="0"/>
           </a:p>
@@ -589,7 +1102,590 @@
           <a:p>
             <a:fld id="{ECA3453C-E802-4D47-B71A-12E4B9F31731}" type="slidenum">
               <a:rPr lang="en-US" smtClean="0"/>
-              <a:t>3</a:t>
+              <a:pPr/>
+              <a:t>17</a:t>
+            </a:fld>
+            <a:endParaRPr lang="en-US"/>
+          </a:p>
+        </p:txBody>
+      </p:sp>
+    </p:spTree>
+  </p:cSld>
+  <p:clrMapOvr>
+    <a:masterClrMapping/>
+  </p:clrMapOvr>
+</p:notes>
+</file>
+
+<file path=ppt/notesSlides/notesSlide15.xml><?xml version="1.0" encoding="utf-8"?>
+<p:notes xmlns:a="http://schemas.openxmlformats.org/drawingml/2006/main" xmlns:r="http://schemas.openxmlformats.org/officeDocument/2006/relationships" xmlns:p="http://schemas.openxmlformats.org/presentationml/2006/main">
+  <p:cSld>
+    <p:spTree>
+      <p:nvGrpSpPr>
+        <p:cNvPr id="1" name=""/>
+        <p:cNvGrpSpPr/>
+        <p:nvPr/>
+      </p:nvGrpSpPr>
+      <p:grpSpPr>
+        <a:xfrm>
+          <a:off x="0" y="0"/>
+          <a:ext cx="0" cy="0"/>
+          <a:chOff x="0" y="0"/>
+          <a:chExt cx="0" cy="0"/>
+        </a:xfrm>
+      </p:grpSpPr>
+      <p:sp>
+        <p:nvSpPr>
+          <p:cNvPr id="2" name="Slide Image Placeholder 1"/>
+          <p:cNvSpPr>
+            <a:spLocks noGrp="1" noRot="1" noChangeAspect="1"/>
+          </p:cNvSpPr>
+          <p:nvPr>
+            <p:ph type="sldImg"/>
+          </p:nvPr>
+        </p:nvSpPr>
+        <p:spPr/>
+      </p:sp>
+      <p:sp>
+        <p:nvSpPr>
+          <p:cNvPr id="3" name="Notes Placeholder 2"/>
+          <p:cNvSpPr>
+            <a:spLocks noGrp="1"/>
+          </p:cNvSpPr>
+          <p:nvPr>
+            <p:ph type="body" idx="1"/>
+          </p:nvPr>
+        </p:nvSpPr>
+        <p:spPr/>
+        <p:txBody>
+          <a:bodyPr>
+            <a:normAutofit/>
+          </a:bodyPr>
+          <a:lstStyle/>
+          <a:p>
+            <a:pPr>
+              <a:buFont typeface="Arial" charset="0"/>
+              <a:buChar char="•"/>
+            </a:pPr>
+            <a:r>
+              <a:rPr lang="nb-NO" dirty="0" smtClean="0"/>
+              <a:t> FAST</a:t>
+            </a:r>
+            <a:r>
+              <a:rPr lang="nb-NO" baseline="0" dirty="0" smtClean="0"/>
+              <a:t> bestemte at vi skulle bygge en parser fra grunnen av</a:t>
+            </a:r>
+            <a:r>
+              <a:rPr lang="nb-NO" dirty="0" smtClean="0"/>
+              <a:t> </a:t>
+            </a:r>
+          </a:p>
+          <a:p>
+            <a:pPr>
+              <a:buFont typeface="Arial" charset="0"/>
+              <a:buChar char="•"/>
+            </a:pPr>
+            <a:r>
+              <a:rPr lang="nb-NO" dirty="0" smtClean="0"/>
+              <a:t> Finnes en del parsere</a:t>
+            </a:r>
+          </a:p>
+          <a:p>
+            <a:pPr>
+              <a:buFont typeface="Arial" charset="0"/>
+              <a:buChar char="•"/>
+            </a:pPr>
+            <a:r>
+              <a:rPr lang="nb-NO" dirty="0" smtClean="0"/>
+              <a:t> Lisensieringsproblematikk</a:t>
+            </a:r>
+          </a:p>
+          <a:p>
+            <a:pPr>
+              <a:buFont typeface="Arial" charset="0"/>
+              <a:buChar char="•"/>
+            </a:pPr>
+            <a:r>
+              <a:rPr lang="nb-NO" dirty="0" smtClean="0"/>
+              <a:t> Visse krav til output</a:t>
+            </a:r>
+            <a:r>
+              <a:rPr lang="nb-NO" baseline="0" dirty="0" smtClean="0"/>
+              <a:t> (FAST-spesifikasjoner)</a:t>
+            </a:r>
+          </a:p>
+        </p:txBody>
+      </p:sp>
+      <p:sp>
+        <p:nvSpPr>
+          <p:cNvPr id="4" name="Slide Number Placeholder 3"/>
+          <p:cNvSpPr>
+            <a:spLocks noGrp="1"/>
+          </p:cNvSpPr>
+          <p:nvPr>
+            <p:ph type="sldNum" sz="quarter" idx="10"/>
+          </p:nvPr>
+        </p:nvSpPr>
+        <p:spPr/>
+        <p:txBody>
+          <a:bodyPr/>
+          <a:lstStyle/>
+          <a:p>
+            <a:fld id="{ECA3453C-E802-4D47-B71A-12E4B9F31731}" type="slidenum">
+              <a:rPr lang="en-US" smtClean="0"/>
+              <a:pPr/>
+              <a:t>18</a:t>
+            </a:fld>
+            <a:endParaRPr lang="en-US"/>
+          </a:p>
+        </p:txBody>
+      </p:sp>
+    </p:spTree>
+  </p:cSld>
+  <p:clrMapOvr>
+    <a:masterClrMapping/>
+  </p:clrMapOvr>
+</p:notes>
+</file>
+
+<file path=ppt/notesSlides/notesSlide16.xml><?xml version="1.0" encoding="utf-8"?>
+<p:notes xmlns:a="http://schemas.openxmlformats.org/drawingml/2006/main" xmlns:r="http://schemas.openxmlformats.org/officeDocument/2006/relationships" xmlns:p="http://schemas.openxmlformats.org/presentationml/2006/main">
+  <p:cSld>
+    <p:spTree>
+      <p:nvGrpSpPr>
+        <p:cNvPr id="1" name=""/>
+        <p:cNvGrpSpPr/>
+        <p:nvPr/>
+      </p:nvGrpSpPr>
+      <p:grpSpPr>
+        <a:xfrm>
+          <a:off x="0" y="0"/>
+          <a:ext cx="0" cy="0"/>
+          <a:chOff x="0" y="0"/>
+          <a:chExt cx="0" cy="0"/>
+        </a:xfrm>
+      </p:grpSpPr>
+      <p:sp>
+        <p:nvSpPr>
+          <p:cNvPr id="2" name="Slide Image Placeholder 1"/>
+          <p:cNvSpPr>
+            <a:spLocks noGrp="1" noRot="1" noChangeAspect="1"/>
+          </p:cNvSpPr>
+          <p:nvPr>
+            <p:ph type="sldImg"/>
+          </p:nvPr>
+        </p:nvSpPr>
+        <p:spPr/>
+      </p:sp>
+      <p:sp>
+        <p:nvSpPr>
+          <p:cNvPr id="3" name="Notes Placeholder 2"/>
+          <p:cNvSpPr>
+            <a:spLocks noGrp="1"/>
+          </p:cNvSpPr>
+          <p:nvPr>
+            <p:ph type="body" idx="1"/>
+          </p:nvPr>
+        </p:nvSpPr>
+        <p:spPr/>
+        <p:txBody>
+          <a:bodyPr>
+            <a:normAutofit/>
+          </a:bodyPr>
+          <a:lstStyle/>
+          <a:p>
+            <a:r>
+              <a:rPr lang="nb-NO" dirty="0" smtClean="0"/>
+              <a:t>Grammatikken</a:t>
+            </a:r>
+            <a:r>
+              <a:rPr lang="nb-NO" baseline="0" dirty="0" smtClean="0"/>
+              <a:t> er en ”oppskrift” på et språk</a:t>
+            </a:r>
+          </a:p>
+          <a:p>
+            <a:r>
+              <a:rPr lang="nb-NO" baseline="0" dirty="0" smtClean="0"/>
+              <a:t>Parser-generatoren lager kildekode for parser</a:t>
+            </a:r>
+          </a:p>
+          <a:p>
+            <a:r>
+              <a:rPr lang="nb-NO" baseline="0" dirty="0" smtClean="0"/>
+              <a:t>Parseren kan kompileres og kjøres som en vanlig parser</a:t>
+            </a:r>
+          </a:p>
+          <a:p>
+            <a:r>
+              <a:rPr lang="nb-NO" baseline="0" dirty="0" smtClean="0"/>
+              <a:t>Ser lett ut, men kan bli ganske hårete</a:t>
+            </a:r>
+            <a:endParaRPr lang="en-US" dirty="0"/>
+          </a:p>
+        </p:txBody>
+      </p:sp>
+      <p:sp>
+        <p:nvSpPr>
+          <p:cNvPr id="4" name="Slide Number Placeholder 3"/>
+          <p:cNvSpPr>
+            <a:spLocks noGrp="1"/>
+          </p:cNvSpPr>
+          <p:nvPr>
+            <p:ph type="sldNum" sz="quarter" idx="10"/>
+          </p:nvPr>
+        </p:nvSpPr>
+        <p:spPr/>
+        <p:txBody>
+          <a:bodyPr/>
+          <a:lstStyle/>
+          <a:p>
+            <a:fld id="{ECA3453C-E802-4D47-B71A-12E4B9F31731}" type="slidenum">
+              <a:rPr lang="en-US" smtClean="0"/>
+              <a:pPr/>
+              <a:t>19</a:t>
+            </a:fld>
+            <a:endParaRPr lang="en-US"/>
+          </a:p>
+        </p:txBody>
+      </p:sp>
+    </p:spTree>
+  </p:cSld>
+  <p:clrMapOvr>
+    <a:masterClrMapping/>
+  </p:clrMapOvr>
+</p:notes>
+</file>
+
+<file path=ppt/notesSlides/notesSlide17.xml><?xml version="1.0" encoding="utf-8"?>
+<p:notes xmlns:a="http://schemas.openxmlformats.org/drawingml/2006/main" xmlns:r="http://schemas.openxmlformats.org/officeDocument/2006/relationships" xmlns:p="http://schemas.openxmlformats.org/presentationml/2006/main">
+  <p:cSld>
+    <p:spTree>
+      <p:nvGrpSpPr>
+        <p:cNvPr id="1" name=""/>
+        <p:cNvGrpSpPr/>
+        <p:nvPr/>
+      </p:nvGrpSpPr>
+      <p:grpSpPr>
+        <a:xfrm>
+          <a:off x="0" y="0"/>
+          <a:ext cx="0" cy="0"/>
+          <a:chOff x="0" y="0"/>
+          <a:chExt cx="0" cy="0"/>
+        </a:xfrm>
+      </p:grpSpPr>
+      <p:sp>
+        <p:nvSpPr>
+          <p:cNvPr id="2" name="Slide Image Placeholder 1"/>
+          <p:cNvSpPr>
+            <a:spLocks noGrp="1" noRot="1" noChangeAspect="1"/>
+          </p:cNvSpPr>
+          <p:nvPr>
+            <p:ph type="sldImg"/>
+          </p:nvPr>
+        </p:nvSpPr>
+        <p:spPr/>
+      </p:sp>
+      <p:sp>
+        <p:nvSpPr>
+          <p:cNvPr id="3" name="Notes Placeholder 2"/>
+          <p:cNvSpPr>
+            <a:spLocks noGrp="1"/>
+          </p:cNvSpPr>
+          <p:nvPr>
+            <p:ph type="body" idx="1"/>
+          </p:nvPr>
+        </p:nvSpPr>
+        <p:spPr/>
+        <p:txBody>
+          <a:bodyPr>
+            <a:normAutofit/>
+          </a:bodyPr>
+          <a:lstStyle/>
+          <a:p>
+            <a:r>
+              <a:rPr lang="nb-NO" dirty="0" smtClean="0"/>
+              <a:t>Debugging er vanskelig og</a:t>
+            </a:r>
+            <a:r>
+              <a:rPr lang="nb-NO" baseline="0" dirty="0" smtClean="0"/>
+              <a:t> uoversiktelig, spesielt i noen typer parsere (lalr)</a:t>
+            </a:r>
+          </a:p>
+          <a:p>
+            <a:r>
+              <a:rPr lang="nb-NO" baseline="0" dirty="0" smtClean="0"/>
+              <a:t>Feilmeldinger er ofte helt syke, og må behandles før de skrives ut</a:t>
+            </a:r>
+          </a:p>
+          <a:p>
+            <a:r>
+              <a:rPr lang="nb-NO" baseline="0" dirty="0" smtClean="0"/>
+              <a:t>Diverse customization begrenser seg til grammatikken + eventuelle templates + konfigurasjon</a:t>
+            </a:r>
+          </a:p>
+        </p:txBody>
+      </p:sp>
+      <p:sp>
+        <p:nvSpPr>
+          <p:cNvPr id="4" name="Slide Number Placeholder 3"/>
+          <p:cNvSpPr>
+            <a:spLocks noGrp="1"/>
+          </p:cNvSpPr>
+          <p:nvPr>
+            <p:ph type="sldNum" sz="quarter" idx="10"/>
+          </p:nvPr>
+        </p:nvSpPr>
+        <p:spPr/>
+        <p:txBody>
+          <a:bodyPr/>
+          <a:lstStyle/>
+          <a:p>
+            <a:fld id="{ECA3453C-E802-4D47-B71A-12E4B9F31731}" type="slidenum">
+              <a:rPr lang="en-US" smtClean="0"/>
+              <a:pPr/>
+              <a:t>20</a:t>
+            </a:fld>
+            <a:endParaRPr lang="en-US"/>
+          </a:p>
+        </p:txBody>
+      </p:sp>
+    </p:spTree>
+  </p:cSld>
+  <p:clrMapOvr>
+    <a:masterClrMapping/>
+  </p:clrMapOvr>
+</p:notes>
+</file>
+
+<file path=ppt/notesSlides/notesSlide18.xml><?xml version="1.0" encoding="utf-8"?>
+<p:notes xmlns:a="http://schemas.openxmlformats.org/drawingml/2006/main" xmlns:r="http://schemas.openxmlformats.org/officeDocument/2006/relationships" xmlns:p="http://schemas.openxmlformats.org/presentationml/2006/main">
+  <p:cSld>
+    <p:spTree>
+      <p:nvGrpSpPr>
+        <p:cNvPr id="1" name=""/>
+        <p:cNvGrpSpPr/>
+        <p:nvPr/>
+      </p:nvGrpSpPr>
+      <p:grpSpPr>
+        <a:xfrm>
+          <a:off x="0" y="0"/>
+          <a:ext cx="0" cy="0"/>
+          <a:chOff x="0" y="0"/>
+          <a:chExt cx="0" cy="0"/>
+        </a:xfrm>
+      </p:grpSpPr>
+      <p:sp>
+        <p:nvSpPr>
+          <p:cNvPr id="2" name="Slide Image Placeholder 1"/>
+          <p:cNvSpPr>
+            <a:spLocks noGrp="1" noRot="1" noChangeAspect="1"/>
+          </p:cNvSpPr>
+          <p:nvPr>
+            <p:ph type="sldImg"/>
+          </p:nvPr>
+        </p:nvSpPr>
+        <p:spPr/>
+      </p:sp>
+      <p:sp>
+        <p:nvSpPr>
+          <p:cNvPr id="3" name="Notes Placeholder 2"/>
+          <p:cNvSpPr>
+            <a:spLocks noGrp="1"/>
+          </p:cNvSpPr>
+          <p:nvPr>
+            <p:ph type="body" idx="1"/>
+          </p:nvPr>
+        </p:nvSpPr>
+        <p:spPr/>
+        <p:txBody>
+          <a:bodyPr>
+            <a:normAutofit/>
+          </a:bodyPr>
+          <a:lstStyle/>
+          <a:p>
+            <a:r>
+              <a:rPr lang="nb-NO" dirty="0" smtClean="0"/>
+              <a:t>ANTLR er en parsergenerator som lager LL(*)-parsere</a:t>
+            </a:r>
+            <a:r>
+              <a:rPr lang="en-US" baseline="0" dirty="0" smtClean="0"/>
+              <a:t> (</a:t>
+            </a:r>
+            <a:r>
+              <a:rPr lang="en-US" baseline="0" dirty="0" err="1" smtClean="0"/>
+              <a:t>vår</a:t>
+            </a:r>
+            <a:r>
+              <a:rPr lang="en-US" baseline="0" dirty="0" smtClean="0"/>
+              <a:t> </a:t>
+            </a:r>
+            <a:r>
+              <a:rPr lang="en-US" baseline="0" dirty="0" err="1" smtClean="0"/>
+              <a:t>ble</a:t>
+            </a:r>
+            <a:r>
+              <a:rPr lang="en-US" baseline="0" dirty="0" smtClean="0"/>
+              <a:t> LL(2) </a:t>
+            </a:r>
+            <a:r>
+              <a:rPr lang="en-US" baseline="0" dirty="0" err="1" smtClean="0"/>
+              <a:t>eller</a:t>
+            </a:r>
+            <a:r>
+              <a:rPr lang="en-US" baseline="0" dirty="0" smtClean="0"/>
+              <a:t> </a:t>
+            </a:r>
+            <a:r>
+              <a:rPr lang="en-US" baseline="0" dirty="0" err="1" smtClean="0"/>
+              <a:t>deromkring</a:t>
+            </a:r>
+            <a:r>
+              <a:rPr lang="en-US" baseline="0" dirty="0" smtClean="0"/>
+              <a:t>)</a:t>
+            </a:r>
+          </a:p>
+          <a:p>
+            <a:r>
+              <a:rPr lang="nb-NO" baseline="0" dirty="0" smtClean="0"/>
+              <a:t>Grammatikken ble basert på spesifikasjonen til W3C:</a:t>
+            </a:r>
+          </a:p>
+          <a:p>
+            <a:r>
+              <a:rPr lang="nb-NO" baseline="0" dirty="0" smtClean="0"/>
+              <a:t>Mye stress med tvetydigheter i grammatikken</a:t>
+            </a:r>
+          </a:p>
+          <a:p>
+            <a:r>
+              <a:rPr lang="nb-NO" baseline="0" dirty="0" smtClean="0"/>
+              <a:t>Klarte til slutt 99.3% av testene i ”Xquery Test Suite” som ikke brukte features som vi ikke støttet (noen få)</a:t>
+            </a:r>
+            <a:endParaRPr lang="nb-NO" dirty="0" smtClean="0"/>
+          </a:p>
+        </p:txBody>
+      </p:sp>
+      <p:sp>
+        <p:nvSpPr>
+          <p:cNvPr id="4" name="Slide Number Placeholder 3"/>
+          <p:cNvSpPr>
+            <a:spLocks noGrp="1"/>
+          </p:cNvSpPr>
+          <p:nvPr>
+            <p:ph type="sldNum" sz="quarter" idx="10"/>
+          </p:nvPr>
+        </p:nvSpPr>
+        <p:spPr/>
+        <p:txBody>
+          <a:bodyPr/>
+          <a:lstStyle/>
+          <a:p>
+            <a:fld id="{ECA3453C-E802-4D47-B71A-12E4B9F31731}" type="slidenum">
+              <a:rPr lang="en-US" smtClean="0"/>
+              <a:pPr/>
+              <a:t>21</a:t>
+            </a:fld>
+            <a:endParaRPr lang="en-US"/>
+          </a:p>
+        </p:txBody>
+      </p:sp>
+    </p:spTree>
+  </p:cSld>
+  <p:clrMapOvr>
+    <a:masterClrMapping/>
+  </p:clrMapOvr>
+</p:notes>
+</file>
+
+<file path=ppt/notesSlides/notesSlide19.xml><?xml version="1.0" encoding="utf-8"?>
+<p:notes xmlns:a="http://schemas.openxmlformats.org/drawingml/2006/main" xmlns:r="http://schemas.openxmlformats.org/officeDocument/2006/relationships" xmlns:p="http://schemas.openxmlformats.org/presentationml/2006/main">
+  <p:cSld>
+    <p:spTree>
+      <p:nvGrpSpPr>
+        <p:cNvPr id="1" name=""/>
+        <p:cNvGrpSpPr/>
+        <p:nvPr/>
+      </p:nvGrpSpPr>
+      <p:grpSpPr>
+        <a:xfrm>
+          <a:off x="0" y="0"/>
+          <a:ext cx="0" cy="0"/>
+          <a:chOff x="0" y="0"/>
+          <a:chExt cx="0" cy="0"/>
+        </a:xfrm>
+      </p:grpSpPr>
+      <p:sp>
+        <p:nvSpPr>
+          <p:cNvPr id="2" name="Slide Image Placeholder 1"/>
+          <p:cNvSpPr>
+            <a:spLocks noGrp="1" noRot="1" noChangeAspect="1"/>
+          </p:cNvSpPr>
+          <p:nvPr>
+            <p:ph type="sldImg"/>
+          </p:nvPr>
+        </p:nvSpPr>
+        <p:spPr/>
+      </p:sp>
+      <p:sp>
+        <p:nvSpPr>
+          <p:cNvPr id="3" name="Notes Placeholder 2"/>
+          <p:cNvSpPr>
+            <a:spLocks noGrp="1"/>
+          </p:cNvSpPr>
+          <p:nvPr>
+            <p:ph type="body" idx="1"/>
+          </p:nvPr>
+        </p:nvSpPr>
+        <p:spPr/>
+        <p:txBody>
+          <a:bodyPr>
+            <a:normAutofit/>
+          </a:bodyPr>
+          <a:lstStyle/>
+          <a:p>
+            <a:r>
+              <a:rPr lang="nb-NO" dirty="0" smtClean="0"/>
+              <a:t>Resultat/eksempel</a:t>
+            </a:r>
+          </a:p>
+          <a:p>
+            <a:r>
+              <a:rPr lang="nb-NO" dirty="0" smtClean="0"/>
+              <a:t>Forklar</a:t>
+            </a:r>
+            <a:r>
+              <a:rPr lang="nb-NO" baseline="0" dirty="0" smtClean="0"/>
+              <a:t> hvordan spørringen blir parset over til treet</a:t>
+            </a:r>
+          </a:p>
+          <a:p>
+            <a:r>
+              <a:rPr lang="nb-NO" baseline="0" dirty="0" smtClean="0"/>
+              <a:t>Veien dit var ikke enkel</a:t>
+            </a:r>
+            <a:endParaRPr lang="en-US" dirty="0"/>
+          </a:p>
+        </p:txBody>
+      </p:sp>
+      <p:sp>
+        <p:nvSpPr>
+          <p:cNvPr id="4" name="Slide Number Placeholder 3"/>
+          <p:cNvSpPr>
+            <a:spLocks noGrp="1"/>
+          </p:cNvSpPr>
+          <p:nvPr>
+            <p:ph type="sldNum" sz="quarter" idx="10"/>
+          </p:nvPr>
+        </p:nvSpPr>
+        <p:spPr/>
+        <p:txBody>
+          <a:bodyPr/>
+          <a:lstStyle/>
+          <a:p>
+            <a:fld id="{ECA3453C-E802-4D47-B71A-12E4B9F31731}" type="slidenum">
+              <a:rPr lang="en-US" smtClean="0"/>
+              <a:pPr/>
+              <a:t>22</a:t>
             </a:fld>
             <a:endParaRPr lang="en-US"/>
           </a:p>
@@ -651,23 +1747,314 @@
           <a:p>
             <a:r>
               <a:rPr lang="nb-NO" dirty="0" smtClean="0"/>
-              <a:t>Her bruker man indeksen ”valocc” (kort</a:t>
+              <a:t>Egentlig</a:t>
             </a:r>
             <a:r>
               <a:rPr lang="nb-NO" baseline="0" dirty="0" smtClean="0"/>
-              <a:t> for value index + occurence index)</a:t>
-            </a:r>
-          </a:p>
-          <a:p>
+              <a:t> </a:t>
+            </a:r>
+            <a:r>
+              <a:rPr lang="nb-NO" dirty="0" smtClean="0"/>
+              <a:t>rammeverk for søkemotorer</a:t>
+            </a:r>
+          </a:p>
+          <a:p>
+            <a:r>
+              <a:rPr lang="nb-NO" dirty="0" smtClean="0"/>
+              <a:t>Felles grensesnitt for spørringer</a:t>
+            </a:r>
+            <a:r>
+              <a:rPr lang="en-US" baseline="0" dirty="0" smtClean="0"/>
+              <a:t> (</a:t>
+            </a:r>
+            <a:r>
+              <a:rPr lang="en-US" baseline="0" dirty="0" err="1" smtClean="0"/>
+              <a:t>Corba</a:t>
+            </a:r>
+            <a:r>
+              <a:rPr lang="en-US" baseline="0" dirty="0" smtClean="0"/>
+              <a:t>/JMX)</a:t>
+            </a:r>
+            <a:endParaRPr lang="nb-NO" dirty="0" smtClean="0"/>
+          </a:p>
+        </p:txBody>
+      </p:sp>
+      <p:sp>
+        <p:nvSpPr>
+          <p:cNvPr id="4" name="Slide Number Placeholder 3"/>
+          <p:cNvSpPr>
+            <a:spLocks noGrp="1"/>
+          </p:cNvSpPr>
+          <p:nvPr>
+            <p:ph type="sldNum" sz="quarter" idx="10"/>
+          </p:nvPr>
+        </p:nvSpPr>
+        <p:spPr/>
+        <p:txBody>
+          <a:bodyPr/>
+          <a:lstStyle/>
+          <a:p>
+            <a:fld id="{ECA3453C-E802-4D47-B71A-12E4B9F31731}" type="slidenum">
+              <a:rPr lang="en-US" smtClean="0"/>
+              <a:pPr/>
+              <a:t>4</a:t>
+            </a:fld>
+            <a:endParaRPr lang="en-US"/>
+          </a:p>
+        </p:txBody>
+      </p:sp>
+    </p:spTree>
+  </p:cSld>
+  <p:clrMapOvr>
+    <a:masterClrMapping/>
+  </p:clrMapOvr>
+</p:notes>
+</file>
+
+<file path=ppt/notesSlides/notesSlide20.xml><?xml version="1.0" encoding="utf-8"?>
+<p:notes xmlns:a="http://schemas.openxmlformats.org/drawingml/2006/main" xmlns:r="http://schemas.openxmlformats.org/officeDocument/2006/relationships" xmlns:p="http://schemas.openxmlformats.org/presentationml/2006/main">
+  <p:cSld>
+    <p:spTree>
+      <p:nvGrpSpPr>
+        <p:cNvPr id="1" name=""/>
+        <p:cNvGrpSpPr/>
+        <p:nvPr/>
+      </p:nvGrpSpPr>
+      <p:grpSpPr>
+        <a:xfrm>
+          <a:off x="0" y="0"/>
+          <a:ext cx="0" cy="0"/>
+          <a:chOff x="0" y="0"/>
+          <a:chExt cx="0" cy="0"/>
+        </a:xfrm>
+      </p:grpSpPr>
+      <p:sp>
+        <p:nvSpPr>
+          <p:cNvPr id="2" name="Slide Image Placeholder 1"/>
+          <p:cNvSpPr>
+            <a:spLocks noGrp="1" noRot="1" noChangeAspect="1"/>
+          </p:cNvSpPr>
+          <p:nvPr>
+            <p:ph type="sldImg"/>
+          </p:nvPr>
+        </p:nvSpPr>
+        <p:spPr/>
+      </p:sp>
+      <p:sp>
+        <p:nvSpPr>
+          <p:cNvPr id="3" name="Notes Placeholder 2"/>
+          <p:cNvSpPr>
+            <a:spLocks noGrp="1"/>
+          </p:cNvSpPr>
+          <p:nvPr>
+            <p:ph type="body" idx="1"/>
+          </p:nvPr>
+        </p:nvSpPr>
+        <p:spPr/>
+        <p:txBody>
+          <a:bodyPr>
+            <a:normAutofit/>
+          </a:bodyPr>
+          <a:lstStyle/>
+          <a:p>
+            <a:r>
+              <a:rPr lang="nb-NO" dirty="0" smtClean="0"/>
+              <a:t>AST</a:t>
+            </a:r>
             <a:r>
               <a:rPr lang="nb-NO" baseline="0" dirty="0" smtClean="0"/>
-              <a:t>Scoper til /a/b</a:t>
-            </a:r>
-          </a:p>
-          <a:p>
+              <a:t> -&gt; relasjonsalgebra</a:t>
+            </a:r>
+            <a:endParaRPr lang="en-US" baseline="0" dirty="0" smtClean="0"/>
+          </a:p>
+          <a:p>
+            <a:r>
+              <a:rPr lang="en-US" baseline="0" dirty="0" err="1" smtClean="0"/>
+              <a:t>Hvordan</a:t>
+            </a:r>
+            <a:r>
+              <a:rPr lang="en-US" baseline="0" dirty="0" smtClean="0"/>
+              <a:t> </a:t>
+            </a:r>
+            <a:r>
+              <a:rPr lang="en-US" baseline="0" dirty="0" err="1" smtClean="0"/>
+              <a:t>få</a:t>
+            </a:r>
+            <a:r>
+              <a:rPr lang="en-US" baseline="0" dirty="0" smtClean="0"/>
+              <a:t> </a:t>
+            </a:r>
+            <a:r>
+              <a:rPr lang="en-US" baseline="0" dirty="0" err="1" smtClean="0"/>
+              <a:t>det</a:t>
+            </a:r>
+            <a:r>
+              <a:rPr lang="en-US" baseline="0" dirty="0" smtClean="0"/>
+              <a:t> </a:t>
+            </a:r>
+            <a:r>
+              <a:rPr lang="en-US" baseline="0" dirty="0" err="1" smtClean="0"/>
+              <a:t>til</a:t>
+            </a:r>
+            <a:r>
+              <a:rPr lang="en-US" baseline="0" dirty="0" smtClean="0"/>
+              <a:t>?</a:t>
+            </a:r>
+            <a:endParaRPr lang="nb-NO" baseline="0" dirty="0" smtClean="0"/>
+          </a:p>
+        </p:txBody>
+      </p:sp>
+      <p:sp>
+        <p:nvSpPr>
+          <p:cNvPr id="4" name="Slide Number Placeholder 3"/>
+          <p:cNvSpPr>
+            <a:spLocks noGrp="1"/>
+          </p:cNvSpPr>
+          <p:nvPr>
+            <p:ph type="sldNum" sz="quarter" idx="10"/>
+          </p:nvPr>
+        </p:nvSpPr>
+        <p:spPr/>
+        <p:txBody>
+          <a:bodyPr/>
+          <a:lstStyle/>
+          <a:p>
+            <a:fld id="{ECA3453C-E802-4D47-B71A-12E4B9F31731}" type="slidenum">
+              <a:rPr lang="en-US" smtClean="0"/>
+              <a:pPr/>
+              <a:t>23</a:t>
+            </a:fld>
+            <a:endParaRPr lang="en-US"/>
+          </a:p>
+        </p:txBody>
+      </p:sp>
+    </p:spTree>
+  </p:cSld>
+  <p:clrMapOvr>
+    <a:masterClrMapping/>
+  </p:clrMapOvr>
+</p:notes>
+</file>
+
+<file path=ppt/notesSlides/notesSlide21.xml><?xml version="1.0" encoding="utf-8"?>
+<p:notes xmlns:a="http://schemas.openxmlformats.org/drawingml/2006/main" xmlns:r="http://schemas.openxmlformats.org/officeDocument/2006/relationships" xmlns:p="http://schemas.openxmlformats.org/presentationml/2006/main">
+  <p:cSld>
+    <p:spTree>
+      <p:nvGrpSpPr>
+        <p:cNvPr id="1" name=""/>
+        <p:cNvGrpSpPr/>
+        <p:nvPr/>
+      </p:nvGrpSpPr>
+      <p:grpSpPr>
+        <a:xfrm>
+          <a:off x="0" y="0"/>
+          <a:ext cx="0" cy="0"/>
+          <a:chOff x="0" y="0"/>
+          <a:chExt cx="0" cy="0"/>
+        </a:xfrm>
+      </p:grpSpPr>
+      <p:sp>
+        <p:nvSpPr>
+          <p:cNvPr id="2" name="Slide Image Placeholder 1"/>
+          <p:cNvSpPr>
+            <a:spLocks noGrp="1" noRot="1" noChangeAspect="1"/>
+          </p:cNvSpPr>
+          <p:nvPr>
+            <p:ph type="sldImg"/>
+          </p:nvPr>
+        </p:nvSpPr>
+        <p:spPr/>
+      </p:sp>
+      <p:sp>
+        <p:nvSpPr>
+          <p:cNvPr id="3" name="Notes Placeholder 2"/>
+          <p:cNvSpPr>
+            <a:spLocks noGrp="1"/>
+          </p:cNvSpPr>
+          <p:nvPr>
+            <p:ph type="body" idx="1"/>
+          </p:nvPr>
+        </p:nvSpPr>
+        <p:spPr/>
+        <p:txBody>
+          <a:bodyPr>
+            <a:normAutofit/>
+          </a:bodyPr>
+          <a:lstStyle/>
+          <a:p>
+            <a:pPr marL="0" marR="0" indent="0" algn="l" defTabSz="914400" rtl="0" eaLnBrk="1" fontAlgn="auto" latinLnBrk="0" hangingPunct="1">
+              <a:lnSpc>
+                <a:spcPct val="100000"/>
+              </a:lnSpc>
+              <a:spcBef>
+                <a:spcPts val="0"/>
+              </a:spcBef>
+              <a:spcAft>
+                <a:spcPts val="0"/>
+              </a:spcAft>
+              <a:buClrTx/>
+              <a:buSzTx/>
+              <a:buFontTx/>
+              <a:buNone/>
+              <a:tabLst/>
+              <a:defRPr/>
+            </a:pPr>
+            <a:r>
+              <a:rPr lang="nb-NO" dirty="0" smtClean="0"/>
+              <a:t>Kun</a:t>
+            </a:r>
             <a:r>
               <a:rPr lang="nb-NO" baseline="0" dirty="0" smtClean="0"/>
-              <a:t>Henter alle occurences av c i dette scopet</a:t>
+              <a:t> p</a:t>
+            </a:r>
+            <a:r>
+              <a:rPr lang="nb-NO" dirty="0" smtClean="0"/>
+              <a:t>athfinder kan jobbe mot relasjonelle databaser (MonetDB) </a:t>
+            </a:r>
+          </a:p>
+          <a:p>
+            <a:pPr marL="0" marR="0" indent="0" algn="l" defTabSz="914400" rtl="0" eaLnBrk="1" fontAlgn="auto" latinLnBrk="0" hangingPunct="1">
+              <a:lnSpc>
+                <a:spcPct val="100000"/>
+              </a:lnSpc>
+              <a:spcBef>
+                <a:spcPts val="0"/>
+              </a:spcBef>
+              <a:spcAft>
+                <a:spcPts val="0"/>
+              </a:spcAft>
+              <a:buClrTx/>
+              <a:buSzTx/>
+              <a:buFontTx/>
+              <a:buNone/>
+              <a:tabLst/>
+              <a:defRPr/>
+            </a:pPr>
+            <a:r>
+              <a:rPr lang="nb-NO" dirty="0" smtClean="0"/>
+              <a:t> - Altså genererer relasjonell algebra for kjøring</a:t>
+            </a:r>
+          </a:p>
+          <a:p>
+            <a:r>
+              <a:rPr lang="nb-NO" dirty="0" smtClean="0"/>
+              <a:t>eXist og Galatex skalerer dårlig, spesielt Galatex</a:t>
+            </a:r>
+          </a:p>
+          <a:p>
+            <a:r>
+              <a:rPr lang="nb-NO" dirty="0" smtClean="0"/>
+              <a:t>Kunne</a:t>
+            </a:r>
+            <a:r>
+              <a:rPr lang="nb-NO" baseline="0" dirty="0" smtClean="0"/>
+              <a:t> egnet seg for MARS, men problemer med skalering (denormalisering av mellomresultater)</a:t>
+            </a:r>
+          </a:p>
+          <a:p>
+            <a:r>
+              <a:rPr lang="nb-NO" baseline="0" dirty="0" smtClean="0"/>
+              <a:t>Kommersielle alternativer med restriktive lisenser</a:t>
             </a:r>
             <a:endParaRPr lang="en-US" dirty="0"/>
           </a:p>
@@ -690,7 +2077,806 @@
           <a:p>
             <a:fld id="{ECA3453C-E802-4D47-B71A-12E4B9F31731}" type="slidenum">
               <a:rPr lang="en-US" smtClean="0"/>
-              <a:t>5</a:t>
+              <a:pPr/>
+              <a:t>24</a:t>
+            </a:fld>
+            <a:endParaRPr lang="en-US"/>
+          </a:p>
+        </p:txBody>
+      </p:sp>
+    </p:spTree>
+  </p:cSld>
+  <p:clrMapOvr>
+    <a:masterClrMapping/>
+  </p:clrMapOvr>
+</p:notes>
+</file>
+
+<file path=ppt/notesSlides/notesSlide22.xml><?xml version="1.0" encoding="utf-8"?>
+<p:notes xmlns:a="http://schemas.openxmlformats.org/drawingml/2006/main" xmlns:r="http://schemas.openxmlformats.org/officeDocument/2006/relationships" xmlns:p="http://schemas.openxmlformats.org/presentationml/2006/main">
+  <p:cSld>
+    <p:spTree>
+      <p:nvGrpSpPr>
+        <p:cNvPr id="1" name=""/>
+        <p:cNvGrpSpPr/>
+        <p:nvPr/>
+      </p:nvGrpSpPr>
+      <p:grpSpPr>
+        <a:xfrm>
+          <a:off x="0" y="0"/>
+          <a:ext cx="0" cy="0"/>
+          <a:chOff x="0" y="0"/>
+          <a:chExt cx="0" cy="0"/>
+        </a:xfrm>
+      </p:grpSpPr>
+      <p:sp>
+        <p:nvSpPr>
+          <p:cNvPr id="2" name="Slide Image Placeholder 1"/>
+          <p:cNvSpPr>
+            <a:spLocks noGrp="1" noRot="1" noChangeAspect="1"/>
+          </p:cNvSpPr>
+          <p:nvPr>
+            <p:ph type="sldImg"/>
+          </p:nvPr>
+        </p:nvSpPr>
+        <p:spPr/>
+      </p:sp>
+      <p:sp>
+        <p:nvSpPr>
+          <p:cNvPr id="3" name="Notes Placeholder 2"/>
+          <p:cNvSpPr>
+            <a:spLocks noGrp="1"/>
+          </p:cNvSpPr>
+          <p:nvPr>
+            <p:ph type="body" idx="1"/>
+          </p:nvPr>
+        </p:nvSpPr>
+        <p:spPr/>
+        <p:txBody>
+          <a:bodyPr>
+            <a:normAutofit/>
+          </a:bodyPr>
+          <a:lstStyle/>
+          <a:p>
+            <a:r>
+              <a:rPr lang="nb-NO" dirty="0" smtClean="0"/>
+              <a:t>Utviklet</a:t>
+            </a:r>
+            <a:r>
+              <a:rPr lang="nb-NO" baseline="0" dirty="0" smtClean="0"/>
+              <a:t> av Jens Teubner et.al ved </a:t>
+            </a:r>
+            <a:endParaRPr lang="nb-NO" baseline="0" dirty="0" smtClean="0"/>
+          </a:p>
+          <a:p>
+            <a:r>
+              <a:rPr lang="nb-NO" baseline="0" dirty="0" smtClean="0"/>
+              <a:t>”relativt” enkel, egentlig ganske tricky å sette seg inn i</a:t>
+            </a:r>
+            <a:endParaRPr lang="nb-NO" dirty="0" smtClean="0"/>
+          </a:p>
+          <a:p>
+            <a:r>
+              <a:rPr lang="nb-NO" dirty="0" smtClean="0"/>
+              <a:t>Problematisk</a:t>
+            </a:r>
+            <a:r>
+              <a:rPr lang="nb-NO" baseline="0" dirty="0" smtClean="0"/>
+              <a:t> denormalisering: 10 000 * 10 000 = 100 000 000 i mellomresultatet</a:t>
+            </a:r>
+          </a:p>
+          <a:p>
+            <a:r>
+              <a:rPr lang="nb-NO" baseline="0" dirty="0" smtClean="0"/>
+              <a:t>Komplekse optimaliseringsalgoritmer</a:t>
+            </a:r>
+          </a:p>
+          <a:p>
+            <a:r>
+              <a:rPr lang="nb-NO" dirty="0" smtClean="0"/>
+              <a:t>FAST insisterte</a:t>
+            </a:r>
+            <a:r>
+              <a:rPr lang="nb-NO" baseline="0" dirty="0" smtClean="0"/>
+              <a:t> på Java</a:t>
+            </a:r>
+            <a:endParaRPr lang="nb-NO" dirty="0"/>
+          </a:p>
+        </p:txBody>
+      </p:sp>
+      <p:sp>
+        <p:nvSpPr>
+          <p:cNvPr id="4" name="Slide Number Placeholder 3"/>
+          <p:cNvSpPr>
+            <a:spLocks noGrp="1"/>
+          </p:cNvSpPr>
+          <p:nvPr>
+            <p:ph type="sldNum" sz="quarter" idx="10"/>
+          </p:nvPr>
+        </p:nvSpPr>
+        <p:spPr/>
+        <p:txBody>
+          <a:bodyPr/>
+          <a:lstStyle/>
+          <a:p>
+            <a:fld id="{ECA3453C-E802-4D47-B71A-12E4B9F31731}" type="slidenum">
+              <a:rPr lang="en-US" smtClean="0"/>
+              <a:pPr/>
+              <a:t>25</a:t>
+            </a:fld>
+            <a:endParaRPr lang="en-US"/>
+          </a:p>
+        </p:txBody>
+      </p:sp>
+    </p:spTree>
+  </p:cSld>
+  <p:clrMapOvr>
+    <a:masterClrMapping/>
+  </p:clrMapOvr>
+</p:notes>
+</file>
+
+<file path=ppt/notesSlides/notesSlide23.xml><?xml version="1.0" encoding="utf-8"?>
+<p:notes xmlns:a="http://schemas.openxmlformats.org/drawingml/2006/main" xmlns:r="http://schemas.openxmlformats.org/officeDocument/2006/relationships" xmlns:p="http://schemas.openxmlformats.org/presentationml/2006/main">
+  <p:cSld>
+    <p:spTree>
+      <p:nvGrpSpPr>
+        <p:cNvPr id="1" name=""/>
+        <p:cNvGrpSpPr/>
+        <p:nvPr/>
+      </p:nvGrpSpPr>
+      <p:grpSpPr>
+        <a:xfrm>
+          <a:off x="0" y="0"/>
+          <a:ext cx="0" cy="0"/>
+          <a:chOff x="0" y="0"/>
+          <a:chExt cx="0" cy="0"/>
+        </a:xfrm>
+      </p:grpSpPr>
+      <p:sp>
+        <p:nvSpPr>
+          <p:cNvPr id="2" name="Slide Image Placeholder 1"/>
+          <p:cNvSpPr>
+            <a:spLocks noGrp="1" noRot="1" noChangeAspect="1"/>
+          </p:cNvSpPr>
+          <p:nvPr>
+            <p:ph type="sldImg"/>
+          </p:nvPr>
+        </p:nvSpPr>
+        <p:spPr/>
+      </p:sp>
+      <p:sp>
+        <p:nvSpPr>
+          <p:cNvPr id="3" name="Notes Placeholder 2"/>
+          <p:cNvSpPr>
+            <a:spLocks noGrp="1"/>
+          </p:cNvSpPr>
+          <p:nvPr>
+            <p:ph type="body" idx="1"/>
+          </p:nvPr>
+        </p:nvSpPr>
+        <p:spPr/>
+        <p:txBody>
+          <a:bodyPr>
+            <a:normAutofit/>
+          </a:bodyPr>
+          <a:lstStyle/>
+          <a:p>
+            <a:endParaRPr lang="nb-NO" dirty="0"/>
+          </a:p>
+        </p:txBody>
+      </p:sp>
+      <p:sp>
+        <p:nvSpPr>
+          <p:cNvPr id="4" name="Slide Number Placeholder 3"/>
+          <p:cNvSpPr>
+            <a:spLocks noGrp="1"/>
+          </p:cNvSpPr>
+          <p:nvPr>
+            <p:ph type="sldNum" sz="quarter" idx="10"/>
+          </p:nvPr>
+        </p:nvSpPr>
+        <p:spPr/>
+        <p:txBody>
+          <a:bodyPr/>
+          <a:lstStyle/>
+          <a:p>
+            <a:fld id="{ECA3453C-E802-4D47-B71A-12E4B9F31731}" type="slidenum">
+              <a:rPr lang="en-US" smtClean="0"/>
+              <a:pPr/>
+              <a:t>26</a:t>
+            </a:fld>
+            <a:endParaRPr lang="en-US"/>
+          </a:p>
+        </p:txBody>
+      </p:sp>
+    </p:spTree>
+  </p:cSld>
+  <p:clrMapOvr>
+    <a:masterClrMapping/>
+  </p:clrMapOvr>
+</p:notes>
+</file>
+
+<file path=ppt/notesSlides/notesSlide24.xml><?xml version="1.0" encoding="utf-8"?>
+<p:notes xmlns:a="http://schemas.openxmlformats.org/drawingml/2006/main" xmlns:r="http://schemas.openxmlformats.org/officeDocument/2006/relationships" xmlns:p="http://schemas.openxmlformats.org/presentationml/2006/main">
+  <p:cSld>
+    <p:spTree>
+      <p:nvGrpSpPr>
+        <p:cNvPr id="1" name=""/>
+        <p:cNvGrpSpPr/>
+        <p:nvPr/>
+      </p:nvGrpSpPr>
+      <p:grpSpPr>
+        <a:xfrm>
+          <a:off x="0" y="0"/>
+          <a:ext cx="0" cy="0"/>
+          <a:chOff x="0" y="0"/>
+          <a:chExt cx="0" cy="0"/>
+        </a:xfrm>
+      </p:grpSpPr>
+      <p:sp>
+        <p:nvSpPr>
+          <p:cNvPr id="2" name="Slide Image Placeholder 1"/>
+          <p:cNvSpPr>
+            <a:spLocks noGrp="1" noRot="1" noChangeAspect="1"/>
+          </p:cNvSpPr>
+          <p:nvPr>
+            <p:ph type="sldImg"/>
+          </p:nvPr>
+        </p:nvSpPr>
+        <p:spPr/>
+      </p:sp>
+      <p:sp>
+        <p:nvSpPr>
+          <p:cNvPr id="3" name="Notes Placeholder 2"/>
+          <p:cNvSpPr>
+            <a:spLocks noGrp="1"/>
+          </p:cNvSpPr>
+          <p:nvPr>
+            <p:ph type="body" idx="1"/>
+          </p:nvPr>
+        </p:nvSpPr>
+        <p:spPr/>
+        <p:txBody>
+          <a:bodyPr>
+            <a:normAutofit/>
+          </a:bodyPr>
+          <a:lstStyle/>
+          <a:p>
+            <a:r>
+              <a:rPr lang="nb-NO" dirty="0" smtClean="0"/>
+              <a:t>Mye</a:t>
+            </a:r>
+            <a:r>
+              <a:rPr lang="nb-NO" baseline="0" dirty="0" smtClean="0"/>
+              <a:t> vanskeligere en det ser ut som!</a:t>
+            </a:r>
+          </a:p>
+          <a:p>
+            <a:r>
+              <a:rPr lang="nb-NO" baseline="0" dirty="0" smtClean="0"/>
+              <a:t>Men likevel </a:t>
+            </a:r>
+            <a:r>
+              <a:rPr lang="nb-NO" baseline="0" smtClean="0"/>
+              <a:t>ganske enkel (iallfall sammenlignet med vår metode)</a:t>
+            </a:r>
+            <a:endParaRPr lang="nb-NO" dirty="0"/>
+          </a:p>
+        </p:txBody>
+      </p:sp>
+      <p:sp>
+        <p:nvSpPr>
+          <p:cNvPr id="4" name="Slide Number Placeholder 3"/>
+          <p:cNvSpPr>
+            <a:spLocks noGrp="1"/>
+          </p:cNvSpPr>
+          <p:nvPr>
+            <p:ph type="sldNum" sz="quarter" idx="10"/>
+          </p:nvPr>
+        </p:nvSpPr>
+        <p:spPr/>
+        <p:txBody>
+          <a:bodyPr/>
+          <a:lstStyle/>
+          <a:p>
+            <a:fld id="{ECA3453C-E802-4D47-B71A-12E4B9F31731}" type="slidenum">
+              <a:rPr lang="en-US" smtClean="0"/>
+              <a:pPr/>
+              <a:t>27</a:t>
+            </a:fld>
+            <a:endParaRPr lang="en-US"/>
+          </a:p>
+        </p:txBody>
+      </p:sp>
+    </p:spTree>
+  </p:cSld>
+  <p:clrMapOvr>
+    <a:masterClrMapping/>
+  </p:clrMapOvr>
+</p:notes>
+</file>
+
+<file path=ppt/notesSlides/notesSlide25.xml><?xml version="1.0" encoding="utf-8"?>
+<p:notes xmlns:a="http://schemas.openxmlformats.org/drawingml/2006/main" xmlns:r="http://schemas.openxmlformats.org/officeDocument/2006/relationships" xmlns:p="http://schemas.openxmlformats.org/presentationml/2006/main">
+  <p:cSld>
+    <p:spTree>
+      <p:nvGrpSpPr>
+        <p:cNvPr id="1" name=""/>
+        <p:cNvGrpSpPr/>
+        <p:nvPr/>
+      </p:nvGrpSpPr>
+      <p:grpSpPr>
+        <a:xfrm>
+          <a:off x="0" y="0"/>
+          <a:ext cx="0" cy="0"/>
+          <a:chOff x="0" y="0"/>
+          <a:chExt cx="0" cy="0"/>
+        </a:xfrm>
+      </p:grpSpPr>
+      <p:sp>
+        <p:nvSpPr>
+          <p:cNvPr id="2" name="Slide Image Placeholder 1"/>
+          <p:cNvSpPr>
+            <a:spLocks noGrp="1" noRot="1" noChangeAspect="1"/>
+          </p:cNvSpPr>
+          <p:nvPr>
+            <p:ph type="sldImg"/>
+          </p:nvPr>
+        </p:nvSpPr>
+        <p:spPr/>
+      </p:sp>
+      <p:sp>
+        <p:nvSpPr>
+          <p:cNvPr id="3" name="Notes Placeholder 2"/>
+          <p:cNvSpPr>
+            <a:spLocks noGrp="1"/>
+          </p:cNvSpPr>
+          <p:nvPr>
+            <p:ph type="body" idx="1"/>
+          </p:nvPr>
+        </p:nvSpPr>
+        <p:spPr/>
+        <p:txBody>
+          <a:bodyPr>
+            <a:normAutofit/>
+          </a:bodyPr>
+          <a:lstStyle/>
+          <a:p>
+            <a:r>
+              <a:rPr lang="nb-NO" dirty="0" smtClean="0"/>
+              <a:t>FAST</a:t>
+            </a:r>
+            <a:r>
+              <a:rPr lang="nb-NO" baseline="0" dirty="0" smtClean="0"/>
+              <a:t> ville ha en implementasjon i </a:t>
+            </a:r>
+            <a:r>
+              <a:rPr lang="nb-NO" baseline="0" dirty="0" smtClean="0"/>
+              <a:t>Java</a:t>
+            </a:r>
+          </a:p>
+          <a:p>
+            <a:r>
+              <a:rPr lang="nb-NO" baseline="0" dirty="0" smtClean="0"/>
+              <a:t>Kunne ikke utnytte noen features i MQL, f.eks scope()-operatoren (fordi Loop Lifting forutsetter staircase join for path-uttrykk)</a:t>
+            </a:r>
+            <a:endParaRPr lang="nb-NO" baseline="0" dirty="0" smtClean="0"/>
+          </a:p>
+          <a:p>
+            <a:r>
+              <a:rPr lang="nb-NO" baseline="0" dirty="0" smtClean="0"/>
+              <a:t>Loop lifting var en brukbar metode</a:t>
+            </a:r>
+          </a:p>
+          <a:p>
+            <a:r>
+              <a:rPr lang="nb-NO" baseline="0" dirty="0" smtClean="0"/>
+              <a:t>Kanskje mulig å forbedre den</a:t>
+            </a:r>
+            <a:endParaRPr lang="nb-NO" dirty="0"/>
+          </a:p>
+        </p:txBody>
+      </p:sp>
+      <p:sp>
+        <p:nvSpPr>
+          <p:cNvPr id="4" name="Slide Number Placeholder 3"/>
+          <p:cNvSpPr>
+            <a:spLocks noGrp="1"/>
+          </p:cNvSpPr>
+          <p:nvPr>
+            <p:ph type="sldNum" sz="quarter" idx="10"/>
+          </p:nvPr>
+        </p:nvSpPr>
+        <p:spPr/>
+        <p:txBody>
+          <a:bodyPr/>
+          <a:lstStyle/>
+          <a:p>
+            <a:fld id="{ECA3453C-E802-4D47-B71A-12E4B9F31731}" type="slidenum">
+              <a:rPr lang="en-US" smtClean="0"/>
+              <a:pPr/>
+              <a:t>28</a:t>
+            </a:fld>
+            <a:endParaRPr lang="en-US"/>
+          </a:p>
+        </p:txBody>
+      </p:sp>
+    </p:spTree>
+  </p:cSld>
+  <p:clrMapOvr>
+    <a:masterClrMapping/>
+  </p:clrMapOvr>
+</p:notes>
+</file>
+
+<file path=ppt/notesSlides/notesSlide26.xml><?xml version="1.0" encoding="utf-8"?>
+<p:notes xmlns:a="http://schemas.openxmlformats.org/drawingml/2006/main" xmlns:r="http://schemas.openxmlformats.org/officeDocument/2006/relationships" xmlns:p="http://schemas.openxmlformats.org/presentationml/2006/main">
+  <p:cSld>
+    <p:spTree>
+      <p:nvGrpSpPr>
+        <p:cNvPr id="1" name=""/>
+        <p:cNvGrpSpPr/>
+        <p:nvPr/>
+      </p:nvGrpSpPr>
+      <p:grpSpPr>
+        <a:xfrm>
+          <a:off x="0" y="0"/>
+          <a:ext cx="0" cy="0"/>
+          <a:chOff x="0" y="0"/>
+          <a:chExt cx="0" cy="0"/>
+        </a:xfrm>
+      </p:grpSpPr>
+      <p:sp>
+        <p:nvSpPr>
+          <p:cNvPr id="2" name="Slide Image Placeholder 1"/>
+          <p:cNvSpPr>
+            <a:spLocks noGrp="1" noRot="1" noChangeAspect="1"/>
+          </p:cNvSpPr>
+          <p:nvPr>
+            <p:ph type="sldImg"/>
+          </p:nvPr>
+        </p:nvSpPr>
+        <p:spPr/>
+      </p:sp>
+      <p:sp>
+        <p:nvSpPr>
+          <p:cNvPr id="3" name="Notes Placeholder 2"/>
+          <p:cNvSpPr>
+            <a:spLocks noGrp="1"/>
+          </p:cNvSpPr>
+          <p:nvPr>
+            <p:ph type="body" idx="1"/>
+          </p:nvPr>
+        </p:nvSpPr>
+        <p:spPr/>
+        <p:txBody>
+          <a:bodyPr>
+            <a:normAutofit/>
+          </a:bodyPr>
+          <a:lstStyle/>
+          <a:p>
+            <a:r>
+              <a:rPr lang="nb-NO" dirty="0" smtClean="0"/>
+              <a:t>Veilederene</a:t>
+            </a:r>
+            <a:r>
+              <a:rPr lang="nb-NO" baseline="0" dirty="0" smtClean="0"/>
+              <a:t> hatet dette </a:t>
+            </a:r>
+            <a:r>
+              <a:rPr lang="nb-NO" baseline="0" dirty="0" smtClean="0"/>
+              <a:t>navnet</a:t>
+            </a:r>
+          </a:p>
+          <a:p>
+            <a:endParaRPr lang="nb-NO" baseline="0" dirty="0" smtClean="0"/>
+          </a:p>
+          <a:p>
+            <a:r>
+              <a:rPr lang="nb-NO" baseline="0" dirty="0" smtClean="0"/>
+              <a:t>Indeksering var nyttig for sortering og for å opprettholder ”order”</a:t>
+            </a:r>
+            <a:endParaRPr lang="en-US" dirty="0" smtClean="0"/>
+          </a:p>
+          <a:p>
+            <a:endParaRPr lang="en-US" dirty="0" smtClean="0"/>
+          </a:p>
+          <a:p>
+            <a:r>
+              <a:rPr lang="en-US" dirty="0" smtClean="0"/>
+              <a:t>Inheritance: En </a:t>
+            </a:r>
+            <a:r>
+              <a:rPr lang="en-US" dirty="0" err="1" smtClean="0"/>
+              <a:t>spørring</a:t>
+            </a:r>
+            <a:r>
+              <a:rPr lang="en-US" dirty="0" smtClean="0"/>
+              <a:t> </a:t>
+            </a:r>
+            <a:r>
+              <a:rPr lang="en-US" dirty="0" err="1" smtClean="0"/>
+              <a:t>er</a:t>
+            </a:r>
+            <a:r>
+              <a:rPr lang="en-US" dirty="0" smtClean="0"/>
+              <a:t> </a:t>
+            </a:r>
+            <a:r>
+              <a:rPr lang="en-US" dirty="0" err="1" smtClean="0"/>
+              <a:t>avhenging</a:t>
+            </a:r>
+            <a:r>
+              <a:rPr lang="en-US" dirty="0" smtClean="0"/>
+              <a:t> </a:t>
+            </a:r>
+            <a:r>
+              <a:rPr lang="en-US" dirty="0" err="1" smtClean="0"/>
+              <a:t>av</a:t>
+            </a:r>
+            <a:r>
+              <a:rPr lang="en-US" dirty="0" smtClean="0"/>
+              <a:t> en </a:t>
+            </a:r>
+            <a:r>
+              <a:rPr lang="en-US" dirty="0" err="1" smtClean="0"/>
+              <a:t>iterator</a:t>
+            </a:r>
+            <a:r>
+              <a:rPr lang="en-US" baseline="0" dirty="0" smtClean="0"/>
+              <a:t> Ix </a:t>
+            </a:r>
+            <a:r>
+              <a:rPr lang="en-US" baseline="0" dirty="0" err="1" smtClean="0"/>
+              <a:t>hvis</a:t>
+            </a:r>
+            <a:r>
+              <a:rPr lang="en-US" baseline="0" dirty="0" smtClean="0"/>
+              <a:t> </a:t>
+            </a:r>
+            <a:r>
+              <a:rPr lang="en-US" baseline="0" dirty="0" err="1" smtClean="0"/>
+              <a:t>spørringen</a:t>
+            </a:r>
+            <a:r>
+              <a:rPr lang="en-US" baseline="0" dirty="0" smtClean="0"/>
+              <a:t> </a:t>
+            </a:r>
+            <a:r>
+              <a:rPr lang="en-US" baseline="0" dirty="0" err="1" smtClean="0"/>
+              <a:t>forekommer</a:t>
+            </a:r>
+            <a:r>
+              <a:rPr lang="en-US" baseline="0" dirty="0" smtClean="0"/>
+              <a:t> </a:t>
+            </a:r>
+            <a:r>
+              <a:rPr lang="en-US" baseline="0" dirty="0" err="1" smtClean="0"/>
+              <a:t>innenfor</a:t>
+            </a:r>
+            <a:r>
+              <a:rPr lang="en-US" baseline="0" dirty="0" smtClean="0"/>
+              <a:t> “</a:t>
+            </a:r>
+            <a:r>
+              <a:rPr lang="en-US" baseline="0" dirty="0" err="1" smtClean="0"/>
+              <a:t>kroppen</a:t>
+            </a:r>
+            <a:r>
+              <a:rPr lang="en-US" baseline="0" dirty="0" smtClean="0"/>
+              <a:t>” </a:t>
+            </a:r>
+            <a:r>
+              <a:rPr lang="en-US" baseline="0" dirty="0" err="1" smtClean="0"/>
+              <a:t>til</a:t>
+            </a:r>
+            <a:r>
+              <a:rPr lang="en-US" baseline="0" dirty="0" smtClean="0"/>
+              <a:t> Ix </a:t>
+            </a:r>
+            <a:r>
+              <a:rPr lang="en-US" baseline="0" dirty="0" err="1" smtClean="0"/>
+              <a:t>og</a:t>
+            </a:r>
+            <a:r>
+              <a:rPr lang="en-US" baseline="0" dirty="0" smtClean="0"/>
+              <a:t> </a:t>
+            </a:r>
+            <a:r>
+              <a:rPr lang="en-US" baseline="0" dirty="0" err="1" smtClean="0"/>
+              <a:t>evalueringen</a:t>
+            </a:r>
+            <a:r>
+              <a:rPr lang="en-US" baseline="0" dirty="0" smtClean="0"/>
+              <a:t> </a:t>
+            </a:r>
+            <a:r>
+              <a:rPr lang="en-US" baseline="0" dirty="0" err="1" smtClean="0"/>
+              <a:t>av</a:t>
+            </a:r>
+            <a:r>
+              <a:rPr lang="en-US" baseline="0" dirty="0" smtClean="0"/>
+              <a:t> e </a:t>
+            </a:r>
+            <a:r>
+              <a:rPr lang="en-US" baseline="0" dirty="0" err="1" smtClean="0"/>
+              <a:t>avhenger</a:t>
+            </a:r>
+            <a:r>
+              <a:rPr lang="en-US" baseline="0" dirty="0" smtClean="0"/>
+              <a:t> </a:t>
+            </a:r>
+            <a:r>
+              <a:rPr lang="en-US" baseline="0" dirty="0" err="1" smtClean="0"/>
+              <a:t>av</a:t>
+            </a:r>
+            <a:r>
+              <a:rPr lang="en-US" baseline="0" dirty="0" smtClean="0"/>
+              <a:t> </a:t>
+            </a:r>
+            <a:r>
+              <a:rPr lang="en-US" baseline="0" dirty="0" err="1" smtClean="0"/>
+              <a:t>iterasjonsnummeret</a:t>
+            </a:r>
+            <a:r>
+              <a:rPr lang="en-US" baseline="0" dirty="0" smtClean="0"/>
+              <a:t> </a:t>
+            </a:r>
+            <a:r>
+              <a:rPr lang="en-US" baseline="0" dirty="0" err="1" smtClean="0"/>
+              <a:t>til</a:t>
+            </a:r>
+            <a:r>
+              <a:rPr lang="en-US" baseline="0" dirty="0" smtClean="0"/>
+              <a:t> Ix</a:t>
+            </a:r>
+          </a:p>
+          <a:p>
+            <a:r>
+              <a:rPr lang="en-US" baseline="0" dirty="0" err="1" smtClean="0"/>
+              <a:t>Denne</a:t>
+            </a:r>
+            <a:r>
+              <a:rPr lang="en-US" baseline="0" dirty="0" smtClean="0"/>
+              <a:t> </a:t>
+            </a:r>
+            <a:r>
+              <a:rPr lang="en-US" baseline="0" dirty="0" err="1" smtClean="0"/>
+              <a:t>avhengigheten</a:t>
+            </a:r>
+            <a:r>
+              <a:rPr lang="en-US" baseline="0" dirty="0" smtClean="0"/>
+              <a:t> </a:t>
+            </a:r>
+            <a:r>
+              <a:rPr lang="en-US" baseline="0" dirty="0" err="1" smtClean="0"/>
+              <a:t>arves</a:t>
+            </a:r>
+            <a:r>
+              <a:rPr lang="en-US" baseline="0" dirty="0" smtClean="0"/>
+              <a:t> </a:t>
+            </a:r>
+            <a:r>
+              <a:rPr lang="en-US" baseline="0" dirty="0" err="1" smtClean="0"/>
+              <a:t>nedover</a:t>
+            </a:r>
+            <a:r>
+              <a:rPr lang="en-US" baseline="0" dirty="0" smtClean="0"/>
+              <a:t> </a:t>
+            </a:r>
+            <a:r>
+              <a:rPr lang="en-US" baseline="0" dirty="0" err="1" smtClean="0"/>
+              <a:t>i</a:t>
+            </a:r>
+            <a:r>
+              <a:rPr lang="en-US" baseline="0" dirty="0" smtClean="0"/>
+              <a:t> scope-</a:t>
+            </a:r>
+            <a:r>
+              <a:rPr lang="en-US" baseline="0" dirty="0" err="1" smtClean="0"/>
+              <a:t>treet</a:t>
+            </a:r>
+            <a:endParaRPr lang="en-US" baseline="0" dirty="0" smtClean="0"/>
+          </a:p>
+          <a:p>
+            <a:endParaRPr lang="en-US" baseline="0" dirty="0" smtClean="0"/>
+          </a:p>
+          <a:p>
+            <a:r>
+              <a:rPr lang="en-US" baseline="0" dirty="0" smtClean="0"/>
+              <a:t>Tainting: </a:t>
+            </a:r>
+            <a:r>
+              <a:rPr lang="en-US" baseline="0" dirty="0" err="1" smtClean="0"/>
+              <a:t>søsken-uttrykk</a:t>
+            </a:r>
+            <a:r>
+              <a:rPr lang="en-US" baseline="0" dirty="0" smtClean="0"/>
+              <a:t> </a:t>
+            </a:r>
+            <a:r>
+              <a:rPr lang="en-US" baseline="0" dirty="0" err="1" smtClean="0"/>
+              <a:t>kan</a:t>
+            </a:r>
+            <a:r>
+              <a:rPr lang="en-US" baseline="0" dirty="0" smtClean="0"/>
+              <a:t> “</a:t>
+            </a:r>
+            <a:r>
+              <a:rPr lang="en-US" baseline="0" dirty="0" err="1" smtClean="0"/>
+              <a:t>tainte</a:t>
+            </a:r>
+            <a:r>
+              <a:rPr lang="en-US" baseline="0" dirty="0" smtClean="0"/>
+              <a:t>” </a:t>
+            </a:r>
+            <a:r>
+              <a:rPr lang="en-US" baseline="0" dirty="0" err="1" smtClean="0"/>
+              <a:t>hverandre</a:t>
+            </a:r>
+            <a:r>
+              <a:rPr lang="en-US" baseline="0" dirty="0" smtClean="0"/>
+              <a:t> I en </a:t>
+            </a:r>
+            <a:r>
+              <a:rPr lang="en-US" baseline="0" dirty="0" err="1" smtClean="0"/>
+              <a:t>sekvenskonstruksjon</a:t>
+            </a:r>
+            <a:endParaRPr lang="en-US" baseline="0" dirty="0" smtClean="0"/>
+          </a:p>
+          <a:p>
+            <a:endParaRPr lang="en-US" baseline="0" dirty="0" smtClean="0"/>
+          </a:p>
+          <a:p>
+            <a:r>
+              <a:rPr lang="en-US" baseline="0" dirty="0" err="1" smtClean="0"/>
+              <a:t>Opprinnelig</a:t>
+            </a:r>
+            <a:r>
+              <a:rPr lang="en-US" baseline="0" dirty="0" smtClean="0"/>
+              <a:t> </a:t>
+            </a:r>
+            <a:r>
+              <a:rPr lang="en-US" baseline="0" dirty="0" err="1" smtClean="0"/>
+              <a:t>navn</a:t>
+            </a:r>
+            <a:r>
+              <a:rPr lang="en-US" baseline="0" dirty="0" smtClean="0"/>
+              <a:t>: “</a:t>
+            </a:r>
+            <a:r>
+              <a:rPr lang="en-US" baseline="0" dirty="0" err="1" smtClean="0"/>
+              <a:t>Iterator</a:t>
+            </a:r>
+            <a:r>
+              <a:rPr lang="en-US" baseline="0" dirty="0" smtClean="0"/>
+              <a:t> dependency inheritance and tainting”</a:t>
+            </a:r>
+            <a:endParaRPr lang="nb-NO" dirty="0"/>
+          </a:p>
+        </p:txBody>
+      </p:sp>
+      <p:sp>
+        <p:nvSpPr>
+          <p:cNvPr id="4" name="Slide Number Placeholder 3"/>
+          <p:cNvSpPr>
+            <a:spLocks noGrp="1"/>
+          </p:cNvSpPr>
+          <p:nvPr>
+            <p:ph type="sldNum" sz="quarter" idx="10"/>
+          </p:nvPr>
+        </p:nvSpPr>
+        <p:spPr/>
+        <p:txBody>
+          <a:bodyPr/>
+          <a:lstStyle/>
+          <a:p>
+            <a:fld id="{ECA3453C-E802-4D47-B71A-12E4B9F31731}" type="slidenum">
+              <a:rPr lang="en-US" smtClean="0"/>
+              <a:pPr/>
+              <a:t>29</a:t>
             </a:fld>
             <a:endParaRPr lang="en-US"/>
           </a:p>
@@ -752,13 +2938,17 @@
           <a:p>
             <a:r>
               <a:rPr lang="nb-NO" dirty="0" smtClean="0"/>
-              <a:t>eXist og Galatex skalerer dårlig, spesielt Galatex</a:t>
-            </a:r>
-          </a:p>
-          <a:p>
-            <a:r>
-              <a:rPr lang="nb-NO" dirty="0" smtClean="0"/>
-              <a:t>Pathfinder kan jobbe mot relasjonelle databaser (MonetDB)</a:t>
+              <a:t>Valocc-indeks (values</a:t>
+            </a:r>
+            <a:r>
+              <a:rPr lang="nb-NO" baseline="0" dirty="0" smtClean="0"/>
+              <a:t> + occurences slått sammen)</a:t>
+            </a:r>
+          </a:p>
+          <a:p>
+            <a:r>
+              <a:rPr lang="nb-NO" baseline="0" dirty="0" smtClean="0"/>
+              <a:t>Hver value er indeksert med scope</a:t>
             </a:r>
             <a:endParaRPr lang="en-US" dirty="0"/>
           </a:p>
@@ -781,7 +2971,569 @@
           <a:p>
             <a:fld id="{ECA3453C-E802-4D47-B71A-12E4B9F31731}" type="slidenum">
               <a:rPr lang="en-US" smtClean="0"/>
+              <a:pPr/>
+              <a:t>5</a:t>
+            </a:fld>
+            <a:endParaRPr lang="en-US"/>
+          </a:p>
+        </p:txBody>
+      </p:sp>
+    </p:spTree>
+  </p:cSld>
+  <p:clrMapOvr>
+    <a:masterClrMapping/>
+  </p:clrMapOvr>
+</p:notes>
+</file>
+
+<file path=ppt/notesSlides/notesSlide4.xml><?xml version="1.0" encoding="utf-8"?>
+<p:notes xmlns:a="http://schemas.openxmlformats.org/drawingml/2006/main" xmlns:r="http://schemas.openxmlformats.org/officeDocument/2006/relationships" xmlns:p="http://schemas.openxmlformats.org/presentationml/2006/main">
+  <p:cSld>
+    <p:spTree>
+      <p:nvGrpSpPr>
+        <p:cNvPr id="1" name=""/>
+        <p:cNvGrpSpPr/>
+        <p:nvPr/>
+      </p:nvGrpSpPr>
+      <p:grpSpPr>
+        <a:xfrm>
+          <a:off x="0" y="0"/>
+          <a:ext cx="0" cy="0"/>
+          <a:chOff x="0" y="0"/>
+          <a:chExt cx="0" cy="0"/>
+        </a:xfrm>
+      </p:grpSpPr>
+      <p:sp>
+        <p:nvSpPr>
+          <p:cNvPr id="2" name="Slide Image Placeholder 1"/>
+          <p:cNvSpPr>
+            <a:spLocks noGrp="1" noRot="1" noChangeAspect="1"/>
+          </p:cNvSpPr>
+          <p:nvPr>
+            <p:ph type="sldImg"/>
+          </p:nvPr>
+        </p:nvSpPr>
+        <p:spPr/>
+      </p:sp>
+      <p:sp>
+        <p:nvSpPr>
+          <p:cNvPr id="3" name="Notes Placeholder 2"/>
+          <p:cNvSpPr>
+            <a:spLocks noGrp="1"/>
+          </p:cNvSpPr>
+          <p:nvPr>
+            <p:ph type="body" idx="1"/>
+          </p:nvPr>
+        </p:nvSpPr>
+        <p:spPr/>
+        <p:txBody>
+          <a:bodyPr>
+            <a:normAutofit/>
+          </a:bodyPr>
+          <a:lstStyle/>
+          <a:p>
+            <a:r>
+              <a:rPr lang="nb-NO" baseline="0" dirty="0" smtClean="0"/>
+              <a:t>Består hovedsaklig av operatorer (og navngitte indekser man jobber mot)</a:t>
+            </a:r>
+          </a:p>
+          <a:p>
+            <a:endParaRPr lang="en-US" dirty="0"/>
+          </a:p>
+        </p:txBody>
+      </p:sp>
+      <p:sp>
+        <p:nvSpPr>
+          <p:cNvPr id="4" name="Slide Number Placeholder 3"/>
+          <p:cNvSpPr>
+            <a:spLocks noGrp="1"/>
+          </p:cNvSpPr>
+          <p:nvPr>
+            <p:ph type="sldNum" sz="quarter" idx="10"/>
+          </p:nvPr>
+        </p:nvSpPr>
+        <p:spPr/>
+        <p:txBody>
+          <a:bodyPr/>
+          <a:lstStyle/>
+          <a:p>
+            <a:fld id="{ECA3453C-E802-4D47-B71A-12E4B9F31731}" type="slidenum">
+              <a:rPr lang="en-US" smtClean="0"/>
+              <a:pPr/>
+              <a:t>6</a:t>
+            </a:fld>
+            <a:endParaRPr lang="en-US"/>
+          </a:p>
+        </p:txBody>
+      </p:sp>
+    </p:spTree>
+  </p:cSld>
+  <p:clrMapOvr>
+    <a:masterClrMapping/>
+  </p:clrMapOvr>
+</p:notes>
+</file>
+
+<file path=ppt/notesSlides/notesSlide5.xml><?xml version="1.0" encoding="utf-8"?>
+<p:notes xmlns:a="http://schemas.openxmlformats.org/drawingml/2006/main" xmlns:r="http://schemas.openxmlformats.org/officeDocument/2006/relationships" xmlns:p="http://schemas.openxmlformats.org/presentationml/2006/main">
+  <p:cSld>
+    <p:spTree>
+      <p:nvGrpSpPr>
+        <p:cNvPr id="1" name=""/>
+        <p:cNvGrpSpPr/>
+        <p:nvPr/>
+      </p:nvGrpSpPr>
+      <p:grpSpPr>
+        <a:xfrm>
+          <a:off x="0" y="0"/>
+          <a:ext cx="0" cy="0"/>
+          <a:chOff x="0" y="0"/>
+          <a:chExt cx="0" cy="0"/>
+        </a:xfrm>
+      </p:grpSpPr>
+      <p:sp>
+        <p:nvSpPr>
+          <p:cNvPr id="2" name="Slide Image Placeholder 1"/>
+          <p:cNvSpPr>
+            <a:spLocks noGrp="1" noRot="1" noChangeAspect="1"/>
+          </p:cNvSpPr>
+          <p:nvPr>
+            <p:ph type="sldImg"/>
+          </p:nvPr>
+        </p:nvSpPr>
+        <p:spPr/>
+      </p:sp>
+      <p:sp>
+        <p:nvSpPr>
+          <p:cNvPr id="3" name="Notes Placeholder 2"/>
+          <p:cNvSpPr>
+            <a:spLocks noGrp="1"/>
+          </p:cNvSpPr>
+          <p:nvPr>
+            <p:ph type="body" idx="1"/>
+          </p:nvPr>
+        </p:nvSpPr>
+        <p:spPr/>
+        <p:txBody>
+          <a:bodyPr>
+            <a:normAutofit/>
+          </a:bodyPr>
+          <a:lstStyle/>
+          <a:p>
+            <a:endParaRPr lang="en-US" dirty="0"/>
+          </a:p>
+        </p:txBody>
+      </p:sp>
+      <p:sp>
+        <p:nvSpPr>
+          <p:cNvPr id="4" name="Slide Number Placeholder 3"/>
+          <p:cNvSpPr>
+            <a:spLocks noGrp="1"/>
+          </p:cNvSpPr>
+          <p:nvPr>
+            <p:ph type="sldNum" sz="quarter" idx="10"/>
+          </p:nvPr>
+        </p:nvSpPr>
+        <p:spPr/>
+        <p:txBody>
+          <a:bodyPr/>
+          <a:lstStyle/>
+          <a:p>
+            <a:fld id="{ECA3453C-E802-4D47-B71A-12E4B9F31731}" type="slidenum">
+              <a:rPr lang="en-US" smtClean="0"/>
+              <a:pPr/>
+              <a:t>7</a:t>
+            </a:fld>
+            <a:endParaRPr lang="en-US"/>
+          </a:p>
+        </p:txBody>
+      </p:sp>
+    </p:spTree>
+  </p:cSld>
+  <p:clrMapOvr>
+    <a:masterClrMapping/>
+  </p:clrMapOvr>
+</p:notes>
+</file>
+
+<file path=ppt/notesSlides/notesSlide6.xml><?xml version="1.0" encoding="utf-8"?>
+<p:notes xmlns:a="http://schemas.openxmlformats.org/drawingml/2006/main" xmlns:r="http://schemas.openxmlformats.org/officeDocument/2006/relationships" xmlns:p="http://schemas.openxmlformats.org/presentationml/2006/main">
+  <p:cSld>
+    <p:spTree>
+      <p:nvGrpSpPr>
+        <p:cNvPr id="1" name=""/>
+        <p:cNvGrpSpPr/>
+        <p:nvPr/>
+      </p:nvGrpSpPr>
+      <p:grpSpPr>
+        <a:xfrm>
+          <a:off x="0" y="0"/>
+          <a:ext cx="0" cy="0"/>
+          <a:chOff x="0" y="0"/>
+          <a:chExt cx="0" cy="0"/>
+        </a:xfrm>
+      </p:grpSpPr>
+      <p:sp>
+        <p:nvSpPr>
+          <p:cNvPr id="2" name="Slide Image Placeholder 1"/>
+          <p:cNvSpPr>
+            <a:spLocks noGrp="1" noRot="1" noChangeAspect="1"/>
+          </p:cNvSpPr>
+          <p:nvPr>
+            <p:ph type="sldImg"/>
+          </p:nvPr>
+        </p:nvSpPr>
+        <p:spPr/>
+      </p:sp>
+      <p:sp>
+        <p:nvSpPr>
+          <p:cNvPr id="3" name="Notes Placeholder 2"/>
+          <p:cNvSpPr>
+            <a:spLocks noGrp="1"/>
+          </p:cNvSpPr>
+          <p:nvPr>
+            <p:ph type="body" idx="1"/>
+          </p:nvPr>
+        </p:nvSpPr>
+        <p:spPr/>
+        <p:txBody>
+          <a:bodyPr>
+            <a:normAutofit/>
+          </a:bodyPr>
+          <a:lstStyle/>
+          <a:p>
+            <a:r>
+              <a:rPr lang="nb-NO" baseline="0" dirty="0" smtClean="0"/>
+              <a:t>Barn-operatorene evalueres først</a:t>
+            </a:r>
+          </a:p>
+          <a:p>
+            <a:r>
+              <a:rPr lang="nb-NO" baseline="0" dirty="0" smtClean="0"/>
+              <a:t>”splittet” av semikolon</a:t>
+            </a:r>
+            <a:endParaRPr lang="en-US" dirty="0"/>
+          </a:p>
+        </p:txBody>
+      </p:sp>
+      <p:sp>
+        <p:nvSpPr>
+          <p:cNvPr id="4" name="Slide Number Placeholder 3"/>
+          <p:cNvSpPr>
+            <a:spLocks noGrp="1"/>
+          </p:cNvSpPr>
+          <p:nvPr>
+            <p:ph type="sldNum" sz="quarter" idx="10"/>
+          </p:nvPr>
+        </p:nvSpPr>
+        <p:spPr/>
+        <p:txBody>
+          <a:bodyPr/>
+          <a:lstStyle/>
+          <a:p>
+            <a:fld id="{ECA3453C-E802-4D47-B71A-12E4B9F31731}" type="slidenum">
+              <a:rPr lang="en-US" smtClean="0"/>
+              <a:pPr/>
               <a:t>8</a:t>
+            </a:fld>
+            <a:endParaRPr lang="en-US"/>
+          </a:p>
+        </p:txBody>
+      </p:sp>
+    </p:spTree>
+  </p:cSld>
+  <p:clrMapOvr>
+    <a:masterClrMapping/>
+  </p:clrMapOvr>
+</p:notes>
+</file>
+
+<file path=ppt/notesSlides/notesSlide7.xml><?xml version="1.0" encoding="utf-8"?>
+<p:notes xmlns:a="http://schemas.openxmlformats.org/drawingml/2006/main" xmlns:r="http://schemas.openxmlformats.org/officeDocument/2006/relationships" xmlns:p="http://schemas.openxmlformats.org/presentationml/2006/main">
+  <p:cSld>
+    <p:spTree>
+      <p:nvGrpSpPr>
+        <p:cNvPr id="1" name=""/>
+        <p:cNvGrpSpPr/>
+        <p:nvPr/>
+      </p:nvGrpSpPr>
+      <p:grpSpPr>
+        <a:xfrm>
+          <a:off x="0" y="0"/>
+          <a:ext cx="0" cy="0"/>
+          <a:chOff x="0" y="0"/>
+          <a:chExt cx="0" cy="0"/>
+        </a:xfrm>
+      </p:grpSpPr>
+      <p:sp>
+        <p:nvSpPr>
+          <p:cNvPr id="2" name="Slide Image Placeholder 1"/>
+          <p:cNvSpPr>
+            <a:spLocks noGrp="1" noRot="1" noChangeAspect="1"/>
+          </p:cNvSpPr>
+          <p:nvPr>
+            <p:ph type="sldImg"/>
+          </p:nvPr>
+        </p:nvSpPr>
+        <p:spPr/>
+      </p:sp>
+      <p:sp>
+        <p:nvSpPr>
+          <p:cNvPr id="3" name="Notes Placeholder 2"/>
+          <p:cNvSpPr>
+            <a:spLocks noGrp="1"/>
+          </p:cNvSpPr>
+          <p:nvPr>
+            <p:ph type="body" idx="1"/>
+          </p:nvPr>
+        </p:nvSpPr>
+        <p:spPr/>
+        <p:txBody>
+          <a:bodyPr>
+            <a:normAutofit/>
+          </a:bodyPr>
+          <a:lstStyle/>
+          <a:p>
+            <a:r>
+              <a:rPr lang="nb-NO" dirty="0" smtClean="0"/>
+              <a:t>Her bruker man indeksen ”valocc” (kort</a:t>
+            </a:r>
+            <a:r>
+              <a:rPr lang="nb-NO" baseline="0" dirty="0" smtClean="0"/>
+              <a:t> for value index + occurence index)</a:t>
+            </a:r>
+          </a:p>
+          <a:p>
+            <a:r>
+              <a:rPr lang="nb-NO" baseline="0" dirty="0" smtClean="0"/>
+              <a:t>Scoper til /a/b</a:t>
+            </a:r>
+          </a:p>
+          <a:p>
+            <a:r>
+              <a:rPr lang="nb-NO" baseline="0" dirty="0" smtClean="0"/>
+              <a:t>Henter alle occurences av c i dette scopet</a:t>
+            </a:r>
+          </a:p>
+          <a:p>
+            <a:r>
+              <a:rPr lang="nb-NO" baseline="0" dirty="0" smtClean="0"/>
+              <a:t>Legg merke til trestrukturen i spørringen (lookup barn av scope barn av index)</a:t>
+            </a:r>
+            <a:endParaRPr lang="en-US" dirty="0"/>
+          </a:p>
+        </p:txBody>
+      </p:sp>
+      <p:sp>
+        <p:nvSpPr>
+          <p:cNvPr id="4" name="Slide Number Placeholder 3"/>
+          <p:cNvSpPr>
+            <a:spLocks noGrp="1"/>
+          </p:cNvSpPr>
+          <p:nvPr>
+            <p:ph type="sldNum" sz="quarter" idx="10"/>
+          </p:nvPr>
+        </p:nvSpPr>
+        <p:spPr/>
+        <p:txBody>
+          <a:bodyPr/>
+          <a:lstStyle/>
+          <a:p>
+            <a:fld id="{ECA3453C-E802-4D47-B71A-12E4B9F31731}" type="slidenum">
+              <a:rPr lang="en-US" smtClean="0"/>
+              <a:pPr/>
+              <a:t>9</a:t>
+            </a:fld>
+            <a:endParaRPr lang="en-US"/>
+          </a:p>
+        </p:txBody>
+      </p:sp>
+    </p:spTree>
+  </p:cSld>
+  <p:clrMapOvr>
+    <a:masterClrMapping/>
+  </p:clrMapOvr>
+</p:notes>
+</file>
+
+<file path=ppt/notesSlides/notesSlide8.xml><?xml version="1.0" encoding="utf-8"?>
+<p:notes xmlns:a="http://schemas.openxmlformats.org/drawingml/2006/main" xmlns:r="http://schemas.openxmlformats.org/officeDocument/2006/relationships" xmlns:p="http://schemas.openxmlformats.org/presentationml/2006/main">
+  <p:cSld>
+    <p:spTree>
+      <p:nvGrpSpPr>
+        <p:cNvPr id="1" name=""/>
+        <p:cNvGrpSpPr/>
+        <p:nvPr/>
+      </p:nvGrpSpPr>
+      <p:grpSpPr>
+        <a:xfrm>
+          <a:off x="0" y="0"/>
+          <a:ext cx="0" cy="0"/>
+          <a:chOff x="0" y="0"/>
+          <a:chExt cx="0" cy="0"/>
+        </a:xfrm>
+      </p:grpSpPr>
+      <p:sp>
+        <p:nvSpPr>
+          <p:cNvPr id="2" name="Slide Image Placeholder 1"/>
+          <p:cNvSpPr>
+            <a:spLocks noGrp="1" noRot="1" noChangeAspect="1"/>
+          </p:cNvSpPr>
+          <p:nvPr>
+            <p:ph type="sldImg"/>
+          </p:nvPr>
+        </p:nvSpPr>
+        <p:spPr/>
+      </p:sp>
+      <p:sp>
+        <p:nvSpPr>
+          <p:cNvPr id="3" name="Notes Placeholder 2"/>
+          <p:cNvSpPr>
+            <a:spLocks noGrp="1"/>
+          </p:cNvSpPr>
+          <p:nvPr>
+            <p:ph type="body" idx="1"/>
+          </p:nvPr>
+        </p:nvSpPr>
+        <p:spPr/>
+        <p:txBody>
+          <a:bodyPr>
+            <a:normAutofit/>
+          </a:bodyPr>
+          <a:lstStyle/>
+          <a:p>
+            <a:r>
+              <a:rPr lang="nb-NO" dirty="0" smtClean="0"/>
+              <a:t>Data</a:t>
+            </a:r>
+            <a:r>
+              <a:rPr lang="nb-NO" baseline="0" dirty="0" smtClean="0"/>
+              <a:t> som kan sees som XML-data (inkludert relasjonelle databaser)</a:t>
+            </a:r>
+            <a:endParaRPr lang="nb-NO" dirty="0"/>
+          </a:p>
+        </p:txBody>
+      </p:sp>
+      <p:sp>
+        <p:nvSpPr>
+          <p:cNvPr id="4" name="Slide Number Placeholder 3"/>
+          <p:cNvSpPr>
+            <a:spLocks noGrp="1"/>
+          </p:cNvSpPr>
+          <p:nvPr>
+            <p:ph type="sldNum" sz="quarter" idx="10"/>
+          </p:nvPr>
+        </p:nvSpPr>
+        <p:spPr/>
+        <p:txBody>
+          <a:bodyPr/>
+          <a:lstStyle/>
+          <a:p>
+            <a:fld id="{ECA3453C-E802-4D47-B71A-12E4B9F31731}" type="slidenum">
+              <a:rPr lang="en-US" smtClean="0"/>
+              <a:pPr/>
+              <a:t>10</a:t>
+            </a:fld>
+            <a:endParaRPr lang="en-US"/>
+          </a:p>
+        </p:txBody>
+      </p:sp>
+    </p:spTree>
+  </p:cSld>
+  <p:clrMapOvr>
+    <a:masterClrMapping/>
+  </p:clrMapOvr>
+</p:notes>
+</file>
+
+<file path=ppt/notesSlides/notesSlide9.xml><?xml version="1.0" encoding="utf-8"?>
+<p:notes xmlns:a="http://schemas.openxmlformats.org/drawingml/2006/main" xmlns:r="http://schemas.openxmlformats.org/officeDocument/2006/relationships" xmlns:p="http://schemas.openxmlformats.org/presentationml/2006/main">
+  <p:cSld>
+    <p:spTree>
+      <p:nvGrpSpPr>
+        <p:cNvPr id="1" name=""/>
+        <p:cNvGrpSpPr/>
+        <p:nvPr/>
+      </p:nvGrpSpPr>
+      <p:grpSpPr>
+        <a:xfrm>
+          <a:off x="0" y="0"/>
+          <a:ext cx="0" cy="0"/>
+          <a:chOff x="0" y="0"/>
+          <a:chExt cx="0" cy="0"/>
+        </a:xfrm>
+      </p:grpSpPr>
+      <p:sp>
+        <p:nvSpPr>
+          <p:cNvPr id="2" name="Slide Image Placeholder 1"/>
+          <p:cNvSpPr>
+            <a:spLocks noGrp="1" noRot="1" noChangeAspect="1"/>
+          </p:cNvSpPr>
+          <p:nvPr>
+            <p:ph type="sldImg"/>
+          </p:nvPr>
+        </p:nvSpPr>
+        <p:spPr/>
+      </p:sp>
+      <p:sp>
+        <p:nvSpPr>
+          <p:cNvPr id="3" name="Notes Placeholder 2"/>
+          <p:cNvSpPr>
+            <a:spLocks noGrp="1"/>
+          </p:cNvSpPr>
+          <p:nvPr>
+            <p:ph type="body" idx="1"/>
+          </p:nvPr>
+        </p:nvSpPr>
+        <p:spPr/>
+        <p:txBody>
+          <a:bodyPr>
+            <a:normAutofit/>
+          </a:bodyPr>
+          <a:lstStyle/>
+          <a:p>
+            <a:r>
+              <a:rPr lang="nb-NO" dirty="0" smtClean="0"/>
+              <a:t>Høynivå-språk,</a:t>
+            </a:r>
+            <a:r>
+              <a:rPr lang="nb-NO" baseline="0" dirty="0" smtClean="0"/>
+              <a:t> likheter med funksjonelle språk, men støtter ikke høyereordens-funksjoner (closures f.eks)</a:t>
+            </a:r>
+          </a:p>
+          <a:p>
+            <a:r>
+              <a:rPr lang="nb-NO" baseline="0" dirty="0" smtClean="0"/>
+              <a:t>Sideeffekter -&gt; optimiseringer</a:t>
+            </a:r>
+          </a:p>
+          <a:p>
+            <a:r>
+              <a:rPr lang="nb-NO" baseline="0" dirty="0" smtClean="0"/>
+              <a:t>Sterk typing er ”optional”</a:t>
+            </a:r>
+          </a:p>
+        </p:txBody>
+      </p:sp>
+      <p:sp>
+        <p:nvSpPr>
+          <p:cNvPr id="4" name="Slide Number Placeholder 3"/>
+          <p:cNvSpPr>
+            <a:spLocks noGrp="1"/>
+          </p:cNvSpPr>
+          <p:nvPr>
+            <p:ph type="sldNum" sz="quarter" idx="10"/>
+          </p:nvPr>
+        </p:nvSpPr>
+        <p:spPr/>
+        <p:txBody>
+          <a:bodyPr/>
+          <a:lstStyle/>
+          <a:p>
+            <a:fld id="{ECA3453C-E802-4D47-B71A-12E4B9F31731}" type="slidenum">
+              <a:rPr lang="en-US" smtClean="0"/>
+              <a:pPr/>
+              <a:t>11</a:t>
             </a:fld>
             <a:endParaRPr lang="en-US"/>
           </a:p>
@@ -976,7 +3728,8 @@
           <a:p>
             <a:fld id="{0EF4DAFB-348F-4EDC-A9B4-C594099130EB}" type="datetimeFigureOut">
               <a:rPr lang="en-US" smtClean="0"/>
-              <a:t>10/20/2008</a:t>
+              <a:pPr/>
+              <a:t>10/22/2008</a:t>
             </a:fld>
             <a:endParaRPr lang="en-US"/>
           </a:p>
@@ -1018,6 +3771,7 @@
           <a:p>
             <a:fld id="{FBF8F8BA-8CF9-43BB-998A-B49795296A35}" type="slidenum">
               <a:rPr lang="en-US" smtClean="0"/>
+              <a:pPr/>
               <a:t>‹#›</a:t>
             </a:fld>
             <a:endParaRPr lang="en-US"/>
@@ -1141,7 +3895,8 @@
           <a:p>
             <a:fld id="{0EF4DAFB-348F-4EDC-A9B4-C594099130EB}" type="datetimeFigureOut">
               <a:rPr lang="en-US" smtClean="0"/>
-              <a:t>10/20/2008</a:t>
+              <a:pPr/>
+              <a:t>10/22/2008</a:t>
             </a:fld>
             <a:endParaRPr lang="en-US"/>
           </a:p>
@@ -1183,6 +3938,7 @@
           <a:p>
             <a:fld id="{FBF8F8BA-8CF9-43BB-998A-B49795296A35}" type="slidenum">
               <a:rPr lang="en-US" smtClean="0"/>
+              <a:pPr/>
               <a:t>‹#›</a:t>
             </a:fld>
             <a:endParaRPr lang="en-US"/>
@@ -1316,7 +4072,8 @@
           <a:p>
             <a:fld id="{0EF4DAFB-348F-4EDC-A9B4-C594099130EB}" type="datetimeFigureOut">
               <a:rPr lang="en-US" smtClean="0"/>
-              <a:t>10/20/2008</a:t>
+              <a:pPr/>
+              <a:t>10/22/2008</a:t>
             </a:fld>
             <a:endParaRPr lang="en-US"/>
           </a:p>
@@ -1358,6 +4115,7 @@
           <a:p>
             <a:fld id="{FBF8F8BA-8CF9-43BB-998A-B49795296A35}" type="slidenum">
               <a:rPr lang="en-US" smtClean="0"/>
+              <a:pPr/>
               <a:t>‹#›</a:t>
             </a:fld>
             <a:endParaRPr lang="en-US"/>
@@ -1481,7 +4239,8 @@
           <a:p>
             <a:fld id="{0EF4DAFB-348F-4EDC-A9B4-C594099130EB}" type="datetimeFigureOut">
               <a:rPr lang="en-US" smtClean="0"/>
-              <a:t>10/20/2008</a:t>
+              <a:pPr/>
+              <a:t>10/22/2008</a:t>
             </a:fld>
             <a:endParaRPr lang="en-US"/>
           </a:p>
@@ -1523,6 +4282,7 @@
           <a:p>
             <a:fld id="{FBF8F8BA-8CF9-43BB-998A-B49795296A35}" type="slidenum">
               <a:rPr lang="en-US" smtClean="0"/>
+              <a:pPr/>
               <a:t>‹#›</a:t>
             </a:fld>
             <a:endParaRPr lang="en-US"/>
@@ -1722,7 +4482,8 @@
           <a:p>
             <a:fld id="{0EF4DAFB-348F-4EDC-A9B4-C594099130EB}" type="datetimeFigureOut">
               <a:rPr lang="en-US" smtClean="0"/>
-              <a:t>10/20/2008</a:t>
+              <a:pPr/>
+              <a:t>10/22/2008</a:t>
             </a:fld>
             <a:endParaRPr lang="en-US"/>
           </a:p>
@@ -1764,6 +4525,7 @@
           <a:p>
             <a:fld id="{FBF8F8BA-8CF9-43BB-998A-B49795296A35}" type="slidenum">
               <a:rPr lang="en-US" smtClean="0"/>
+              <a:pPr/>
               <a:t>‹#›</a:t>
             </a:fld>
             <a:endParaRPr lang="en-US"/>
@@ -2005,7 +4767,8 @@
           <a:p>
             <a:fld id="{0EF4DAFB-348F-4EDC-A9B4-C594099130EB}" type="datetimeFigureOut">
               <a:rPr lang="en-US" smtClean="0"/>
-              <a:t>10/20/2008</a:t>
+              <a:pPr/>
+              <a:t>10/22/2008</a:t>
             </a:fld>
             <a:endParaRPr lang="en-US"/>
           </a:p>
@@ -2047,6 +4810,7 @@
           <a:p>
             <a:fld id="{FBF8F8BA-8CF9-43BB-998A-B49795296A35}" type="slidenum">
               <a:rPr lang="en-US" smtClean="0"/>
+              <a:pPr/>
               <a:t>‹#›</a:t>
             </a:fld>
             <a:endParaRPr lang="en-US"/>
@@ -2422,7 +5186,8 @@
           <a:p>
             <a:fld id="{0EF4DAFB-348F-4EDC-A9B4-C594099130EB}" type="datetimeFigureOut">
               <a:rPr lang="en-US" smtClean="0"/>
-              <a:t>10/20/2008</a:t>
+              <a:pPr/>
+              <a:t>10/22/2008</a:t>
             </a:fld>
             <a:endParaRPr lang="en-US"/>
           </a:p>
@@ -2464,6 +5229,7 @@
           <a:p>
             <a:fld id="{FBF8F8BA-8CF9-43BB-998A-B49795296A35}" type="slidenum">
               <a:rPr lang="en-US" smtClean="0"/>
+              <a:pPr/>
               <a:t>‹#›</a:t>
             </a:fld>
             <a:endParaRPr lang="en-US"/>
@@ -2535,7 +5301,8 @@
           <a:p>
             <a:fld id="{0EF4DAFB-348F-4EDC-A9B4-C594099130EB}" type="datetimeFigureOut">
               <a:rPr lang="en-US" smtClean="0"/>
-              <a:t>10/20/2008</a:t>
+              <a:pPr/>
+              <a:t>10/22/2008</a:t>
             </a:fld>
             <a:endParaRPr lang="en-US"/>
           </a:p>
@@ -2577,6 +5344,7 @@
           <a:p>
             <a:fld id="{FBF8F8BA-8CF9-43BB-998A-B49795296A35}" type="slidenum">
               <a:rPr lang="en-US" smtClean="0"/>
+              <a:pPr/>
               <a:t>‹#›</a:t>
             </a:fld>
             <a:endParaRPr lang="en-US"/>
@@ -2625,7 +5393,8 @@
           <a:p>
             <a:fld id="{0EF4DAFB-348F-4EDC-A9B4-C594099130EB}" type="datetimeFigureOut">
               <a:rPr lang="en-US" smtClean="0"/>
-              <a:t>10/20/2008</a:t>
+              <a:pPr/>
+              <a:t>10/22/2008</a:t>
             </a:fld>
             <a:endParaRPr lang="en-US"/>
           </a:p>
@@ -2667,6 +5436,7 @@
           <a:p>
             <a:fld id="{FBF8F8BA-8CF9-43BB-998A-B49795296A35}" type="slidenum">
               <a:rPr lang="en-US" smtClean="0"/>
+              <a:pPr/>
               <a:t>‹#›</a:t>
             </a:fld>
             <a:endParaRPr lang="en-US"/>
@@ -2897,7 +5667,8 @@
           <a:p>
             <a:fld id="{0EF4DAFB-348F-4EDC-A9B4-C594099130EB}" type="datetimeFigureOut">
               <a:rPr lang="en-US" smtClean="0"/>
-              <a:t>10/20/2008</a:t>
+              <a:pPr/>
+              <a:t>10/22/2008</a:t>
             </a:fld>
             <a:endParaRPr lang="en-US"/>
           </a:p>
@@ -2939,6 +5710,7 @@
           <a:p>
             <a:fld id="{FBF8F8BA-8CF9-43BB-998A-B49795296A35}" type="slidenum">
               <a:rPr lang="en-US" smtClean="0"/>
+              <a:pPr/>
               <a:t>‹#›</a:t>
             </a:fld>
             <a:endParaRPr lang="en-US"/>
@@ -3145,7 +5917,8 @@
           <a:p>
             <a:fld id="{0EF4DAFB-348F-4EDC-A9B4-C594099130EB}" type="datetimeFigureOut">
               <a:rPr lang="en-US" smtClean="0"/>
-              <a:t>10/20/2008</a:t>
+              <a:pPr/>
+              <a:t>10/22/2008</a:t>
             </a:fld>
             <a:endParaRPr lang="en-US"/>
           </a:p>
@@ -3187,6 +5960,7 @@
           <a:p>
             <a:fld id="{FBF8F8BA-8CF9-43BB-998A-B49795296A35}" type="slidenum">
               <a:rPr lang="en-US" smtClean="0"/>
+              <a:pPr/>
               <a:t>‹#›</a:t>
             </a:fld>
             <a:endParaRPr lang="en-US"/>
@@ -3353,7 +6127,8 @@
           <a:p>
             <a:fld id="{0EF4DAFB-348F-4EDC-A9B4-C594099130EB}" type="datetimeFigureOut">
               <a:rPr lang="en-US" smtClean="0"/>
-              <a:t>10/20/2008</a:t>
+              <a:pPr/>
+              <a:t>10/22/2008</a:t>
             </a:fld>
             <a:endParaRPr lang="en-US"/>
           </a:p>
@@ -3431,6 +6206,7 @@
           <a:p>
             <a:fld id="{FBF8F8BA-8CF9-43BB-998A-B49795296A35}" type="slidenum">
               <a:rPr lang="en-US" smtClean="0"/>
+              <a:pPr/>
               <a:t>‹#›</a:t>
             </a:fld>
             <a:endParaRPr lang="en-US"/>
@@ -3774,6 +6550,1548 @@
   <p:clrMapOvr>
     <a:masterClrMapping/>
   </p:clrMapOvr>
+  <p:timing>
+    <p:tnLst>
+      <p:par>
+        <p:cTn id="1" dur="indefinite" restart="never" nodeType="tmRoot"/>
+      </p:par>
+    </p:tnLst>
+  </p:timing>
+</p:sld>
+</file>
+
+<file path=ppt/slides/slide10.xml><?xml version="1.0" encoding="utf-8"?>
+<p:sld xmlns:a="http://schemas.openxmlformats.org/drawingml/2006/main" xmlns:r="http://schemas.openxmlformats.org/officeDocument/2006/relationships" xmlns:p="http://schemas.openxmlformats.org/presentationml/2006/main">
+  <p:cSld>
+    <p:spTree>
+      <p:nvGrpSpPr>
+        <p:cNvPr id="1" name=""/>
+        <p:cNvGrpSpPr/>
+        <p:nvPr/>
+      </p:nvGrpSpPr>
+      <p:grpSpPr>
+        <a:xfrm>
+          <a:off x="0" y="0"/>
+          <a:ext cx="0" cy="0"/>
+          <a:chOff x="0" y="0"/>
+          <a:chExt cx="0" cy="0"/>
+        </a:xfrm>
+      </p:grpSpPr>
+      <p:sp>
+        <p:nvSpPr>
+          <p:cNvPr id="2" name="Title 1"/>
+          <p:cNvSpPr>
+            <a:spLocks noGrp="1"/>
+          </p:cNvSpPr>
+          <p:nvPr>
+            <p:ph type="title"/>
+          </p:nvPr>
+        </p:nvSpPr>
+        <p:spPr/>
+        <p:txBody>
+          <a:bodyPr/>
+          <a:lstStyle/>
+          <a:p>
+            <a:r>
+              <a:rPr lang="nb-NO" dirty="0" smtClean="0"/>
+              <a:t>XQuery/XPath</a:t>
+            </a:r>
+            <a:endParaRPr lang="en-US" dirty="0"/>
+          </a:p>
+        </p:txBody>
+      </p:sp>
+      <p:sp>
+        <p:nvSpPr>
+          <p:cNvPr id="3" name="Content Placeholder 2"/>
+          <p:cNvSpPr>
+            <a:spLocks noGrp="1"/>
+          </p:cNvSpPr>
+          <p:nvPr>
+            <p:ph idx="1"/>
+          </p:nvPr>
+        </p:nvSpPr>
+        <p:spPr/>
+        <p:txBody>
+          <a:bodyPr/>
+          <a:lstStyle/>
+          <a:p>
+            <a:r>
+              <a:rPr lang="nb-NO" dirty="0" smtClean="0"/>
+              <a:t>Spørringsspråk for XML-data</a:t>
+            </a:r>
+          </a:p>
+          <a:p>
+            <a:r>
+              <a:rPr lang="nb-NO" dirty="0" smtClean="0"/>
+              <a:t>Semantiske likheter med SQL</a:t>
+            </a:r>
+          </a:p>
+          <a:p>
+            <a:r>
+              <a:rPr lang="nb-NO" dirty="0" smtClean="0"/>
+              <a:t>Utviklet av ”</a:t>
+            </a:r>
+            <a:r>
+              <a:rPr lang="en-US" dirty="0" smtClean="0"/>
+              <a:t>the XML Query working group of the W3C</a:t>
+            </a:r>
+            <a:r>
+              <a:rPr lang="nb-NO" dirty="0" smtClean="0"/>
+              <a:t>”</a:t>
+            </a:r>
+          </a:p>
+          <a:p>
+            <a:r>
+              <a:rPr lang="nb-NO" dirty="0" smtClean="0"/>
+              <a:t>Oppnådde status som ”recommendation” i 2007</a:t>
+            </a:r>
+          </a:p>
+        </p:txBody>
+      </p:sp>
+    </p:spTree>
+  </p:cSld>
+  <p:clrMapOvr>
+    <a:masterClrMapping/>
+  </p:clrMapOvr>
+  <p:timing>
+    <p:tnLst>
+      <p:par>
+        <p:cTn id="1" dur="indefinite" restart="never" nodeType="tmRoot"/>
+      </p:par>
+    </p:tnLst>
+  </p:timing>
+</p:sld>
+</file>
+
+<file path=ppt/slides/slide11.xml><?xml version="1.0" encoding="utf-8"?>
+<p:sld xmlns:a="http://schemas.openxmlformats.org/drawingml/2006/main" xmlns:r="http://schemas.openxmlformats.org/officeDocument/2006/relationships" xmlns:p="http://schemas.openxmlformats.org/presentationml/2006/main">
+  <p:cSld>
+    <p:spTree>
+      <p:nvGrpSpPr>
+        <p:cNvPr id="1" name=""/>
+        <p:cNvGrpSpPr/>
+        <p:nvPr/>
+      </p:nvGrpSpPr>
+      <p:grpSpPr>
+        <a:xfrm>
+          <a:off x="0" y="0"/>
+          <a:ext cx="0" cy="0"/>
+          <a:chOff x="0" y="0"/>
+          <a:chExt cx="0" cy="0"/>
+        </a:xfrm>
+      </p:grpSpPr>
+      <p:sp>
+        <p:nvSpPr>
+          <p:cNvPr id="2" name="Title 1"/>
+          <p:cNvSpPr>
+            <a:spLocks noGrp="1"/>
+          </p:cNvSpPr>
+          <p:nvPr>
+            <p:ph type="title"/>
+          </p:nvPr>
+        </p:nvSpPr>
+        <p:spPr/>
+        <p:txBody>
+          <a:bodyPr/>
+          <a:lstStyle/>
+          <a:p>
+            <a:r>
+              <a:rPr lang="nb-NO" dirty="0" smtClean="0"/>
+              <a:t>XQuery/XPath</a:t>
+            </a:r>
+            <a:endParaRPr lang="nb-NO" dirty="0"/>
+          </a:p>
+        </p:txBody>
+      </p:sp>
+      <p:sp>
+        <p:nvSpPr>
+          <p:cNvPr id="3" name="Content Placeholder 2"/>
+          <p:cNvSpPr>
+            <a:spLocks noGrp="1"/>
+          </p:cNvSpPr>
+          <p:nvPr>
+            <p:ph idx="1"/>
+          </p:nvPr>
+        </p:nvSpPr>
+        <p:spPr/>
+        <p:txBody>
+          <a:bodyPr/>
+          <a:lstStyle/>
+          <a:p>
+            <a:r>
+              <a:rPr lang="nb-NO" dirty="0" smtClean="0"/>
+              <a:t>Logisk/fysisk uavhengighet til data</a:t>
+            </a:r>
+          </a:p>
+          <a:p>
+            <a:r>
+              <a:rPr lang="nb-NO" dirty="0" smtClean="0"/>
+              <a:t>Deklarativt</a:t>
+            </a:r>
+          </a:p>
+          <a:p>
+            <a:r>
+              <a:rPr lang="nb-NO" dirty="0" smtClean="0"/>
+              <a:t>Høynivå</a:t>
+            </a:r>
+          </a:p>
+          <a:p>
+            <a:r>
+              <a:rPr lang="nb-NO" dirty="0" smtClean="0"/>
+              <a:t>Fritt for sideeffekter</a:t>
+            </a:r>
+          </a:p>
+          <a:p>
+            <a:r>
+              <a:rPr lang="nb-NO" dirty="0" smtClean="0"/>
+              <a:t>Sterk typing</a:t>
+            </a:r>
+            <a:endParaRPr lang="nb-NO" dirty="0"/>
+          </a:p>
+        </p:txBody>
+      </p:sp>
+    </p:spTree>
+  </p:cSld>
+  <p:clrMapOvr>
+    <a:masterClrMapping/>
+  </p:clrMapOvr>
+</p:sld>
+</file>
+
+<file path=ppt/slides/slide12.xml><?xml version="1.0" encoding="utf-8"?>
+<p:sld xmlns:a="http://schemas.openxmlformats.org/drawingml/2006/main" xmlns:r="http://schemas.openxmlformats.org/officeDocument/2006/relationships" xmlns:p="http://schemas.openxmlformats.org/presentationml/2006/main">
+  <p:cSld>
+    <p:spTree>
+      <p:nvGrpSpPr>
+        <p:cNvPr id="1" name=""/>
+        <p:cNvGrpSpPr/>
+        <p:nvPr/>
+      </p:nvGrpSpPr>
+      <p:grpSpPr>
+        <a:xfrm>
+          <a:off x="0" y="0"/>
+          <a:ext cx="0" cy="0"/>
+          <a:chOff x="0" y="0"/>
+          <a:chExt cx="0" cy="0"/>
+        </a:xfrm>
+      </p:grpSpPr>
+      <p:sp>
+        <p:nvSpPr>
+          <p:cNvPr id="2" name="Title 1"/>
+          <p:cNvSpPr>
+            <a:spLocks noGrp="1"/>
+          </p:cNvSpPr>
+          <p:nvPr>
+            <p:ph type="title"/>
+          </p:nvPr>
+        </p:nvSpPr>
+        <p:spPr/>
+        <p:txBody>
+          <a:bodyPr/>
+          <a:lstStyle/>
+          <a:p>
+            <a:r>
+              <a:rPr lang="nb-NO" dirty="0" smtClean="0"/>
+              <a:t>XQuery/XPath eksempel</a:t>
+            </a:r>
+            <a:endParaRPr lang="nb-NO" dirty="0"/>
+          </a:p>
+        </p:txBody>
+      </p:sp>
+      <p:sp>
+        <p:nvSpPr>
+          <p:cNvPr id="4" name="TextBox 3"/>
+          <p:cNvSpPr txBox="1"/>
+          <p:nvPr/>
+        </p:nvSpPr>
+        <p:spPr>
+          <a:xfrm>
+            <a:off x="3000364" y="1785926"/>
+            <a:ext cx="2500330" cy="646331"/>
+          </a:xfrm>
+          <a:prstGeom prst="rect">
+            <a:avLst/>
+          </a:prstGeom>
+          <a:noFill/>
+        </p:spPr>
+        <p:txBody>
+          <a:bodyPr wrap="square" rtlCol="0">
+            <a:spAutoFit/>
+          </a:bodyPr>
+          <a:lstStyle/>
+          <a:p>
+            <a:r>
+              <a:rPr lang="en-US" dirty="0" smtClean="0">
+                <a:latin typeface="Courier New" pitchFamily="49" charset="0"/>
+                <a:cs typeface="Courier New" pitchFamily="49" charset="0"/>
+              </a:rPr>
+              <a:t>for $a in /a/b/c</a:t>
+            </a:r>
+          </a:p>
+          <a:p>
+            <a:r>
+              <a:rPr lang="en-US" dirty="0" smtClean="0">
+                <a:latin typeface="Courier New" pitchFamily="49" charset="0"/>
+                <a:cs typeface="Courier New" pitchFamily="49" charset="0"/>
+              </a:rPr>
+              <a:t>  return $a</a:t>
+            </a:r>
+            <a:endParaRPr lang="en-US" dirty="0">
+              <a:latin typeface="Courier New" pitchFamily="49" charset="0"/>
+              <a:cs typeface="Courier New" pitchFamily="49" charset="0"/>
+            </a:endParaRPr>
+          </a:p>
+        </p:txBody>
+      </p:sp>
+      <p:sp>
+        <p:nvSpPr>
+          <p:cNvPr id="5" name="TextBox 4"/>
+          <p:cNvSpPr txBox="1"/>
+          <p:nvPr/>
+        </p:nvSpPr>
+        <p:spPr>
+          <a:xfrm>
+            <a:off x="3214678" y="3357562"/>
+            <a:ext cx="2214578" cy="1477328"/>
+          </a:xfrm>
+          <a:prstGeom prst="rect">
+            <a:avLst/>
+          </a:prstGeom>
+          <a:noFill/>
+        </p:spPr>
+        <p:txBody>
+          <a:bodyPr wrap="square" rtlCol="0">
+            <a:spAutoFit/>
+          </a:bodyPr>
+          <a:lstStyle/>
+          <a:p>
+            <a:r>
+              <a:rPr lang="nb-NO" dirty="0" smtClean="0">
+                <a:latin typeface="Courier New" pitchFamily="49" charset="0"/>
+                <a:cs typeface="Courier New" pitchFamily="49" charset="0"/>
+              </a:rPr>
+              <a:t>&lt;a&gt;</a:t>
+            </a:r>
+          </a:p>
+          <a:p>
+            <a:r>
+              <a:rPr lang="nb-NO" dirty="0" smtClean="0">
+                <a:latin typeface="Courier New" pitchFamily="49" charset="0"/>
+                <a:cs typeface="Courier New" pitchFamily="49" charset="0"/>
+              </a:rPr>
+              <a:t>  &lt;b&gt;&lt;c /&gt;&lt;/b&gt;</a:t>
+            </a:r>
+          </a:p>
+          <a:p>
+            <a:r>
+              <a:rPr lang="nb-NO" dirty="0" smtClean="0">
+                <a:latin typeface="Courier New" pitchFamily="49" charset="0"/>
+                <a:cs typeface="Courier New" pitchFamily="49" charset="0"/>
+              </a:rPr>
+              <a:t>  &lt;b&gt;&lt;c /&gt;&lt;/b&gt;</a:t>
+            </a:r>
+          </a:p>
+          <a:p>
+            <a:r>
+              <a:rPr lang="nb-NO" dirty="0" smtClean="0">
+                <a:latin typeface="Courier New" pitchFamily="49" charset="0"/>
+                <a:cs typeface="Courier New" pitchFamily="49" charset="0"/>
+              </a:rPr>
+              <a:t>  &lt;b&gt;&lt;c /&gt;&lt;/b&gt;</a:t>
+            </a:r>
+          </a:p>
+          <a:p>
+            <a:r>
+              <a:rPr lang="nb-NO" dirty="0" smtClean="0">
+                <a:latin typeface="Courier New" pitchFamily="49" charset="0"/>
+                <a:cs typeface="Courier New" pitchFamily="49" charset="0"/>
+              </a:rPr>
+              <a:t>&lt;/a&gt;</a:t>
+            </a:r>
+            <a:endParaRPr lang="en-US" dirty="0">
+              <a:latin typeface="Courier New" pitchFamily="49" charset="0"/>
+              <a:cs typeface="Courier New" pitchFamily="49" charset="0"/>
+            </a:endParaRPr>
+          </a:p>
+        </p:txBody>
+      </p:sp>
+      <p:cxnSp>
+        <p:nvCxnSpPr>
+          <p:cNvPr id="6" name="Straight Arrow Connector 5"/>
+          <p:cNvCxnSpPr/>
+          <p:nvPr/>
+        </p:nvCxnSpPr>
+        <p:spPr>
+          <a:xfrm rot="5400000">
+            <a:off x="3929058" y="3000372"/>
+            <a:ext cx="571504" cy="1588"/>
+          </a:xfrm>
+          <a:prstGeom prst="straightConnector1">
+            <a:avLst/>
+          </a:prstGeom>
+          <a:ln>
+            <a:tailEnd type="arrow"/>
+          </a:ln>
+        </p:spPr>
+        <p:style>
+          <a:lnRef idx="1">
+            <a:schemeClr val="accent1"/>
+          </a:lnRef>
+          <a:fillRef idx="0">
+            <a:schemeClr val="accent1"/>
+          </a:fillRef>
+          <a:effectRef idx="0">
+            <a:schemeClr val="accent1"/>
+          </a:effectRef>
+          <a:fontRef idx="minor">
+            <a:schemeClr val="tx1"/>
+          </a:fontRef>
+        </p:style>
+      </p:cxnSp>
+      <p:cxnSp>
+        <p:nvCxnSpPr>
+          <p:cNvPr id="7" name="Straight Arrow Connector 6"/>
+          <p:cNvCxnSpPr/>
+          <p:nvPr/>
+        </p:nvCxnSpPr>
+        <p:spPr>
+          <a:xfrm rot="5400000">
+            <a:off x="3965571" y="5178437"/>
+            <a:ext cx="500066" cy="1588"/>
+          </a:xfrm>
+          <a:prstGeom prst="straightConnector1">
+            <a:avLst/>
+          </a:prstGeom>
+          <a:ln>
+            <a:tailEnd type="arrow"/>
+          </a:ln>
+        </p:spPr>
+        <p:style>
+          <a:lnRef idx="1">
+            <a:schemeClr val="accent1"/>
+          </a:lnRef>
+          <a:fillRef idx="0">
+            <a:schemeClr val="accent1"/>
+          </a:fillRef>
+          <a:effectRef idx="0">
+            <a:schemeClr val="accent1"/>
+          </a:effectRef>
+          <a:fontRef idx="minor">
+            <a:schemeClr val="tx1"/>
+          </a:fontRef>
+        </p:style>
+      </p:cxnSp>
+      <p:sp>
+        <p:nvSpPr>
+          <p:cNvPr id="8" name="TextBox 7"/>
+          <p:cNvSpPr txBox="1"/>
+          <p:nvPr/>
+        </p:nvSpPr>
+        <p:spPr>
+          <a:xfrm>
+            <a:off x="3786182" y="5715016"/>
+            <a:ext cx="928694" cy="923330"/>
+          </a:xfrm>
+          <a:prstGeom prst="rect">
+            <a:avLst/>
+          </a:prstGeom>
+          <a:noFill/>
+        </p:spPr>
+        <p:txBody>
+          <a:bodyPr wrap="square" rtlCol="0">
+            <a:spAutoFit/>
+          </a:bodyPr>
+          <a:lstStyle/>
+          <a:p>
+            <a:r>
+              <a:rPr lang="nb-NO" dirty="0" smtClean="0">
+                <a:latin typeface="Courier New" pitchFamily="49" charset="0"/>
+                <a:cs typeface="Courier New" pitchFamily="49" charset="0"/>
+              </a:rPr>
+              <a:t>&lt;c /&gt;</a:t>
+            </a:r>
+          </a:p>
+          <a:p>
+            <a:r>
+              <a:rPr lang="nb-NO" dirty="0" smtClean="0">
+                <a:latin typeface="Courier New" pitchFamily="49" charset="0"/>
+                <a:cs typeface="Courier New" pitchFamily="49" charset="0"/>
+              </a:rPr>
+              <a:t>&lt;c /&gt;</a:t>
+            </a:r>
+          </a:p>
+          <a:p>
+            <a:r>
+              <a:rPr lang="nb-NO" dirty="0" smtClean="0">
+                <a:latin typeface="Courier New" pitchFamily="49" charset="0"/>
+                <a:cs typeface="Courier New" pitchFamily="49" charset="0"/>
+              </a:rPr>
+              <a:t>&lt;c /&gt;</a:t>
+            </a:r>
+          </a:p>
+        </p:txBody>
+      </p:sp>
+    </p:spTree>
+  </p:cSld>
+  <p:clrMapOvr>
+    <a:masterClrMapping/>
+  </p:clrMapOvr>
+</p:sld>
+</file>
+
+<file path=ppt/slides/slide13.xml><?xml version="1.0" encoding="utf-8"?>
+<p:sld xmlns:a="http://schemas.openxmlformats.org/drawingml/2006/main" xmlns:r="http://schemas.openxmlformats.org/officeDocument/2006/relationships" xmlns:p="http://schemas.openxmlformats.org/presentationml/2006/main">
+  <p:cSld>
+    <p:spTree>
+      <p:nvGrpSpPr>
+        <p:cNvPr id="1" name=""/>
+        <p:cNvGrpSpPr/>
+        <p:nvPr/>
+      </p:nvGrpSpPr>
+      <p:grpSpPr>
+        <a:xfrm>
+          <a:off x="0" y="0"/>
+          <a:ext cx="0" cy="0"/>
+          <a:chOff x="0" y="0"/>
+          <a:chExt cx="0" cy="0"/>
+        </a:xfrm>
+      </p:grpSpPr>
+      <p:sp>
+        <p:nvSpPr>
+          <p:cNvPr id="2" name="Title 1"/>
+          <p:cNvSpPr>
+            <a:spLocks noGrp="1"/>
+          </p:cNvSpPr>
+          <p:nvPr>
+            <p:ph type="title"/>
+          </p:nvPr>
+        </p:nvSpPr>
+        <p:spPr/>
+        <p:txBody>
+          <a:bodyPr/>
+          <a:lstStyle/>
+          <a:p>
+            <a:r>
+              <a:rPr lang="nb-NO" dirty="0" smtClean="0"/>
+              <a:t>XQuery/Xpath</a:t>
+            </a:r>
+            <a:endParaRPr lang="nb-NO" dirty="0"/>
+          </a:p>
+        </p:txBody>
+      </p:sp>
+      <p:sp>
+        <p:nvSpPr>
+          <p:cNvPr id="3" name="Content Placeholder 2"/>
+          <p:cNvSpPr>
+            <a:spLocks noGrp="1"/>
+          </p:cNvSpPr>
+          <p:nvPr>
+            <p:ph idx="1"/>
+          </p:nvPr>
+        </p:nvSpPr>
+        <p:spPr/>
+        <p:txBody>
+          <a:bodyPr>
+            <a:normAutofit/>
+          </a:bodyPr>
+          <a:lstStyle/>
+          <a:p>
+            <a:r>
+              <a:rPr lang="nb-NO" dirty="0" smtClean="0"/>
+              <a:t>XQuery/XPath-uttrykk kan nøstes: </a:t>
+            </a:r>
+            <a:r>
+              <a:rPr lang="nb-NO" dirty="0" smtClean="0">
+                <a:latin typeface="Courier New" pitchFamily="49" charset="0"/>
+                <a:cs typeface="Courier New" pitchFamily="49" charset="0"/>
+              </a:rPr>
+              <a:t>/a[/a[/a[1]]]</a:t>
+            </a:r>
+            <a:endParaRPr lang="nb-NO" dirty="0" smtClean="0"/>
+          </a:p>
+          <a:p>
+            <a:r>
+              <a:rPr lang="nb-NO" dirty="0" smtClean="0"/>
+              <a:t>Hvordan deduserer man sannhetsverdi?</a:t>
+            </a:r>
+          </a:p>
+          <a:p>
+            <a:r>
+              <a:rPr lang="nb-NO" dirty="0" smtClean="0"/>
+              <a:t>Eksempel: </a:t>
+            </a:r>
+          </a:p>
+          <a:p>
+            <a:pPr lvl="1">
+              <a:buNone/>
+            </a:pPr>
+            <a:r>
+              <a:rPr lang="nb-NO" dirty="0" smtClean="0">
+                <a:latin typeface="Courier New" pitchFamily="49" charset="0"/>
+                <a:cs typeface="Courier New" pitchFamily="49" charset="0"/>
+              </a:rPr>
+              <a:t>/a[//b] </a:t>
+            </a:r>
+            <a:r>
+              <a:rPr lang="nb-NO" dirty="0" smtClean="0">
+                <a:latin typeface="+mj-lt"/>
+                <a:cs typeface="Courier New" pitchFamily="49" charset="0"/>
+              </a:rPr>
+              <a:t>= ”finn alle /a hvor //b er sann” </a:t>
+            </a:r>
+          </a:p>
+          <a:p>
+            <a:pPr lvl="1">
+              <a:buNone/>
+            </a:pPr>
+            <a:r>
+              <a:rPr lang="nb-NO" dirty="0" smtClean="0">
+                <a:latin typeface="+mj-lt"/>
+                <a:cs typeface="Courier New" pitchFamily="49" charset="0"/>
+              </a:rPr>
+              <a:t>Hva betyr det?</a:t>
+            </a:r>
+          </a:p>
+          <a:p>
+            <a:r>
+              <a:rPr lang="nb-NO" dirty="0" smtClean="0">
+                <a:latin typeface="+mj-lt"/>
+                <a:cs typeface="Courier New" pitchFamily="49" charset="0"/>
+              </a:rPr>
+              <a:t>Oversetting må ta høyde for ukjente resultatsett</a:t>
+            </a:r>
+          </a:p>
+        </p:txBody>
+      </p:sp>
+    </p:spTree>
+  </p:cSld>
+  <p:clrMapOvr>
+    <a:masterClrMapping/>
+  </p:clrMapOvr>
+</p:sld>
+</file>
+
+<file path=ppt/slides/slide14.xml><?xml version="1.0" encoding="utf-8"?>
+<p:sld xmlns:a="http://schemas.openxmlformats.org/drawingml/2006/main" xmlns:r="http://schemas.openxmlformats.org/officeDocument/2006/relationships" xmlns:p="http://schemas.openxmlformats.org/presentationml/2006/main">
+  <p:cSld>
+    <p:spTree>
+      <p:nvGrpSpPr>
+        <p:cNvPr id="1" name=""/>
+        <p:cNvGrpSpPr/>
+        <p:nvPr/>
+      </p:nvGrpSpPr>
+      <p:grpSpPr>
+        <a:xfrm>
+          <a:off x="0" y="0"/>
+          <a:ext cx="0" cy="0"/>
+          <a:chOff x="0" y="0"/>
+          <a:chExt cx="0" cy="0"/>
+        </a:xfrm>
+      </p:grpSpPr>
+      <p:sp>
+        <p:nvSpPr>
+          <p:cNvPr id="2" name="Title 1"/>
+          <p:cNvSpPr>
+            <a:spLocks noGrp="1"/>
+          </p:cNvSpPr>
+          <p:nvPr>
+            <p:ph type="title"/>
+          </p:nvPr>
+        </p:nvSpPr>
+        <p:spPr/>
+        <p:txBody>
+          <a:bodyPr/>
+          <a:lstStyle/>
+          <a:p>
+            <a:r>
+              <a:rPr lang="nb-NO" dirty="0" smtClean="0"/>
+              <a:t>Relasjonell algebra</a:t>
+            </a:r>
+            <a:endParaRPr lang="en-US" dirty="0"/>
+          </a:p>
+        </p:txBody>
+      </p:sp>
+      <p:sp>
+        <p:nvSpPr>
+          <p:cNvPr id="3" name="Content Placeholder 2"/>
+          <p:cNvSpPr>
+            <a:spLocks noGrp="1"/>
+          </p:cNvSpPr>
+          <p:nvPr>
+            <p:ph idx="1"/>
+          </p:nvPr>
+        </p:nvSpPr>
+        <p:spPr/>
+        <p:txBody>
+          <a:bodyPr/>
+          <a:lstStyle/>
+          <a:p>
+            <a:r>
+              <a:rPr lang="nb-NO" dirty="0" smtClean="0"/>
+              <a:t>Basert på førsteordens-logikk</a:t>
+            </a:r>
+          </a:p>
+          <a:p>
+            <a:r>
+              <a:rPr lang="nb-NO" dirty="0" smtClean="0"/>
+              <a:t>Jobber mot relasjoner vha. operatorer</a:t>
+            </a:r>
+          </a:p>
+        </p:txBody>
+      </p:sp>
+    </p:spTree>
+  </p:cSld>
+  <p:clrMapOvr>
+    <a:masterClrMapping/>
+  </p:clrMapOvr>
+</p:sld>
+</file>
+
+<file path=ppt/slides/slide15.xml><?xml version="1.0" encoding="utf-8"?>
+<p:sld xmlns:a="http://schemas.openxmlformats.org/drawingml/2006/main" xmlns:r="http://schemas.openxmlformats.org/officeDocument/2006/relationships" xmlns:p="http://schemas.openxmlformats.org/presentationml/2006/main">
+  <p:cSld>
+    <p:spTree>
+      <p:nvGrpSpPr>
+        <p:cNvPr id="1" name=""/>
+        <p:cNvGrpSpPr/>
+        <p:nvPr/>
+      </p:nvGrpSpPr>
+      <p:grpSpPr>
+        <a:xfrm>
+          <a:off x="0" y="0"/>
+          <a:ext cx="0" cy="0"/>
+          <a:chOff x="0" y="0"/>
+          <a:chExt cx="0" cy="0"/>
+        </a:xfrm>
+      </p:grpSpPr>
+      <p:sp>
+        <p:nvSpPr>
+          <p:cNvPr id="2" name="Title 1"/>
+          <p:cNvSpPr>
+            <a:spLocks noGrp="1"/>
+          </p:cNvSpPr>
+          <p:nvPr>
+            <p:ph type="title"/>
+          </p:nvPr>
+        </p:nvSpPr>
+        <p:spPr/>
+        <p:txBody>
+          <a:bodyPr/>
+          <a:lstStyle/>
+          <a:p>
+            <a:r>
+              <a:rPr lang="nb-NO" dirty="0" smtClean="0"/>
+              <a:t>(hva er en relasjon?)</a:t>
+            </a:r>
+            <a:endParaRPr lang="en-US" dirty="0"/>
+          </a:p>
+        </p:txBody>
+      </p:sp>
+      <p:graphicFrame>
+        <p:nvGraphicFramePr>
+          <p:cNvPr id="4" name="Table 3"/>
+          <p:cNvGraphicFramePr>
+            <a:graphicFrameLocks noGrp="1"/>
+          </p:cNvGraphicFramePr>
+          <p:nvPr/>
+        </p:nvGraphicFramePr>
+        <p:xfrm>
+          <a:off x="2714612" y="2285992"/>
+          <a:ext cx="3643338" cy="1483360"/>
+        </p:xfrm>
+        <a:graphic>
+          <a:graphicData uri="http://schemas.openxmlformats.org/drawingml/2006/table">
+            <a:tbl>
+              <a:tblPr firstRow="1" bandRow="1">
+                <a:tableStyleId>{5C22544A-7EE6-4342-B048-85BDC9FD1C3A}</a:tableStyleId>
+              </a:tblPr>
+              <a:tblGrid>
+                <a:gridCol w="1214446"/>
+                <a:gridCol w="1214446"/>
+                <a:gridCol w="1214446"/>
+              </a:tblGrid>
+              <a:tr h="370840">
+                <a:tc>
+                  <a:txBody>
+                    <a:bodyPr/>
+                    <a:lstStyle/>
+                    <a:p>
+                      <a:r>
+                        <a:rPr lang="nb-NO" dirty="0" smtClean="0"/>
+                        <a:t>Navn</a:t>
+                      </a:r>
+                      <a:endParaRPr lang="en-US" dirty="0"/>
+                    </a:p>
+                  </a:txBody>
+                  <a:tcPr/>
+                </a:tc>
+                <a:tc>
+                  <a:txBody>
+                    <a:bodyPr/>
+                    <a:lstStyle/>
+                    <a:p>
+                      <a:r>
+                        <a:rPr lang="nb-NO" dirty="0" smtClean="0"/>
+                        <a:t>Alder</a:t>
+                      </a:r>
+                      <a:endParaRPr lang="en-US" dirty="0"/>
+                    </a:p>
+                  </a:txBody>
+                  <a:tcPr/>
+                </a:tc>
+                <a:tc>
+                  <a:txBody>
+                    <a:bodyPr/>
+                    <a:lstStyle/>
+                    <a:p>
+                      <a:r>
+                        <a:rPr lang="nb-NO" dirty="0" smtClean="0"/>
+                        <a:t>Vekt</a:t>
+                      </a:r>
+                      <a:endParaRPr lang="en-US" dirty="0"/>
+                    </a:p>
+                  </a:txBody>
+                  <a:tcPr/>
+                </a:tc>
+              </a:tr>
+              <a:tr h="370840">
+                <a:tc>
+                  <a:txBody>
+                    <a:bodyPr/>
+                    <a:lstStyle/>
+                    <a:p>
+                      <a:r>
+                        <a:rPr lang="nb-NO" dirty="0" smtClean="0"/>
+                        <a:t>Per</a:t>
+                      </a:r>
+                      <a:endParaRPr lang="en-US" dirty="0"/>
+                    </a:p>
+                  </a:txBody>
+                  <a:tcPr/>
+                </a:tc>
+                <a:tc>
+                  <a:txBody>
+                    <a:bodyPr/>
+                    <a:lstStyle/>
+                    <a:p>
+                      <a:r>
+                        <a:rPr lang="nb-NO" dirty="0" smtClean="0"/>
+                        <a:t>34</a:t>
+                      </a:r>
+                      <a:endParaRPr lang="en-US" dirty="0"/>
+                    </a:p>
+                  </a:txBody>
+                  <a:tcPr/>
+                </a:tc>
+                <a:tc>
+                  <a:txBody>
+                    <a:bodyPr/>
+                    <a:lstStyle/>
+                    <a:p>
+                      <a:r>
+                        <a:rPr lang="nb-NO" dirty="0" smtClean="0"/>
+                        <a:t>80</a:t>
+                      </a:r>
+                      <a:endParaRPr lang="en-US" dirty="0"/>
+                    </a:p>
+                  </a:txBody>
+                  <a:tcPr/>
+                </a:tc>
+              </a:tr>
+              <a:tr h="370840">
+                <a:tc>
+                  <a:txBody>
+                    <a:bodyPr/>
+                    <a:lstStyle/>
+                    <a:p>
+                      <a:r>
+                        <a:rPr lang="nb-NO" dirty="0" smtClean="0"/>
+                        <a:t>Ola</a:t>
+                      </a:r>
+                      <a:endParaRPr lang="en-US" dirty="0"/>
+                    </a:p>
+                  </a:txBody>
+                  <a:tcPr/>
+                </a:tc>
+                <a:tc>
+                  <a:txBody>
+                    <a:bodyPr/>
+                    <a:lstStyle/>
+                    <a:p>
+                      <a:r>
+                        <a:rPr lang="nb-NO" dirty="0" smtClean="0"/>
+                        <a:t>33</a:t>
+                      </a:r>
+                      <a:endParaRPr lang="en-US" dirty="0"/>
+                    </a:p>
+                  </a:txBody>
+                  <a:tcPr/>
+                </a:tc>
+                <a:tc>
+                  <a:txBody>
+                    <a:bodyPr/>
+                    <a:lstStyle/>
+                    <a:p>
+                      <a:r>
+                        <a:rPr lang="nb-NO" dirty="0" smtClean="0"/>
+                        <a:t>85</a:t>
+                      </a:r>
+                      <a:endParaRPr lang="en-US" dirty="0"/>
+                    </a:p>
+                  </a:txBody>
+                  <a:tcPr/>
+                </a:tc>
+              </a:tr>
+              <a:tr h="370840">
+                <a:tc>
+                  <a:txBody>
+                    <a:bodyPr/>
+                    <a:lstStyle/>
+                    <a:p>
+                      <a:r>
+                        <a:rPr lang="nb-NO" dirty="0" smtClean="0"/>
+                        <a:t>Kari</a:t>
+                      </a:r>
+                      <a:endParaRPr lang="en-US" dirty="0"/>
+                    </a:p>
+                  </a:txBody>
+                  <a:tcPr/>
+                </a:tc>
+                <a:tc>
+                  <a:txBody>
+                    <a:bodyPr/>
+                    <a:lstStyle/>
+                    <a:p>
+                      <a:r>
+                        <a:rPr lang="nb-NO" dirty="0" smtClean="0"/>
+                        <a:t>35</a:t>
+                      </a:r>
+                      <a:endParaRPr lang="en-US" dirty="0"/>
+                    </a:p>
+                  </a:txBody>
+                  <a:tcPr/>
+                </a:tc>
+                <a:tc>
+                  <a:txBody>
+                    <a:bodyPr/>
+                    <a:lstStyle/>
+                    <a:p>
+                      <a:r>
+                        <a:rPr lang="nb-NO" dirty="0" smtClean="0"/>
+                        <a:t>72</a:t>
+                      </a:r>
+                      <a:endParaRPr lang="en-US" dirty="0"/>
+                    </a:p>
+                  </a:txBody>
+                  <a:tcPr/>
+                </a:tc>
+              </a:tr>
+            </a:tbl>
+          </a:graphicData>
+        </a:graphic>
+      </p:graphicFrame>
+      <p:sp>
+        <p:nvSpPr>
+          <p:cNvPr id="5" name="TextBox 4"/>
+          <p:cNvSpPr txBox="1"/>
+          <p:nvPr/>
+        </p:nvSpPr>
+        <p:spPr>
+          <a:xfrm>
+            <a:off x="3000364" y="4286256"/>
+            <a:ext cx="3185359" cy="369332"/>
+          </a:xfrm>
+          <a:prstGeom prst="rect">
+            <a:avLst/>
+          </a:prstGeom>
+          <a:noFill/>
+        </p:spPr>
+        <p:txBody>
+          <a:bodyPr wrap="none" rtlCol="0">
+            <a:spAutoFit/>
+          </a:bodyPr>
+          <a:lstStyle/>
+          <a:p>
+            <a:r>
+              <a:rPr lang="nb-NO" dirty="0" smtClean="0"/>
+              <a:t>”X er Y år gammel og veier Z kg”</a:t>
+            </a:r>
+            <a:endParaRPr lang="en-US" dirty="0"/>
+          </a:p>
+        </p:txBody>
+      </p:sp>
+      <p:sp>
+        <p:nvSpPr>
+          <p:cNvPr id="6" name="TextBox 5"/>
+          <p:cNvSpPr txBox="1"/>
+          <p:nvPr/>
+        </p:nvSpPr>
+        <p:spPr>
+          <a:xfrm>
+            <a:off x="2500298" y="5072074"/>
+            <a:ext cx="4333815" cy="369332"/>
+          </a:xfrm>
+          <a:prstGeom prst="rect">
+            <a:avLst/>
+          </a:prstGeom>
+          <a:noFill/>
+        </p:spPr>
+        <p:txBody>
+          <a:bodyPr wrap="none" rtlCol="0">
+            <a:spAutoFit/>
+          </a:bodyPr>
+          <a:lstStyle/>
+          <a:p>
+            <a:r>
+              <a:rPr lang="nb-NO" dirty="0" smtClean="0"/>
+              <a:t>S = {(Per, 34, 80), (Ola, 33, 85), (Kari, 35, 72)}</a:t>
+            </a:r>
+            <a:endParaRPr lang="en-US" dirty="0"/>
+          </a:p>
+        </p:txBody>
+      </p:sp>
+    </p:spTree>
+  </p:cSld>
+  <p:clrMapOvr>
+    <a:masterClrMapping/>
+  </p:clrMapOvr>
+</p:sld>
+</file>
+
+<file path=ppt/slides/slide16.xml><?xml version="1.0" encoding="utf-8"?>
+<p:sld xmlns:a="http://schemas.openxmlformats.org/drawingml/2006/main" xmlns:r="http://schemas.openxmlformats.org/officeDocument/2006/relationships" xmlns:p="http://schemas.openxmlformats.org/presentationml/2006/main">
+  <p:cSld>
+    <p:spTree>
+      <p:nvGrpSpPr>
+        <p:cNvPr id="1" name=""/>
+        <p:cNvGrpSpPr/>
+        <p:nvPr/>
+      </p:nvGrpSpPr>
+      <p:grpSpPr>
+        <a:xfrm>
+          <a:off x="0" y="0"/>
+          <a:ext cx="0" cy="0"/>
+          <a:chOff x="0" y="0"/>
+          <a:chExt cx="0" cy="0"/>
+        </a:xfrm>
+      </p:grpSpPr>
+      <p:sp>
+        <p:nvSpPr>
+          <p:cNvPr id="2" name="Title 1"/>
+          <p:cNvSpPr>
+            <a:spLocks noGrp="1"/>
+          </p:cNvSpPr>
+          <p:nvPr>
+            <p:ph type="title"/>
+          </p:nvPr>
+        </p:nvSpPr>
+        <p:spPr/>
+        <p:txBody>
+          <a:bodyPr/>
+          <a:lstStyle/>
+          <a:p>
+            <a:r>
+              <a:rPr lang="nb-NO" dirty="0" smtClean="0"/>
+              <a:t>Relasjonell algebra</a:t>
+            </a:r>
+            <a:endParaRPr lang="en-US" dirty="0"/>
+          </a:p>
+        </p:txBody>
+      </p:sp>
+      <p:sp>
+        <p:nvSpPr>
+          <p:cNvPr id="3" name="Content Placeholder 2"/>
+          <p:cNvSpPr>
+            <a:spLocks noGrp="1"/>
+          </p:cNvSpPr>
+          <p:nvPr>
+            <p:ph idx="1"/>
+          </p:nvPr>
+        </p:nvSpPr>
+        <p:spPr/>
+        <p:txBody>
+          <a:bodyPr/>
+          <a:lstStyle/>
+          <a:p>
+            <a:r>
+              <a:rPr lang="nb-NO" dirty="0" smtClean="0"/>
+              <a:t>Select</a:t>
+            </a:r>
+          </a:p>
+          <a:p>
+            <a:r>
+              <a:rPr lang="nb-NO" dirty="0" smtClean="0"/>
+              <a:t>Project</a:t>
+            </a:r>
+          </a:p>
+          <a:p>
+            <a:r>
+              <a:rPr lang="nb-NO" dirty="0" smtClean="0"/>
+              <a:t>Rename</a:t>
+            </a:r>
+          </a:p>
+          <a:p>
+            <a:r>
+              <a:rPr lang="nb-NO" dirty="0" smtClean="0"/>
+              <a:t>Union og differens (sett-operatorer)</a:t>
+            </a:r>
+          </a:p>
+          <a:p>
+            <a:endParaRPr lang="nb-NO" dirty="0" smtClean="0"/>
+          </a:p>
+        </p:txBody>
+      </p:sp>
+    </p:spTree>
+  </p:cSld>
+  <p:clrMapOvr>
+    <a:masterClrMapping/>
+  </p:clrMapOvr>
+</p:sld>
+</file>
+
+<file path=ppt/slides/slide17.xml><?xml version="1.0" encoding="utf-8"?>
+<p:sld xmlns:a="http://schemas.openxmlformats.org/drawingml/2006/main" xmlns:r="http://schemas.openxmlformats.org/officeDocument/2006/relationships" xmlns:p="http://schemas.openxmlformats.org/presentationml/2006/main">
+  <p:cSld>
+    <p:spTree>
+      <p:nvGrpSpPr>
+        <p:cNvPr id="1" name=""/>
+        <p:cNvGrpSpPr/>
+        <p:nvPr/>
+      </p:nvGrpSpPr>
+      <p:grpSpPr>
+        <a:xfrm>
+          <a:off x="0" y="0"/>
+          <a:ext cx="0" cy="0"/>
+          <a:chOff x="0" y="0"/>
+          <a:chExt cx="0" cy="0"/>
+        </a:xfrm>
+      </p:grpSpPr>
+      <p:sp>
+        <p:nvSpPr>
+          <p:cNvPr id="2" name="Title 1"/>
+          <p:cNvSpPr>
+            <a:spLocks noGrp="1"/>
+          </p:cNvSpPr>
+          <p:nvPr>
+            <p:ph type="title"/>
+          </p:nvPr>
+        </p:nvSpPr>
+        <p:spPr/>
+        <p:txBody>
+          <a:bodyPr>
+            <a:normAutofit fontScale="90000"/>
+          </a:bodyPr>
+          <a:lstStyle/>
+          <a:p>
+            <a:r>
+              <a:rPr lang="nb-NO" dirty="0" smtClean="0"/>
+              <a:t>Hvorfor oversette XQuery </a:t>
+            </a:r>
+            <a:r>
+              <a:rPr lang="nb-NO" dirty="0" smtClean="0">
+                <a:latin typeface="Calibri"/>
+              </a:rPr>
+              <a:t>→</a:t>
+            </a:r>
+            <a:r>
+              <a:rPr lang="nb-NO" dirty="0" smtClean="0"/>
+              <a:t> rel.alg?</a:t>
+            </a:r>
+            <a:endParaRPr lang="en-US" dirty="0"/>
+          </a:p>
+        </p:txBody>
+      </p:sp>
+      <p:sp>
+        <p:nvSpPr>
+          <p:cNvPr id="3" name="Content Placeholder 2"/>
+          <p:cNvSpPr>
+            <a:spLocks noGrp="1"/>
+          </p:cNvSpPr>
+          <p:nvPr>
+            <p:ph idx="1"/>
+          </p:nvPr>
+        </p:nvSpPr>
+        <p:spPr/>
+        <p:txBody>
+          <a:bodyPr/>
+          <a:lstStyle/>
+          <a:p>
+            <a:r>
+              <a:rPr lang="nb-NO" dirty="0" smtClean="0"/>
+              <a:t>Store XML-dokumenter = problematisk</a:t>
+            </a:r>
+          </a:p>
+          <a:p>
+            <a:r>
+              <a:rPr lang="nb-NO" dirty="0" smtClean="0"/>
+              <a:t>Relasjonelle databaser bedre egnet for store datamengder</a:t>
+            </a:r>
+          </a:p>
+          <a:p>
+            <a:r>
+              <a:rPr lang="nb-NO" dirty="0" smtClean="0"/>
+              <a:t>”because we can” ?</a:t>
+            </a:r>
+            <a:endParaRPr lang="en-US" dirty="0"/>
+          </a:p>
+        </p:txBody>
+      </p:sp>
+    </p:spTree>
+  </p:cSld>
+  <p:clrMapOvr>
+    <a:masterClrMapping/>
+  </p:clrMapOvr>
+</p:sld>
+</file>
+
+<file path=ppt/slides/slide18.xml><?xml version="1.0" encoding="utf-8"?>
+<p:sld xmlns:a="http://schemas.openxmlformats.org/drawingml/2006/main" xmlns:r="http://schemas.openxmlformats.org/officeDocument/2006/relationships" xmlns:p="http://schemas.openxmlformats.org/presentationml/2006/main">
+  <p:cSld>
+    <p:spTree>
+      <p:nvGrpSpPr>
+        <p:cNvPr id="1" name=""/>
+        <p:cNvGrpSpPr/>
+        <p:nvPr/>
+      </p:nvGrpSpPr>
+      <p:grpSpPr>
+        <a:xfrm>
+          <a:off x="0" y="0"/>
+          <a:ext cx="0" cy="0"/>
+          <a:chOff x="0" y="0"/>
+          <a:chExt cx="0" cy="0"/>
+        </a:xfrm>
+      </p:grpSpPr>
+      <p:sp>
+        <p:nvSpPr>
+          <p:cNvPr id="2" name="Title 1"/>
+          <p:cNvSpPr>
+            <a:spLocks noGrp="1"/>
+          </p:cNvSpPr>
+          <p:nvPr>
+            <p:ph type="title"/>
+          </p:nvPr>
+        </p:nvSpPr>
+        <p:spPr/>
+        <p:txBody>
+          <a:bodyPr/>
+          <a:lstStyle/>
+          <a:p>
+            <a:r>
+              <a:rPr lang="nb-NO" dirty="0" smtClean="0"/>
+              <a:t>Parserkonstruksjon</a:t>
+            </a:r>
+            <a:endParaRPr lang="en-US" dirty="0"/>
+          </a:p>
+        </p:txBody>
+      </p:sp>
+      <p:sp>
+        <p:nvSpPr>
+          <p:cNvPr id="3" name="Content Placeholder 2"/>
+          <p:cNvSpPr>
+            <a:spLocks noGrp="1"/>
+          </p:cNvSpPr>
+          <p:nvPr>
+            <p:ph idx="1"/>
+          </p:nvPr>
+        </p:nvSpPr>
+        <p:spPr/>
+        <p:txBody>
+          <a:bodyPr/>
+          <a:lstStyle/>
+          <a:p>
+            <a:r>
+              <a:rPr lang="nb-NO" dirty="0" smtClean="0"/>
+              <a:t>Hvorfor lage en egen XQuery-parser?</a:t>
+            </a:r>
+            <a:endParaRPr lang="en-US" dirty="0" smtClean="0"/>
+          </a:p>
+          <a:p>
+            <a:pPr lvl="1"/>
+            <a:r>
+              <a:rPr lang="nb-NO" dirty="0" smtClean="0"/>
+              <a:t>Lisensiering</a:t>
+            </a:r>
+          </a:p>
+          <a:p>
+            <a:pPr lvl="1"/>
+            <a:r>
+              <a:rPr lang="nb-NO" dirty="0" smtClean="0"/>
+              <a:t>Output</a:t>
+            </a:r>
+          </a:p>
+          <a:p>
+            <a:pPr lvl="1"/>
+            <a:r>
+              <a:rPr lang="nb-NO" dirty="0" smtClean="0"/>
+              <a:t>Selvvalgt plattform</a:t>
+            </a:r>
+          </a:p>
+          <a:p>
+            <a:pPr lvl="1"/>
+            <a:r>
+              <a:rPr lang="nb-NO" dirty="0" smtClean="0"/>
+              <a:t>Ikke *så* vanskelig heller.. (åneida..)</a:t>
+            </a:r>
+          </a:p>
+        </p:txBody>
+      </p:sp>
+    </p:spTree>
+  </p:cSld>
+  <p:clrMapOvr>
+    <a:masterClrMapping/>
+  </p:clrMapOvr>
+</p:sld>
+</file>
+
+<file path=ppt/slides/slide19.xml><?xml version="1.0" encoding="utf-8"?>
+<p:sld xmlns:a="http://schemas.openxmlformats.org/drawingml/2006/main" xmlns:r="http://schemas.openxmlformats.org/officeDocument/2006/relationships" xmlns:p="http://schemas.openxmlformats.org/presentationml/2006/main">
+  <p:cSld>
+    <p:spTree>
+      <p:nvGrpSpPr>
+        <p:cNvPr id="1" name=""/>
+        <p:cNvGrpSpPr/>
+        <p:nvPr/>
+      </p:nvGrpSpPr>
+      <p:grpSpPr>
+        <a:xfrm>
+          <a:off x="0" y="0"/>
+          <a:ext cx="0" cy="0"/>
+          <a:chOff x="0" y="0"/>
+          <a:chExt cx="0" cy="0"/>
+        </a:xfrm>
+      </p:grpSpPr>
+      <p:sp>
+        <p:nvSpPr>
+          <p:cNvPr id="2" name="Title 1"/>
+          <p:cNvSpPr>
+            <a:spLocks noGrp="1"/>
+          </p:cNvSpPr>
+          <p:nvPr>
+            <p:ph type="title"/>
+          </p:nvPr>
+        </p:nvSpPr>
+        <p:spPr/>
+        <p:txBody>
+          <a:bodyPr/>
+          <a:lstStyle/>
+          <a:p>
+            <a:r>
+              <a:rPr lang="nb-NO" dirty="0" smtClean="0"/>
+              <a:t>Parserkonstruksjon</a:t>
+            </a:r>
+            <a:endParaRPr lang="en-US" dirty="0"/>
+          </a:p>
+        </p:txBody>
+      </p:sp>
+      <p:sp>
+        <p:nvSpPr>
+          <p:cNvPr id="4" name="Rectangle 3"/>
+          <p:cNvSpPr/>
+          <p:nvPr/>
+        </p:nvSpPr>
+        <p:spPr>
+          <a:xfrm>
+            <a:off x="1643042" y="3571876"/>
+            <a:ext cx="1428760" cy="914400"/>
+          </a:xfrm>
+          <a:prstGeom prst="rect">
+            <a:avLst/>
+          </a:prstGeom>
+        </p:spPr>
+        <p:style>
+          <a:lnRef idx="2">
+            <a:schemeClr val="accent1">
+              <a:shade val="50000"/>
+            </a:schemeClr>
+          </a:lnRef>
+          <a:fillRef idx="1">
+            <a:schemeClr val="accent1"/>
+          </a:fillRef>
+          <a:effectRef idx="0">
+            <a:schemeClr val="accent1"/>
+          </a:effectRef>
+          <a:fontRef idx="minor">
+            <a:schemeClr val="lt1"/>
+          </a:fontRef>
+        </p:style>
+        <p:txBody>
+          <a:bodyPr rtlCol="0" anchor="ctr"/>
+          <a:lstStyle/>
+          <a:p>
+            <a:pPr algn="ctr"/>
+            <a:r>
+              <a:rPr lang="nb-NO" dirty="0" smtClean="0"/>
+              <a:t>Grammatikk</a:t>
+            </a:r>
+            <a:endParaRPr lang="en-US" dirty="0"/>
+          </a:p>
+        </p:txBody>
+      </p:sp>
+      <p:sp>
+        <p:nvSpPr>
+          <p:cNvPr id="5" name="Rectangle 4"/>
+          <p:cNvSpPr/>
+          <p:nvPr/>
+        </p:nvSpPr>
+        <p:spPr>
+          <a:xfrm>
+            <a:off x="3786182" y="3571876"/>
+            <a:ext cx="1928826" cy="914400"/>
+          </a:xfrm>
+          <a:prstGeom prst="rect">
+            <a:avLst/>
+          </a:prstGeom>
+        </p:spPr>
+        <p:style>
+          <a:lnRef idx="2">
+            <a:schemeClr val="accent1">
+              <a:shade val="50000"/>
+            </a:schemeClr>
+          </a:lnRef>
+          <a:fillRef idx="1">
+            <a:schemeClr val="accent1"/>
+          </a:fillRef>
+          <a:effectRef idx="0">
+            <a:schemeClr val="accent1"/>
+          </a:effectRef>
+          <a:fontRef idx="minor">
+            <a:schemeClr val="lt1"/>
+          </a:fontRef>
+        </p:style>
+        <p:txBody>
+          <a:bodyPr rtlCol="0" anchor="ctr"/>
+          <a:lstStyle/>
+          <a:p>
+            <a:pPr algn="ctr"/>
+            <a:r>
+              <a:rPr lang="nb-NO" dirty="0" smtClean="0"/>
+              <a:t>Parser-generator</a:t>
+            </a:r>
+            <a:endParaRPr lang="en-US" dirty="0"/>
+          </a:p>
+        </p:txBody>
+      </p:sp>
+      <p:sp>
+        <p:nvSpPr>
+          <p:cNvPr id="6" name="Rectangle 5"/>
+          <p:cNvSpPr/>
+          <p:nvPr/>
+        </p:nvSpPr>
+        <p:spPr>
+          <a:xfrm>
+            <a:off x="6500826" y="3571876"/>
+            <a:ext cx="914400" cy="914400"/>
+          </a:xfrm>
+          <a:prstGeom prst="rect">
+            <a:avLst/>
+          </a:prstGeom>
+        </p:spPr>
+        <p:style>
+          <a:lnRef idx="2">
+            <a:schemeClr val="accent1">
+              <a:shade val="50000"/>
+            </a:schemeClr>
+          </a:lnRef>
+          <a:fillRef idx="1">
+            <a:schemeClr val="accent1"/>
+          </a:fillRef>
+          <a:effectRef idx="0">
+            <a:schemeClr val="accent1"/>
+          </a:effectRef>
+          <a:fontRef idx="minor">
+            <a:schemeClr val="lt1"/>
+          </a:fontRef>
+        </p:style>
+        <p:txBody>
+          <a:bodyPr rtlCol="0" anchor="ctr"/>
+          <a:lstStyle/>
+          <a:p>
+            <a:pPr algn="ctr"/>
+            <a:r>
+              <a:rPr lang="nb-NO" dirty="0" smtClean="0"/>
+              <a:t>Parser</a:t>
+            </a:r>
+            <a:endParaRPr lang="en-US" dirty="0"/>
+          </a:p>
+        </p:txBody>
+      </p:sp>
+      <p:cxnSp>
+        <p:nvCxnSpPr>
+          <p:cNvPr id="8" name="Straight Arrow Connector 7"/>
+          <p:cNvCxnSpPr>
+            <a:stCxn id="4" idx="3"/>
+            <a:endCxn id="5" idx="1"/>
+          </p:cNvCxnSpPr>
+          <p:nvPr/>
+        </p:nvCxnSpPr>
+        <p:spPr>
+          <a:xfrm>
+            <a:off x="3071802" y="4029076"/>
+            <a:ext cx="714380" cy="1588"/>
+          </a:xfrm>
+          <a:prstGeom prst="straightConnector1">
+            <a:avLst/>
+          </a:prstGeom>
+          <a:ln>
+            <a:tailEnd type="arrow"/>
+          </a:ln>
+        </p:spPr>
+        <p:style>
+          <a:lnRef idx="1">
+            <a:schemeClr val="accent1"/>
+          </a:lnRef>
+          <a:fillRef idx="0">
+            <a:schemeClr val="accent1"/>
+          </a:fillRef>
+          <a:effectRef idx="0">
+            <a:schemeClr val="accent1"/>
+          </a:effectRef>
+          <a:fontRef idx="minor">
+            <a:schemeClr val="tx1"/>
+          </a:fontRef>
+        </p:style>
+      </p:cxnSp>
+      <p:cxnSp>
+        <p:nvCxnSpPr>
+          <p:cNvPr id="10" name="Straight Arrow Connector 9"/>
+          <p:cNvCxnSpPr>
+            <a:stCxn id="5" idx="3"/>
+            <a:endCxn id="6" idx="1"/>
+          </p:cNvCxnSpPr>
+          <p:nvPr/>
+        </p:nvCxnSpPr>
+        <p:spPr>
+          <a:xfrm>
+            <a:off x="5715008" y="4029076"/>
+            <a:ext cx="785818" cy="1588"/>
+          </a:xfrm>
+          <a:prstGeom prst="straightConnector1">
+            <a:avLst/>
+          </a:prstGeom>
+          <a:ln>
+            <a:tailEnd type="arrow"/>
+          </a:ln>
+        </p:spPr>
+        <p:style>
+          <a:lnRef idx="1">
+            <a:schemeClr val="accent1"/>
+          </a:lnRef>
+          <a:fillRef idx="0">
+            <a:schemeClr val="accent1"/>
+          </a:fillRef>
+          <a:effectRef idx="0">
+            <a:schemeClr val="accent1"/>
+          </a:effectRef>
+          <a:fontRef idx="minor">
+            <a:schemeClr val="tx1"/>
+          </a:fontRef>
+        </p:style>
+      </p:cxnSp>
+    </p:spTree>
+  </p:cSld>
+  <p:clrMapOvr>
+    <a:masterClrMapping/>
+  </p:clrMapOvr>
 </p:sld>
 </file>
 
@@ -3848,31 +8166,1289 @@
               <a:rPr lang="nb-NO" dirty="0" smtClean="0"/>
               <a:t>Hvorfor oversette Xquery → rel.alg</a:t>
             </a:r>
+          </a:p>
+          <a:p>
+            <a:r>
+              <a:rPr lang="nb-NO" dirty="0" smtClean="0"/>
+              <a:t>Parserkonstruksjon</a:t>
+            </a:r>
+          </a:p>
+          <a:p>
+            <a:r>
+              <a:rPr lang="nb-NO" dirty="0" smtClean="0"/>
+              <a:t>Relasjonell algebra</a:t>
+            </a:r>
+          </a:p>
+          <a:p>
+            <a:r>
+              <a:rPr lang="nb-NO" dirty="0" smtClean="0"/>
+              <a:t>Oversettelsesmetode</a:t>
+            </a:r>
+          </a:p>
+          <a:p>
+            <a:r>
+              <a:rPr lang="nb-NO" dirty="0" smtClean="0"/>
+              <a:t>Implementasjon</a:t>
+            </a:r>
+          </a:p>
+          <a:p>
             <a:endParaRPr lang="nb-NO" dirty="0" smtClean="0"/>
           </a:p>
           <a:p>
+            <a:endParaRPr lang="en-US" dirty="0"/>
+          </a:p>
+        </p:txBody>
+      </p:sp>
+    </p:spTree>
+  </p:cSld>
+  <p:clrMapOvr>
+    <a:masterClrMapping/>
+  </p:clrMapOvr>
+  <p:timing>
+    <p:tnLst>
+      <p:par>
+        <p:cTn id="1" dur="indefinite" restart="never" nodeType="tmRoot"/>
+      </p:par>
+    </p:tnLst>
+  </p:timing>
+</p:sld>
+</file>
+
+<file path=ppt/slides/slide20.xml><?xml version="1.0" encoding="utf-8"?>
+<p:sld xmlns:a="http://schemas.openxmlformats.org/drawingml/2006/main" xmlns:r="http://schemas.openxmlformats.org/officeDocument/2006/relationships" xmlns:p="http://schemas.openxmlformats.org/presentationml/2006/main">
+  <p:cSld>
+    <p:spTree>
+      <p:nvGrpSpPr>
+        <p:cNvPr id="1" name=""/>
+        <p:cNvGrpSpPr/>
+        <p:nvPr/>
+      </p:nvGrpSpPr>
+      <p:grpSpPr>
+        <a:xfrm>
+          <a:off x="0" y="0"/>
+          <a:ext cx="0" cy="0"/>
+          <a:chOff x="0" y="0"/>
+          <a:chExt cx="0" cy="0"/>
+        </a:xfrm>
+      </p:grpSpPr>
+      <p:sp>
+        <p:nvSpPr>
+          <p:cNvPr id="2" name="Title 1"/>
+          <p:cNvSpPr>
+            <a:spLocks noGrp="1"/>
+          </p:cNvSpPr>
+          <p:nvPr>
+            <p:ph type="title"/>
+          </p:nvPr>
+        </p:nvSpPr>
+        <p:spPr/>
+        <p:txBody>
+          <a:bodyPr/>
+          <a:lstStyle/>
+          <a:p>
             <a:r>
               <a:rPr lang="nb-NO" dirty="0" smtClean="0"/>
               <a:t>Parserkonstruksjon</a:t>
             </a:r>
-          </a:p>
-          <a:p>
-            <a:r>
-              <a:rPr lang="nb-NO" dirty="0" smtClean="0"/>
-              <a:t>Relasjonell algebra</a:t>
-            </a:r>
-          </a:p>
-          <a:p>
-            <a:r>
-              <a:rPr lang="nb-NO" dirty="0" smtClean="0"/>
-              <a:t>Oversettelse/metoder</a:t>
-            </a:r>
-          </a:p>
-          <a:p>
+            <a:endParaRPr lang="en-US" dirty="0"/>
+          </a:p>
+        </p:txBody>
+      </p:sp>
+      <p:sp>
+        <p:nvSpPr>
+          <p:cNvPr id="3" name="Content Placeholder 2"/>
+          <p:cNvSpPr>
+            <a:spLocks noGrp="1"/>
+          </p:cNvSpPr>
+          <p:nvPr>
+            <p:ph idx="1"/>
+          </p:nvPr>
+        </p:nvSpPr>
+        <p:spPr/>
+        <p:txBody>
+          <a:bodyPr/>
+          <a:lstStyle/>
+          <a:p>
+            <a:r>
+              <a:rPr lang="nb-NO" dirty="0" smtClean="0"/>
+              <a:t>Fordeler med generering av parser:</a:t>
+            </a:r>
+          </a:p>
+          <a:p>
+            <a:pPr lvl="1"/>
+            <a:r>
+              <a:rPr lang="nb-NO" dirty="0" smtClean="0"/>
+              <a:t>Forholder seg til grammatikk</a:t>
+            </a:r>
+          </a:p>
+          <a:p>
+            <a:pPr lvl="1"/>
+            <a:r>
+              <a:rPr lang="nb-NO" dirty="0" smtClean="0"/>
+              <a:t>Valg mellom parserteknologier (LL, LALR, ..)</a:t>
+            </a:r>
+          </a:p>
+          <a:p>
+            <a:r>
+              <a:rPr lang="nb-NO" dirty="0" smtClean="0"/>
+              <a:t>Ulemper:</a:t>
+            </a:r>
+          </a:p>
+          <a:p>
+            <a:pPr lvl="1"/>
+            <a:r>
+              <a:rPr lang="nb-NO" dirty="0" smtClean="0"/>
+              <a:t>Debugging</a:t>
+            </a:r>
+          </a:p>
+          <a:p>
+            <a:pPr lvl="1"/>
+            <a:r>
+              <a:rPr lang="nb-NO" dirty="0" smtClean="0"/>
+              <a:t>Feilmeldinger</a:t>
+            </a:r>
+          </a:p>
+          <a:p>
+            <a:pPr lvl="1"/>
+            <a:r>
+              <a:rPr lang="nb-NO" dirty="0" smtClean="0"/>
+              <a:t>”customization”</a:t>
+            </a:r>
+          </a:p>
+        </p:txBody>
+      </p:sp>
+    </p:spTree>
+  </p:cSld>
+  <p:clrMapOvr>
+    <a:masterClrMapping/>
+  </p:clrMapOvr>
+</p:sld>
+</file>
+
+<file path=ppt/slides/slide21.xml><?xml version="1.0" encoding="utf-8"?>
+<p:sld xmlns:a="http://schemas.openxmlformats.org/drawingml/2006/main" xmlns:r="http://schemas.openxmlformats.org/officeDocument/2006/relationships" xmlns:p="http://schemas.openxmlformats.org/presentationml/2006/main">
+  <p:cSld>
+    <p:spTree>
+      <p:nvGrpSpPr>
+        <p:cNvPr id="1" name=""/>
+        <p:cNvGrpSpPr/>
+        <p:nvPr/>
+      </p:nvGrpSpPr>
+      <p:grpSpPr>
+        <a:xfrm>
+          <a:off x="0" y="0"/>
+          <a:ext cx="0" cy="0"/>
+          <a:chOff x="0" y="0"/>
+          <a:chExt cx="0" cy="0"/>
+        </a:xfrm>
+      </p:grpSpPr>
+      <p:sp>
+        <p:nvSpPr>
+          <p:cNvPr id="2" name="Title 1"/>
+          <p:cNvSpPr>
+            <a:spLocks noGrp="1"/>
+          </p:cNvSpPr>
+          <p:nvPr>
+            <p:ph type="title"/>
+          </p:nvPr>
+        </p:nvSpPr>
+        <p:spPr/>
+        <p:txBody>
+          <a:bodyPr/>
+          <a:lstStyle/>
+          <a:p>
+            <a:r>
+              <a:rPr lang="nb-NO" dirty="0" smtClean="0"/>
+              <a:t>Parserkonstruksjon</a:t>
+            </a:r>
+            <a:endParaRPr lang="en-US" dirty="0"/>
+          </a:p>
+        </p:txBody>
+      </p:sp>
+      <p:sp>
+        <p:nvSpPr>
+          <p:cNvPr id="3" name="Content Placeholder 2"/>
+          <p:cNvSpPr>
+            <a:spLocks noGrp="1"/>
+          </p:cNvSpPr>
+          <p:nvPr>
+            <p:ph idx="1"/>
+          </p:nvPr>
+        </p:nvSpPr>
+        <p:spPr/>
+        <p:txBody>
+          <a:bodyPr/>
+          <a:lstStyle/>
+          <a:p>
+            <a:r>
+              <a:rPr lang="nb-NO" dirty="0" smtClean="0"/>
+              <a:t>ANTLR</a:t>
+            </a:r>
+          </a:p>
+          <a:p>
+            <a:r>
+              <a:rPr lang="nb-NO" dirty="0" smtClean="0"/>
+              <a:t>Grammatikk etter W3C’s spesifikasjon</a:t>
+            </a:r>
+          </a:p>
+          <a:p>
+            <a:r>
+              <a:rPr lang="nb-NO" dirty="0" smtClean="0"/>
+              <a:t>99.3% av XQuery test suite*</a:t>
+            </a:r>
+          </a:p>
+          <a:p>
+            <a:endParaRPr lang="en-US" dirty="0"/>
+          </a:p>
+        </p:txBody>
+      </p:sp>
+    </p:spTree>
+  </p:cSld>
+  <p:clrMapOvr>
+    <a:masterClrMapping/>
+  </p:clrMapOvr>
+</p:sld>
+</file>
+
+<file path=ppt/slides/slide22.xml><?xml version="1.0" encoding="utf-8"?>
+<p:sld xmlns:a="http://schemas.openxmlformats.org/drawingml/2006/main" xmlns:r="http://schemas.openxmlformats.org/officeDocument/2006/relationships" xmlns:p="http://schemas.openxmlformats.org/presentationml/2006/main">
+  <p:cSld>
+    <p:spTree>
+      <p:nvGrpSpPr>
+        <p:cNvPr id="1" name=""/>
+        <p:cNvGrpSpPr/>
+        <p:nvPr/>
+      </p:nvGrpSpPr>
+      <p:grpSpPr>
+        <a:xfrm>
+          <a:off x="0" y="0"/>
+          <a:ext cx="0" cy="0"/>
+          <a:chOff x="0" y="0"/>
+          <a:chExt cx="0" cy="0"/>
+        </a:xfrm>
+      </p:grpSpPr>
+      <p:sp>
+        <p:nvSpPr>
+          <p:cNvPr id="2" name="Title 1"/>
+          <p:cNvSpPr>
+            <a:spLocks noGrp="1"/>
+          </p:cNvSpPr>
+          <p:nvPr>
+            <p:ph type="title"/>
+          </p:nvPr>
+        </p:nvSpPr>
+        <p:spPr/>
+        <p:txBody>
+          <a:bodyPr/>
+          <a:lstStyle/>
+          <a:p>
+            <a:r>
+              <a:rPr lang="nb-NO" dirty="0" smtClean="0"/>
+              <a:t>Parserkonstruksjon</a:t>
+            </a:r>
+            <a:endParaRPr lang="en-US" dirty="0"/>
+          </a:p>
+        </p:txBody>
+      </p:sp>
+      <p:pic>
+        <p:nvPicPr>
+          <p:cNvPr id="3" name="Picture 2" descr="flwor_rewrite_p2.png"/>
+          <p:cNvPicPr>
+            <a:picLocks noChangeAspect="1"/>
+          </p:cNvPicPr>
+          <p:nvPr/>
+        </p:nvPicPr>
+        <p:blipFill>
+          <a:blip r:embed="rId3"/>
+          <a:stretch>
+            <a:fillRect/>
+          </a:stretch>
+        </p:blipFill>
+        <p:spPr>
+          <a:xfrm>
+            <a:off x="4500562" y="1714488"/>
+            <a:ext cx="3934767" cy="4597613"/>
+          </a:xfrm>
+          <a:prstGeom prst="rect">
+            <a:avLst/>
+          </a:prstGeom>
+        </p:spPr>
+      </p:pic>
+      <p:sp>
+        <p:nvSpPr>
+          <p:cNvPr id="4" name="TextBox 3"/>
+          <p:cNvSpPr txBox="1"/>
+          <p:nvPr/>
+        </p:nvSpPr>
+        <p:spPr>
+          <a:xfrm>
+            <a:off x="357158" y="3214686"/>
+            <a:ext cx="2643174" cy="954107"/>
+          </a:xfrm>
+          <a:prstGeom prst="rect">
+            <a:avLst/>
+          </a:prstGeom>
+          <a:noFill/>
+        </p:spPr>
+        <p:txBody>
+          <a:bodyPr wrap="square" rtlCol="0">
+            <a:spAutoFit/>
+          </a:bodyPr>
+          <a:lstStyle/>
+          <a:p>
+            <a:r>
+              <a:rPr lang="en-US" sz="1400" dirty="0" smtClean="0">
+                <a:latin typeface="Courier New" pitchFamily="49" charset="0"/>
+                <a:cs typeface="Courier New" pitchFamily="49" charset="0"/>
+              </a:rPr>
+              <a:t>for $a in (1) </a:t>
+            </a:r>
+          </a:p>
+          <a:p>
+            <a:r>
+              <a:rPr lang="en-US" sz="1400" dirty="0" smtClean="0">
+                <a:latin typeface="Courier New" pitchFamily="49" charset="0"/>
+                <a:cs typeface="Courier New" pitchFamily="49" charset="0"/>
+              </a:rPr>
+              <a:t>  return for $b in (2), </a:t>
+            </a:r>
+          </a:p>
+          <a:p>
+            <a:r>
+              <a:rPr lang="en-US" sz="1400" dirty="0" smtClean="0">
+                <a:latin typeface="Courier New" pitchFamily="49" charset="0"/>
+                <a:cs typeface="Courier New" pitchFamily="49" charset="0"/>
+              </a:rPr>
+              <a:t>             $c in (3) </a:t>
+            </a:r>
+          </a:p>
+          <a:p>
+            <a:r>
+              <a:rPr lang="en-US" sz="1400" dirty="0" smtClean="0">
+                <a:latin typeface="Courier New" pitchFamily="49" charset="0"/>
+                <a:cs typeface="Courier New" pitchFamily="49" charset="0"/>
+              </a:rPr>
+              <a:t>    return $a</a:t>
+            </a:r>
+            <a:endParaRPr lang="en-US" sz="1400" dirty="0">
+              <a:latin typeface="Courier New" pitchFamily="49" charset="0"/>
+              <a:cs typeface="Courier New" pitchFamily="49" charset="0"/>
+            </a:endParaRPr>
+          </a:p>
+        </p:txBody>
+      </p:sp>
+      <p:sp>
+        <p:nvSpPr>
+          <p:cNvPr id="5" name="Right Arrow 4"/>
+          <p:cNvSpPr/>
+          <p:nvPr/>
+        </p:nvSpPr>
+        <p:spPr>
+          <a:xfrm>
+            <a:off x="3214678" y="3429000"/>
+            <a:ext cx="1214446" cy="500066"/>
+          </a:xfrm>
+          <a:prstGeom prst="rightArrow">
+            <a:avLst/>
+          </a:prstGeom>
+        </p:spPr>
+        <p:style>
+          <a:lnRef idx="2">
+            <a:schemeClr val="accent1">
+              <a:shade val="50000"/>
+            </a:schemeClr>
+          </a:lnRef>
+          <a:fillRef idx="1">
+            <a:schemeClr val="accent1"/>
+          </a:fillRef>
+          <a:effectRef idx="0">
+            <a:schemeClr val="accent1"/>
+          </a:effectRef>
+          <a:fontRef idx="minor">
+            <a:schemeClr val="lt1"/>
+          </a:fontRef>
+        </p:style>
+        <p:txBody>
+          <a:bodyPr rtlCol="0" anchor="ctr"/>
+          <a:lstStyle/>
+          <a:p>
+            <a:pPr algn="ctr"/>
+            <a:endParaRPr lang="en-US"/>
+          </a:p>
+        </p:txBody>
+      </p:sp>
+    </p:spTree>
+  </p:cSld>
+  <p:clrMapOvr>
+    <a:masterClrMapping/>
+  </p:clrMapOvr>
+</p:sld>
+</file>
+
+<file path=ppt/slides/slide23.xml><?xml version="1.0" encoding="utf-8"?>
+<p:sld xmlns:a="http://schemas.openxmlformats.org/drawingml/2006/main" xmlns:r="http://schemas.openxmlformats.org/officeDocument/2006/relationships" xmlns:p="http://schemas.openxmlformats.org/presentationml/2006/main">
+  <p:cSld>
+    <p:spTree>
+      <p:nvGrpSpPr>
+        <p:cNvPr id="1" name=""/>
+        <p:cNvGrpSpPr/>
+        <p:nvPr/>
+      </p:nvGrpSpPr>
+      <p:grpSpPr>
+        <a:xfrm>
+          <a:off x="0" y="0"/>
+          <a:ext cx="0" cy="0"/>
+          <a:chOff x="0" y="0"/>
+          <a:chExt cx="0" cy="0"/>
+        </a:xfrm>
+      </p:grpSpPr>
+      <p:sp>
+        <p:nvSpPr>
+          <p:cNvPr id="2" name="Title 1"/>
+          <p:cNvSpPr>
+            <a:spLocks noGrp="1"/>
+          </p:cNvSpPr>
+          <p:nvPr>
+            <p:ph type="title"/>
+          </p:nvPr>
+        </p:nvSpPr>
+        <p:spPr/>
+        <p:txBody>
+          <a:bodyPr/>
+          <a:lstStyle/>
+          <a:p>
+            <a:r>
+              <a:rPr lang="nb-NO" dirty="0" smtClean="0"/>
+              <a:t>Ufordringen</a:t>
+            </a:r>
+            <a:endParaRPr lang="en-US" dirty="0"/>
+          </a:p>
+        </p:txBody>
+      </p:sp>
+      <p:pic>
+        <p:nvPicPr>
+          <p:cNvPr id="3" name="Picture 2" descr="flwor_rewrite_p2.png"/>
+          <p:cNvPicPr>
+            <a:picLocks noChangeAspect="1"/>
+          </p:cNvPicPr>
+          <p:nvPr/>
+        </p:nvPicPr>
+        <p:blipFill>
+          <a:blip r:embed="rId3"/>
+          <a:stretch>
+            <a:fillRect/>
+          </a:stretch>
+        </p:blipFill>
+        <p:spPr>
+          <a:xfrm>
+            <a:off x="142844" y="1643050"/>
+            <a:ext cx="3934767" cy="4597613"/>
+          </a:xfrm>
+          <a:prstGeom prst="rect">
+            <a:avLst/>
+          </a:prstGeom>
+        </p:spPr>
+      </p:pic>
+      <p:pic>
+        <p:nvPicPr>
+          <p:cNvPr id="7" name="Picture 6" descr="relalg_tre2.png"/>
+          <p:cNvPicPr>
+            <a:picLocks noChangeAspect="1"/>
+          </p:cNvPicPr>
+          <p:nvPr/>
+        </p:nvPicPr>
+        <p:blipFill>
+          <a:blip r:embed="rId4"/>
+          <a:stretch>
+            <a:fillRect/>
+          </a:stretch>
+        </p:blipFill>
+        <p:spPr>
+          <a:xfrm>
+            <a:off x="5286380" y="1428736"/>
+            <a:ext cx="3714744" cy="4930061"/>
+          </a:xfrm>
+          <a:prstGeom prst="rect">
+            <a:avLst/>
+          </a:prstGeom>
+        </p:spPr>
+      </p:pic>
+      <p:sp>
+        <p:nvSpPr>
+          <p:cNvPr id="5" name="Right Arrow 4"/>
+          <p:cNvSpPr/>
+          <p:nvPr/>
+        </p:nvSpPr>
+        <p:spPr>
+          <a:xfrm>
+            <a:off x="4214810" y="3500438"/>
+            <a:ext cx="1214446" cy="500066"/>
+          </a:xfrm>
+          <a:prstGeom prst="rightArrow">
+            <a:avLst/>
+          </a:prstGeom>
+        </p:spPr>
+        <p:style>
+          <a:lnRef idx="2">
+            <a:schemeClr val="accent1">
+              <a:shade val="50000"/>
+            </a:schemeClr>
+          </a:lnRef>
+          <a:fillRef idx="1">
+            <a:schemeClr val="accent1"/>
+          </a:fillRef>
+          <a:effectRef idx="0">
+            <a:schemeClr val="accent1"/>
+          </a:effectRef>
+          <a:fontRef idx="minor">
+            <a:schemeClr val="lt1"/>
+          </a:fontRef>
+        </p:style>
+        <p:txBody>
+          <a:bodyPr rtlCol="0" anchor="ctr"/>
+          <a:lstStyle/>
+          <a:p>
+            <a:pPr algn="ctr"/>
+            <a:r>
+              <a:rPr lang="en-US" dirty="0" smtClean="0"/>
+              <a:t>???</a:t>
+            </a:r>
+            <a:endParaRPr lang="en-US" dirty="0"/>
+          </a:p>
+        </p:txBody>
+      </p:sp>
+    </p:spTree>
+  </p:cSld>
+  <p:clrMapOvr>
+    <a:masterClrMapping/>
+  </p:clrMapOvr>
+</p:sld>
+</file>
+
+<file path=ppt/slides/slide24.xml><?xml version="1.0" encoding="utf-8"?>
+<p:sld xmlns:a="http://schemas.openxmlformats.org/drawingml/2006/main" xmlns:r="http://schemas.openxmlformats.org/officeDocument/2006/relationships" xmlns:p="http://schemas.openxmlformats.org/presentationml/2006/main">
+  <p:cSld>
+    <p:spTree>
+      <p:nvGrpSpPr>
+        <p:cNvPr id="1" name=""/>
+        <p:cNvGrpSpPr/>
+        <p:nvPr/>
+      </p:nvGrpSpPr>
+      <p:grpSpPr>
+        <a:xfrm>
+          <a:off x="0" y="0"/>
+          <a:ext cx="0" cy="0"/>
+          <a:chOff x="0" y="0"/>
+          <a:chExt cx="0" cy="0"/>
+        </a:xfrm>
+      </p:grpSpPr>
+      <p:sp>
+        <p:nvSpPr>
+          <p:cNvPr id="2" name="Title 1"/>
+          <p:cNvSpPr>
+            <a:spLocks noGrp="1"/>
+          </p:cNvSpPr>
+          <p:nvPr>
+            <p:ph type="title"/>
+          </p:nvPr>
+        </p:nvSpPr>
+        <p:spPr/>
+        <p:txBody>
+          <a:bodyPr/>
+          <a:lstStyle/>
+          <a:p>
+            <a:r>
+              <a:rPr lang="nb-NO" dirty="0" smtClean="0"/>
+              <a:t>Oversettelse og metoder</a:t>
+            </a:r>
+            <a:endParaRPr lang="en-US" dirty="0"/>
+          </a:p>
+        </p:txBody>
+      </p:sp>
+      <p:sp>
+        <p:nvSpPr>
+          <p:cNvPr id="3" name="Content Placeholder 2"/>
+          <p:cNvSpPr>
+            <a:spLocks noGrp="1"/>
+          </p:cNvSpPr>
+          <p:nvPr>
+            <p:ph idx="1"/>
+          </p:nvPr>
+        </p:nvSpPr>
+        <p:spPr/>
+        <p:txBody>
+          <a:bodyPr/>
+          <a:lstStyle/>
+          <a:p>
+            <a:r>
+              <a:rPr lang="nb-NO" dirty="0" smtClean="0"/>
+              <a:t>Eksisterende løsninger</a:t>
+            </a:r>
+          </a:p>
+          <a:p>
+            <a:pPr lvl="1"/>
+            <a:r>
+              <a:rPr lang="nb-NO" dirty="0" smtClean="0"/>
+              <a:t>MonetDB/Pathfinder (Loop Lifting)</a:t>
+            </a:r>
+          </a:p>
+          <a:p>
+            <a:pPr lvl="1"/>
+            <a:r>
+              <a:rPr lang="nb-NO" dirty="0" smtClean="0"/>
+              <a:t>eXist (”path join”-algoritmer)</a:t>
+            </a:r>
+          </a:p>
+          <a:p>
+            <a:pPr lvl="1"/>
+            <a:r>
+              <a:rPr lang="nb-NO" dirty="0" smtClean="0"/>
+              <a:t>Galatex (tradisjonell ”range encoding”)</a:t>
+            </a:r>
+          </a:p>
+          <a:p>
+            <a:r>
+              <a:rPr lang="nb-NO" dirty="0" smtClean="0"/>
+              <a:t>Egnet for MARS?</a:t>
+            </a:r>
+          </a:p>
+          <a:p>
+            <a:r>
+              <a:rPr lang="nb-NO" dirty="0" smtClean="0"/>
+              <a:t>Ytelse?</a:t>
+            </a:r>
+          </a:p>
+          <a:p>
+            <a:r>
+              <a:rPr lang="nb-NO" dirty="0" smtClean="0"/>
+              <a:t>Lisens?</a:t>
+            </a:r>
+            <a:endParaRPr lang="en-US" dirty="0"/>
+          </a:p>
+        </p:txBody>
+      </p:sp>
+    </p:spTree>
+  </p:cSld>
+  <p:clrMapOvr>
+    <a:masterClrMapping/>
+  </p:clrMapOvr>
+  <p:timing>
+    <p:tnLst>
+      <p:par>
+        <p:cTn id="1" dur="indefinite" restart="never" nodeType="tmRoot"/>
+      </p:par>
+    </p:tnLst>
+  </p:timing>
+</p:sld>
+</file>
+
+<file path=ppt/slides/slide25.xml><?xml version="1.0" encoding="utf-8"?>
+<p:sld xmlns:a="http://schemas.openxmlformats.org/drawingml/2006/main" xmlns:r="http://schemas.openxmlformats.org/officeDocument/2006/relationships" xmlns:p="http://schemas.openxmlformats.org/presentationml/2006/main">
+  <p:cSld>
+    <p:spTree>
+      <p:nvGrpSpPr>
+        <p:cNvPr id="1" name=""/>
+        <p:cNvGrpSpPr/>
+        <p:nvPr/>
+      </p:nvGrpSpPr>
+      <p:grpSpPr>
+        <a:xfrm>
+          <a:off x="0" y="0"/>
+          <a:ext cx="0" cy="0"/>
+          <a:chOff x="0" y="0"/>
+          <a:chExt cx="0" cy="0"/>
+        </a:xfrm>
+      </p:grpSpPr>
+      <p:sp>
+        <p:nvSpPr>
+          <p:cNvPr id="2" name="Title 1"/>
+          <p:cNvSpPr>
+            <a:spLocks noGrp="1"/>
+          </p:cNvSpPr>
+          <p:nvPr>
+            <p:ph type="title"/>
+          </p:nvPr>
+        </p:nvSpPr>
+        <p:spPr/>
+        <p:txBody>
+          <a:bodyPr/>
+          <a:lstStyle/>
+          <a:p>
+            <a:r>
+              <a:rPr lang="nb-NO" dirty="0" smtClean="0"/>
+              <a:t>Loop lifting</a:t>
+            </a:r>
+            <a:endParaRPr lang="nb-NO" dirty="0"/>
+          </a:p>
+        </p:txBody>
+      </p:sp>
+      <p:sp>
+        <p:nvSpPr>
+          <p:cNvPr id="3" name="Content Placeholder 2"/>
+          <p:cNvSpPr>
+            <a:spLocks noGrp="1"/>
+          </p:cNvSpPr>
+          <p:nvPr>
+            <p:ph idx="1"/>
+          </p:nvPr>
+        </p:nvSpPr>
+        <p:spPr/>
+        <p:txBody>
+          <a:bodyPr/>
+          <a:lstStyle/>
+          <a:p>
+            <a:r>
+              <a:rPr lang="nb-NO" dirty="0" smtClean="0"/>
+              <a:t>Veldokumentert metode</a:t>
+            </a:r>
+          </a:p>
+          <a:p>
+            <a:r>
+              <a:rPr lang="nb-NO" dirty="0" smtClean="0"/>
+              <a:t>Relativt </a:t>
+            </a:r>
+            <a:r>
+              <a:rPr lang="nb-NO" dirty="0" smtClean="0"/>
+              <a:t>enkel</a:t>
+            </a:r>
             <a:endParaRPr lang="nb-NO" dirty="0" smtClean="0"/>
           </a:p>
           <a:p>
-            <a:endParaRPr lang="en-US" dirty="0"/>
+            <a:r>
+              <a:rPr lang="nb-NO" dirty="0" smtClean="0"/>
+              <a:t>Moden implementasjon i MonetDB/Pathfinder (men skrevet i C)</a:t>
+            </a:r>
+          </a:p>
+          <a:p>
+            <a:r>
+              <a:rPr lang="nb-NO" dirty="0" smtClean="0"/>
+              <a:t>Dårlig ytelse i noen tilfeller</a:t>
+            </a:r>
+          </a:p>
+        </p:txBody>
+      </p:sp>
+    </p:spTree>
+  </p:cSld>
+  <p:clrMapOvr>
+    <a:masterClrMapping/>
+  </p:clrMapOvr>
+</p:sld>
+</file>
+
+<file path=ppt/slides/slide26.xml><?xml version="1.0" encoding="utf-8"?>
+<p:sld xmlns:a="http://schemas.openxmlformats.org/drawingml/2006/main" xmlns:r="http://schemas.openxmlformats.org/officeDocument/2006/relationships" xmlns:p="http://schemas.openxmlformats.org/presentationml/2006/main">
+  <p:cSld>
+    <p:spTree>
+      <p:nvGrpSpPr>
+        <p:cNvPr id="1" name=""/>
+        <p:cNvGrpSpPr/>
+        <p:nvPr/>
+      </p:nvGrpSpPr>
+      <p:grpSpPr>
+        <a:xfrm>
+          <a:off x="0" y="0"/>
+          <a:ext cx="0" cy="0"/>
+          <a:chOff x="0" y="0"/>
+          <a:chExt cx="0" cy="0"/>
+        </a:xfrm>
+      </p:grpSpPr>
+      <p:sp>
+        <p:nvSpPr>
+          <p:cNvPr id="2" name="Title 1"/>
+          <p:cNvSpPr>
+            <a:spLocks noGrp="1"/>
+          </p:cNvSpPr>
+          <p:nvPr>
+            <p:ph type="title"/>
+          </p:nvPr>
+        </p:nvSpPr>
+        <p:spPr/>
+        <p:txBody>
+          <a:bodyPr/>
+          <a:lstStyle/>
+          <a:p>
+            <a:r>
+              <a:rPr lang="nb-NO" dirty="0" smtClean="0"/>
+              <a:t>Loop lifting</a:t>
+            </a:r>
+            <a:endParaRPr lang="nb-NO" dirty="0"/>
+          </a:p>
+        </p:txBody>
+      </p:sp>
+      <p:sp>
+        <p:nvSpPr>
+          <p:cNvPr id="3" name="Content Placeholder 2"/>
+          <p:cNvSpPr>
+            <a:spLocks noGrp="1"/>
+          </p:cNvSpPr>
+          <p:nvPr>
+            <p:ph idx="1"/>
+          </p:nvPr>
+        </p:nvSpPr>
+        <p:spPr/>
+        <p:txBody>
+          <a:bodyPr/>
+          <a:lstStyle/>
+          <a:p>
+            <a:r>
+              <a:rPr lang="nb-NO" dirty="0" smtClean="0"/>
+              <a:t>Ekspanderer FLWOR-løkker</a:t>
+            </a:r>
+          </a:p>
+          <a:p>
+            <a:pPr lvl="1"/>
+            <a:r>
+              <a:rPr lang="nb-NO" dirty="0" smtClean="0"/>
+              <a:t>Kryssprodukt med en abstrakt </a:t>
+            </a:r>
+            <a:r>
+              <a:rPr lang="nb-NO" i="1" dirty="0" smtClean="0"/>
+              <a:t>loop</a:t>
+            </a:r>
+            <a:r>
+              <a:rPr lang="nb-NO" dirty="0" smtClean="0"/>
+              <a:t>-relasjon</a:t>
+            </a:r>
+          </a:p>
+          <a:p>
+            <a:pPr lvl="1"/>
+            <a:r>
+              <a:rPr lang="nb-NO" dirty="0" smtClean="0"/>
+              <a:t>Informasjon om scope (indre, ytre, iteratorposisjon)</a:t>
+            </a:r>
+          </a:p>
+          <a:p>
+            <a:pPr lvl="1"/>
+            <a:r>
+              <a:rPr lang="nb-NO" dirty="0" smtClean="0"/>
+              <a:t>Uttrykk med frie variabler evalueres i tillegg mot en </a:t>
+            </a:r>
+            <a:r>
+              <a:rPr lang="nb-NO" i="1" dirty="0" smtClean="0"/>
+              <a:t>map</a:t>
+            </a:r>
+            <a:r>
+              <a:rPr lang="nb-NO" dirty="0" smtClean="0"/>
+              <a:t>-relasjon</a:t>
+            </a:r>
+          </a:p>
+          <a:p>
+            <a:r>
+              <a:rPr lang="nb-NO" dirty="0" smtClean="0"/>
+              <a:t>”Staircase join” for Xpath-uttrykk</a:t>
+            </a:r>
+          </a:p>
+        </p:txBody>
+      </p:sp>
+    </p:spTree>
+  </p:cSld>
+  <p:clrMapOvr>
+    <a:masterClrMapping/>
+  </p:clrMapOvr>
+</p:sld>
+</file>
+
+<file path=ppt/slides/slide27.xml><?xml version="1.0" encoding="utf-8"?>
+<p:sld xmlns:a="http://schemas.openxmlformats.org/drawingml/2006/main" xmlns:r="http://schemas.openxmlformats.org/officeDocument/2006/relationships" xmlns:p="http://schemas.openxmlformats.org/presentationml/2006/main">
+  <p:cSld>
+    <p:spTree>
+      <p:nvGrpSpPr>
+        <p:cNvPr id="1" name=""/>
+        <p:cNvGrpSpPr/>
+        <p:nvPr/>
+      </p:nvGrpSpPr>
+      <p:grpSpPr>
+        <a:xfrm>
+          <a:off x="0" y="0"/>
+          <a:ext cx="0" cy="0"/>
+          <a:chOff x="0" y="0"/>
+          <a:chExt cx="0" cy="0"/>
+        </a:xfrm>
+      </p:grpSpPr>
+      <p:sp>
+        <p:nvSpPr>
+          <p:cNvPr id="2" name="Title 1"/>
+          <p:cNvSpPr>
+            <a:spLocks noGrp="1"/>
+          </p:cNvSpPr>
+          <p:nvPr>
+            <p:ph type="title"/>
+          </p:nvPr>
+        </p:nvSpPr>
+        <p:spPr/>
+        <p:txBody>
+          <a:bodyPr/>
+          <a:lstStyle/>
+          <a:p>
+            <a:r>
+              <a:rPr lang="nb-NO" dirty="0" smtClean="0"/>
+              <a:t>Essensielle regler i Loop lifting</a:t>
+            </a:r>
+            <a:endParaRPr lang="nb-NO" dirty="0"/>
+          </a:p>
+        </p:txBody>
+      </p:sp>
+      <p:pic>
+        <p:nvPicPr>
+          <p:cNvPr id="6" name="Picture 5" descr="loop_rel_bound.png"/>
+          <p:cNvPicPr>
+            <a:picLocks noChangeAspect="1"/>
+          </p:cNvPicPr>
+          <p:nvPr/>
+        </p:nvPicPr>
+        <p:blipFill>
+          <a:blip r:embed="rId3"/>
+          <a:stretch>
+            <a:fillRect/>
+          </a:stretch>
+        </p:blipFill>
+        <p:spPr>
+          <a:xfrm>
+            <a:off x="2857488" y="2214554"/>
+            <a:ext cx="3143272" cy="495303"/>
+          </a:xfrm>
+          <a:prstGeom prst="rect">
+            <a:avLst/>
+          </a:prstGeom>
+        </p:spPr>
+      </p:pic>
+      <p:pic>
+        <p:nvPicPr>
+          <p:cNvPr id="7" name="Picture 6" descr="loop_rel_const.png"/>
+          <p:cNvPicPr>
+            <a:picLocks noChangeAspect="1"/>
+          </p:cNvPicPr>
+          <p:nvPr/>
+        </p:nvPicPr>
+        <p:blipFill>
+          <a:blip r:embed="rId4"/>
+          <a:stretch>
+            <a:fillRect/>
+          </a:stretch>
+        </p:blipFill>
+        <p:spPr>
+          <a:xfrm>
+            <a:off x="2714612" y="1571612"/>
+            <a:ext cx="3429024" cy="624010"/>
+          </a:xfrm>
+          <a:prstGeom prst="rect">
+            <a:avLst/>
+          </a:prstGeom>
+        </p:spPr>
+      </p:pic>
+      <p:pic>
+        <p:nvPicPr>
+          <p:cNvPr id="8" name="Picture 7" descr="map_free.png"/>
+          <p:cNvPicPr>
+            <a:picLocks noChangeAspect="1"/>
+          </p:cNvPicPr>
+          <p:nvPr/>
+        </p:nvPicPr>
+        <p:blipFill>
+          <a:blip r:embed="rId5"/>
+          <a:stretch>
+            <a:fillRect/>
+          </a:stretch>
+        </p:blipFill>
+        <p:spPr>
+          <a:xfrm>
+            <a:off x="1785918" y="4214818"/>
+            <a:ext cx="5572164" cy="464819"/>
+          </a:xfrm>
+          <a:prstGeom prst="rect">
+            <a:avLst/>
+          </a:prstGeom>
+        </p:spPr>
+      </p:pic>
+      <p:pic>
+        <p:nvPicPr>
+          <p:cNvPr id="9" name="Picture 8" descr="mapping_back.png"/>
+          <p:cNvPicPr>
+            <a:picLocks noChangeAspect="1"/>
+          </p:cNvPicPr>
+          <p:nvPr/>
+        </p:nvPicPr>
+        <p:blipFill>
+          <a:blip r:embed="rId6"/>
+          <a:stretch>
+            <a:fillRect/>
+          </a:stretch>
+        </p:blipFill>
+        <p:spPr>
+          <a:xfrm>
+            <a:off x="1000100" y="4786322"/>
+            <a:ext cx="7715304" cy="1031870"/>
+          </a:xfrm>
+          <a:prstGeom prst="rect">
+            <a:avLst/>
+          </a:prstGeom>
+        </p:spPr>
+      </p:pic>
+      <p:pic>
+        <p:nvPicPr>
+          <p:cNvPr id="10" name="Picture 9" descr="repr_expr_vxy_bound.png"/>
+          <p:cNvPicPr>
+            <a:picLocks noChangeAspect="1"/>
+          </p:cNvPicPr>
+          <p:nvPr/>
+        </p:nvPicPr>
+        <p:blipFill>
+          <a:blip r:embed="rId7"/>
+          <a:stretch>
+            <a:fillRect/>
+          </a:stretch>
+        </p:blipFill>
+        <p:spPr>
+          <a:xfrm>
+            <a:off x="1214414" y="2786058"/>
+            <a:ext cx="6974867" cy="523270"/>
+          </a:xfrm>
+          <a:prstGeom prst="rect">
+            <a:avLst/>
+          </a:prstGeom>
+        </p:spPr>
+      </p:pic>
+      <p:pic>
+        <p:nvPicPr>
+          <p:cNvPr id="11" name="Picture 10" descr="repr_expr_vxy_free.png"/>
+          <p:cNvPicPr>
+            <a:picLocks noChangeAspect="1"/>
+          </p:cNvPicPr>
+          <p:nvPr/>
+        </p:nvPicPr>
+        <p:blipFill>
+          <a:blip r:embed="rId8"/>
+          <a:stretch>
+            <a:fillRect/>
+          </a:stretch>
+        </p:blipFill>
+        <p:spPr>
+          <a:xfrm>
+            <a:off x="1214414" y="3429000"/>
+            <a:ext cx="6929454" cy="531157"/>
+          </a:xfrm>
+          <a:prstGeom prst="rect">
+            <a:avLst/>
+          </a:prstGeom>
+        </p:spPr>
+      </p:pic>
+    </p:spTree>
+  </p:cSld>
+  <p:clrMapOvr>
+    <a:masterClrMapping/>
+  </p:clrMapOvr>
+</p:sld>
+</file>
+
+<file path=ppt/slides/slide28.xml><?xml version="1.0" encoding="utf-8"?>
+<p:sld xmlns:a="http://schemas.openxmlformats.org/drawingml/2006/main" xmlns:r="http://schemas.openxmlformats.org/officeDocument/2006/relationships" xmlns:p="http://schemas.openxmlformats.org/presentationml/2006/main">
+  <p:cSld>
+    <p:spTree>
+      <p:nvGrpSpPr>
+        <p:cNvPr id="1" name=""/>
+        <p:cNvGrpSpPr/>
+        <p:nvPr/>
+      </p:nvGrpSpPr>
+      <p:grpSpPr>
+        <a:xfrm>
+          <a:off x="0" y="0"/>
+          <a:ext cx="0" cy="0"/>
+          <a:chOff x="0" y="0"/>
+          <a:chExt cx="0" cy="0"/>
+        </a:xfrm>
+      </p:grpSpPr>
+      <p:sp>
+        <p:nvSpPr>
+          <p:cNvPr id="2" name="Title 1"/>
+          <p:cNvSpPr>
+            <a:spLocks noGrp="1"/>
+          </p:cNvSpPr>
+          <p:nvPr>
+            <p:ph type="title"/>
+          </p:nvPr>
+        </p:nvSpPr>
+        <p:spPr/>
+        <p:txBody>
+          <a:bodyPr/>
+          <a:lstStyle/>
+          <a:p>
+            <a:r>
+              <a:rPr lang="nb-NO" dirty="0" smtClean="0"/>
+              <a:t>Loop lifting</a:t>
+            </a:r>
+            <a:endParaRPr lang="nb-NO" dirty="0"/>
+          </a:p>
+        </p:txBody>
+      </p:sp>
+      <p:sp>
+        <p:nvSpPr>
+          <p:cNvPr id="3" name="Content Placeholder 2"/>
+          <p:cNvSpPr>
+            <a:spLocks noGrp="1"/>
+          </p:cNvSpPr>
+          <p:nvPr>
+            <p:ph idx="1"/>
+          </p:nvPr>
+        </p:nvSpPr>
+        <p:spPr/>
+        <p:txBody>
+          <a:bodyPr/>
+          <a:lstStyle/>
+          <a:p>
+            <a:r>
+              <a:rPr lang="nb-NO" dirty="0" smtClean="0"/>
+              <a:t>Loop lifting var </a:t>
+            </a:r>
+            <a:r>
+              <a:rPr lang="nb-NO" dirty="0" smtClean="0"/>
+              <a:t>uaktuelt:</a:t>
+            </a:r>
+          </a:p>
+          <a:p>
+            <a:pPr lvl="1"/>
+            <a:r>
+              <a:rPr lang="nb-NO" dirty="0" smtClean="0"/>
+              <a:t>Skrevet i C (FAST ville ha Java)</a:t>
+            </a:r>
+          </a:p>
+          <a:p>
+            <a:pPr lvl="1"/>
+            <a:r>
+              <a:rPr lang="nb-NO" dirty="0" smtClean="0"/>
+              <a:t>Utnyttet ikke MQL’s features</a:t>
+            </a:r>
+            <a:endParaRPr lang="nb-NO" dirty="0" smtClean="0"/>
+          </a:p>
+          <a:p>
+            <a:r>
+              <a:rPr lang="nb-NO" dirty="0" smtClean="0"/>
+              <a:t>Et godt </a:t>
+            </a:r>
+            <a:r>
+              <a:rPr lang="nb-NO" dirty="0" smtClean="0"/>
+              <a:t>utgangspunkt for en bedre metode</a:t>
+            </a:r>
+          </a:p>
+          <a:p>
+            <a:r>
+              <a:rPr lang="nb-NO" dirty="0" smtClean="0"/>
+              <a:t>Veilederene hadde </a:t>
+            </a:r>
+            <a:r>
+              <a:rPr lang="nb-NO" dirty="0" smtClean="0"/>
+              <a:t>dessverre falt </a:t>
+            </a:r>
+            <a:r>
+              <a:rPr lang="nb-NO" dirty="0" smtClean="0"/>
+              <a:t>av lasset for lengst..</a:t>
+            </a:r>
+            <a:endParaRPr lang="nb-NO" dirty="0"/>
+          </a:p>
+        </p:txBody>
+      </p:sp>
+    </p:spTree>
+  </p:cSld>
+  <p:clrMapOvr>
+    <a:masterClrMapping/>
+  </p:clrMapOvr>
+</p:sld>
+</file>
+
+<file path=ppt/slides/slide29.xml><?xml version="1.0" encoding="utf-8"?>
+<p:sld xmlns:a="http://schemas.openxmlformats.org/drawingml/2006/main" xmlns:r="http://schemas.openxmlformats.org/officeDocument/2006/relationships" xmlns:p="http://schemas.openxmlformats.org/presentationml/2006/main">
+  <p:cSld>
+    <p:spTree>
+      <p:nvGrpSpPr>
+        <p:cNvPr id="1" name=""/>
+        <p:cNvGrpSpPr/>
+        <p:nvPr/>
+      </p:nvGrpSpPr>
+      <p:grpSpPr>
+        <a:xfrm>
+          <a:off x="0" y="0"/>
+          <a:ext cx="0" cy="0"/>
+          <a:chOff x="0" y="0"/>
+          <a:chExt cx="0" cy="0"/>
+        </a:xfrm>
+      </p:grpSpPr>
+      <p:sp>
+        <p:nvSpPr>
+          <p:cNvPr id="2" name="Title 1"/>
+          <p:cNvSpPr>
+            <a:spLocks noGrp="1"/>
+          </p:cNvSpPr>
+          <p:nvPr>
+            <p:ph type="title"/>
+          </p:nvPr>
+        </p:nvSpPr>
+        <p:spPr/>
+        <p:txBody>
+          <a:bodyPr>
+            <a:normAutofit fontScale="90000"/>
+          </a:bodyPr>
+          <a:lstStyle/>
+          <a:p>
+            <a:r>
+              <a:rPr lang="nb-NO" dirty="0" smtClean="0"/>
+              <a:t>Vår metode: ”Tainting Dependencies”</a:t>
+            </a:r>
+            <a:endParaRPr lang="nb-NO" dirty="0"/>
+          </a:p>
+        </p:txBody>
+      </p:sp>
+      <p:sp>
+        <p:nvSpPr>
+          <p:cNvPr id="3" name="Content Placeholder 2"/>
+          <p:cNvSpPr>
+            <a:spLocks noGrp="1"/>
+          </p:cNvSpPr>
+          <p:nvPr>
+            <p:ph idx="1"/>
+          </p:nvPr>
+        </p:nvSpPr>
+        <p:spPr/>
+        <p:txBody>
+          <a:bodyPr/>
+          <a:lstStyle/>
+          <a:p>
+            <a:r>
+              <a:rPr lang="nb-NO" dirty="0" smtClean="0"/>
+              <a:t>Basert på Loop lifting</a:t>
+            </a:r>
+          </a:p>
+          <a:p>
+            <a:r>
+              <a:rPr lang="nb-NO" dirty="0" smtClean="0"/>
+              <a:t>Prøver å unngå denormalisering vha:</a:t>
+            </a:r>
+          </a:p>
+          <a:p>
+            <a:pPr lvl="1"/>
+            <a:r>
+              <a:rPr lang="nb-NO" dirty="0" smtClean="0"/>
+              <a:t>Indeksering av sekvenser</a:t>
+            </a:r>
+          </a:p>
+          <a:p>
+            <a:pPr lvl="1"/>
+            <a:r>
+              <a:rPr lang="nb-NO" dirty="0" smtClean="0"/>
+              <a:t>Symboltabell for variabler</a:t>
+            </a:r>
+          </a:p>
+          <a:p>
+            <a:pPr lvl="1"/>
+            <a:r>
+              <a:rPr lang="nb-NO" dirty="0" smtClean="0"/>
+              <a:t>”iterator dependency inheritance”</a:t>
+            </a:r>
+          </a:p>
+          <a:p>
+            <a:pPr lvl="1"/>
+            <a:r>
+              <a:rPr lang="nb-NO" dirty="0" smtClean="0"/>
+              <a:t>”iterator dependency tainting”</a:t>
+            </a:r>
           </a:p>
         </p:txBody>
       </p:sp>
@@ -4050,6 +9626,217 @@
   <p:clrMapOvr>
     <a:masterClrMapping/>
   </p:clrMapOvr>
+  <p:timing>
+    <p:tnLst>
+      <p:par>
+        <p:cTn id="1" dur="indefinite" restart="never" nodeType="tmRoot"/>
+      </p:par>
+    </p:tnLst>
+  </p:timing>
+</p:sld>
+</file>
+
+<file path=ppt/slides/slide30.xml><?xml version="1.0" encoding="utf-8"?>
+<p:sld xmlns:a="http://schemas.openxmlformats.org/drawingml/2006/main" xmlns:r="http://schemas.openxmlformats.org/officeDocument/2006/relationships" xmlns:p="http://schemas.openxmlformats.org/presentationml/2006/main">
+  <p:cSld>
+    <p:spTree>
+      <p:nvGrpSpPr>
+        <p:cNvPr id="1" name=""/>
+        <p:cNvGrpSpPr/>
+        <p:nvPr/>
+      </p:nvGrpSpPr>
+      <p:grpSpPr>
+        <a:xfrm>
+          <a:off x="0" y="0"/>
+          <a:ext cx="0" cy="0"/>
+          <a:chOff x="0" y="0"/>
+          <a:chExt cx="0" cy="0"/>
+        </a:xfrm>
+      </p:grpSpPr>
+      <p:sp>
+        <p:nvSpPr>
+          <p:cNvPr id="2" name="Title 1"/>
+          <p:cNvSpPr>
+            <a:spLocks noGrp="1"/>
+          </p:cNvSpPr>
+          <p:nvPr>
+            <p:ph type="title"/>
+          </p:nvPr>
+        </p:nvSpPr>
+        <p:spPr/>
+        <p:txBody>
+          <a:bodyPr/>
+          <a:lstStyle/>
+          <a:p>
+            <a:r>
+              <a:rPr lang="nb-NO" dirty="0" smtClean="0"/>
+              <a:t>Implementasjon</a:t>
+            </a:r>
+            <a:endParaRPr lang="nb-NO" dirty="0"/>
+          </a:p>
+        </p:txBody>
+      </p:sp>
+      <p:sp>
+        <p:nvSpPr>
+          <p:cNvPr id="4" name="TextBox 3"/>
+          <p:cNvSpPr txBox="1"/>
+          <p:nvPr/>
+        </p:nvSpPr>
+        <p:spPr>
+          <a:xfrm>
+            <a:off x="1142976" y="1857364"/>
+            <a:ext cx="7429552" cy="1477328"/>
+          </a:xfrm>
+          <a:prstGeom prst="rect">
+            <a:avLst/>
+          </a:prstGeom>
+          <a:noFill/>
+        </p:spPr>
+        <p:txBody>
+          <a:bodyPr wrap="square" rtlCol="0">
+            <a:spAutoFit/>
+          </a:bodyPr>
+          <a:lstStyle/>
+          <a:p>
+            <a:r>
+              <a:rPr lang="nb-NO" dirty="0" smtClean="0">
+                <a:latin typeface="Courier New" pitchFamily="49" charset="0"/>
+                <a:cs typeface="Courier New" pitchFamily="49" charset="0"/>
+              </a:rPr>
+              <a:t>Lookup lookup = new Lookup("Death in the clouds");</a:t>
+            </a:r>
+          </a:p>
+          <a:p>
+            <a:r>
+              <a:rPr lang="nb-NO" dirty="0" smtClean="0">
+                <a:latin typeface="Courier New" pitchFamily="49" charset="0"/>
+                <a:cs typeface="Courier New" pitchFamily="49" charset="0"/>
+              </a:rPr>
+              <a:t>Scope scope = new Scope("/books/book/title", lookup);</a:t>
+            </a:r>
+          </a:p>
+          <a:p>
+            <a:r>
+              <a:rPr lang="nb-NO" dirty="0" smtClean="0">
+                <a:latin typeface="Courier New" pitchFamily="49" charset="0"/>
+                <a:cs typeface="Courier New" pitchFamily="49" charset="0"/>
+              </a:rPr>
+              <a:t>Project project = new Project("author", scope);</a:t>
+            </a:r>
+          </a:p>
+          <a:p>
+            <a:r>
+              <a:rPr lang="nb-NO" dirty="0" smtClean="0">
+                <a:latin typeface="Courier New" pitchFamily="49" charset="0"/>
+                <a:cs typeface="Courier New" pitchFamily="49" charset="0"/>
+              </a:rPr>
+              <a:t>System.out.println(project.toPrettyString(0));</a:t>
+            </a:r>
+          </a:p>
+          <a:p>
+            <a:endParaRPr lang="nb-NO" dirty="0">
+              <a:latin typeface="Courier New" pitchFamily="49" charset="0"/>
+              <a:cs typeface="Courier New" pitchFamily="49" charset="0"/>
+            </a:endParaRPr>
+          </a:p>
+        </p:txBody>
+      </p:sp>
+      <p:sp>
+        <p:nvSpPr>
+          <p:cNvPr id="5" name="TextBox 4"/>
+          <p:cNvSpPr txBox="1"/>
+          <p:nvPr/>
+        </p:nvSpPr>
+        <p:spPr>
+          <a:xfrm>
+            <a:off x="2857488" y="4786322"/>
+            <a:ext cx="5009705" cy="923330"/>
+          </a:xfrm>
+          <a:prstGeom prst="rect">
+            <a:avLst/>
+          </a:prstGeom>
+          <a:noFill/>
+        </p:spPr>
+        <p:txBody>
+          <a:bodyPr wrap="none" rtlCol="0">
+            <a:spAutoFit/>
+          </a:bodyPr>
+          <a:lstStyle/>
+          <a:p>
+            <a:r>
+              <a:rPr lang="nb-NO" dirty="0" smtClean="0">
+                <a:latin typeface="Courier New" pitchFamily="49" charset="0"/>
+                <a:cs typeface="Courier New" pitchFamily="49" charset="0"/>
+              </a:rPr>
+              <a:t>project(author;</a:t>
+            </a:r>
+          </a:p>
+          <a:p>
+            <a:r>
+              <a:rPr lang="nb-NO" dirty="0" smtClean="0">
+                <a:latin typeface="Courier New" pitchFamily="49" charset="0"/>
+                <a:cs typeface="Courier New" pitchFamily="49" charset="0"/>
+              </a:rPr>
+              <a:t>  scope(/books/book/title;</a:t>
+            </a:r>
+          </a:p>
+          <a:p>
+            <a:r>
+              <a:rPr lang="nb-NO" dirty="0" smtClean="0">
+                <a:latin typeface="Courier New" pitchFamily="49" charset="0"/>
+                <a:cs typeface="Courier New" pitchFamily="49" charset="0"/>
+              </a:rPr>
+              <a:t>    lookup("Death in the clouds")))</a:t>
+            </a:r>
+            <a:endParaRPr lang="nb-NO" dirty="0"/>
+          </a:p>
+        </p:txBody>
+      </p:sp>
+      <p:sp>
+        <p:nvSpPr>
+          <p:cNvPr id="6" name="Down Arrow 5"/>
+          <p:cNvSpPr/>
+          <p:nvPr/>
+        </p:nvSpPr>
+        <p:spPr>
+          <a:xfrm>
+            <a:off x="4357686" y="3429000"/>
+            <a:ext cx="571504" cy="1000132"/>
+          </a:xfrm>
+          <a:prstGeom prst="downArrow">
+            <a:avLst/>
+          </a:prstGeom>
+        </p:spPr>
+        <p:style>
+          <a:lnRef idx="2">
+            <a:schemeClr val="accent1">
+              <a:shade val="50000"/>
+            </a:schemeClr>
+          </a:lnRef>
+          <a:fillRef idx="1">
+            <a:schemeClr val="accent1"/>
+          </a:fillRef>
+          <a:effectRef idx="0">
+            <a:schemeClr val="accent1"/>
+          </a:effectRef>
+          <a:fontRef idx="minor">
+            <a:schemeClr val="lt1"/>
+          </a:fontRef>
+        </p:style>
+        <p:txBody>
+          <a:bodyPr rtlCol="0" anchor="ctr"/>
+          <a:lstStyle/>
+          <a:p>
+            <a:pPr algn="ctr"/>
+            <a:endParaRPr lang="nb-NO"/>
+          </a:p>
+        </p:txBody>
+      </p:sp>
+    </p:spTree>
+  </p:cSld>
+  <p:clrMapOvr>
+    <a:masterClrMapping/>
+  </p:clrMapOvr>
 </p:sld>
 </file>
 
@@ -4087,7 +9874,7 @@
           <a:p>
             <a:r>
               <a:rPr lang="nb-NO" dirty="0" smtClean="0"/>
-              <a:t>Bakgrunn: MQL</a:t>
+              <a:t>MARS</a:t>
             </a:r>
             <a:endParaRPr lang="en-US" dirty="0"/>
           </a:p>
@@ -4095,134 +9882,34 @@
       </p:sp>
       <p:sp>
         <p:nvSpPr>
-          <p:cNvPr id="4" name="TextBox 3"/>
-          <p:cNvSpPr txBox="1"/>
-          <p:nvPr/>
-        </p:nvSpPr>
-        <p:spPr>
-          <a:xfrm>
-            <a:off x="857224" y="2428868"/>
-            <a:ext cx="7929618" cy="1754326"/>
-          </a:xfrm>
-          <a:prstGeom prst="rect">
-            <a:avLst/>
-          </a:prstGeom>
-          <a:noFill/>
-        </p:spPr>
-        <p:txBody>
-          <a:bodyPr wrap="square" rtlCol="0">
-            <a:spAutoFit/>
-          </a:bodyPr>
-          <a:lstStyle/>
-          <a:p>
-            <a:r>
-              <a:rPr lang="en-US" dirty="0">
-                <a:latin typeface="Courier New" pitchFamily="49" charset="0"/>
-                <a:cs typeface="Courier New" pitchFamily="49" charset="0"/>
-              </a:rPr>
-              <a:t>OPERATORNAME </a:t>
-            </a:r>
-            <a:r>
-              <a:rPr lang="en-US" dirty="0" smtClean="0">
-                <a:latin typeface="Courier New" pitchFamily="49" charset="0"/>
-                <a:cs typeface="Courier New" pitchFamily="49" charset="0"/>
-              </a:rPr>
-              <a:t>   ::= IDENTIFIER</a:t>
-            </a:r>
-          </a:p>
-          <a:p>
-            <a:endParaRPr lang="en-US" dirty="0">
-              <a:latin typeface="Courier New" pitchFamily="49" charset="0"/>
-              <a:cs typeface="Courier New" pitchFamily="49" charset="0"/>
-            </a:endParaRPr>
-          </a:p>
-          <a:p>
-            <a:r>
-              <a:rPr lang="en-US" dirty="0">
-                <a:latin typeface="Courier New" pitchFamily="49" charset="0"/>
-                <a:cs typeface="Courier New" pitchFamily="49" charset="0"/>
-              </a:rPr>
-              <a:t>OPERATOR </a:t>
-            </a:r>
-            <a:r>
-              <a:rPr lang="en-US" dirty="0" smtClean="0">
-                <a:latin typeface="Courier New" pitchFamily="49" charset="0"/>
-                <a:cs typeface="Courier New" pitchFamily="49" charset="0"/>
-              </a:rPr>
-              <a:t>       ::= </a:t>
-            </a:r>
-            <a:r>
-              <a:rPr lang="en-US" dirty="0">
-                <a:latin typeface="Courier New" pitchFamily="49" charset="0"/>
-                <a:cs typeface="Courier New" pitchFamily="49" charset="0"/>
-              </a:rPr>
-              <a:t>OPERATORNAME </a:t>
-            </a:r>
-            <a:r>
-              <a:rPr lang="en-US" dirty="0" smtClean="0">
-                <a:latin typeface="Courier New" pitchFamily="49" charset="0"/>
-                <a:cs typeface="Courier New" pitchFamily="49" charset="0"/>
-              </a:rPr>
-              <a:t>"(" PARAMETERLIST</a:t>
-            </a:r>
-            <a:r>
-              <a:rPr lang="en-US" dirty="0">
-                <a:latin typeface="Courier New" pitchFamily="49" charset="0"/>
-                <a:cs typeface="Courier New" pitchFamily="49" charset="0"/>
-              </a:rPr>
-              <a:t>?</a:t>
-            </a:r>
-          </a:p>
-          <a:p>
-            <a:r>
-              <a:rPr lang="en-US" dirty="0" smtClean="0">
-                <a:latin typeface="Courier New" pitchFamily="49" charset="0"/>
-                <a:cs typeface="Courier New" pitchFamily="49" charset="0"/>
-              </a:rPr>
-              <a:t>                    (";" </a:t>
-            </a:r>
-            <a:r>
-              <a:rPr lang="en-US" dirty="0">
-                <a:latin typeface="Courier New" pitchFamily="49" charset="0"/>
-                <a:cs typeface="Courier New" pitchFamily="49" charset="0"/>
-              </a:rPr>
-              <a:t>OPERATORLIST)? </a:t>
-            </a:r>
-            <a:r>
-              <a:rPr lang="en-US" dirty="0" smtClean="0">
-                <a:latin typeface="Courier New" pitchFamily="49" charset="0"/>
-                <a:cs typeface="Courier New" pitchFamily="49" charset="0"/>
-              </a:rPr>
-              <a:t>")“</a:t>
-            </a:r>
-          </a:p>
-          <a:p>
-            <a:endParaRPr lang="en-US" dirty="0">
-              <a:latin typeface="Courier New" pitchFamily="49" charset="0"/>
-              <a:cs typeface="Courier New" pitchFamily="49" charset="0"/>
-            </a:endParaRPr>
-          </a:p>
-          <a:p>
-            <a:r>
-              <a:rPr lang="en-US" dirty="0">
-                <a:latin typeface="Courier New" pitchFamily="49" charset="0"/>
-                <a:cs typeface="Courier New" pitchFamily="49" charset="0"/>
-              </a:rPr>
-              <a:t>OPERATORLIST </a:t>
-            </a:r>
-            <a:r>
-              <a:rPr lang="en-US" dirty="0" smtClean="0">
-                <a:latin typeface="Courier New" pitchFamily="49" charset="0"/>
-                <a:cs typeface="Courier New" pitchFamily="49" charset="0"/>
-              </a:rPr>
-              <a:t>   ::= </a:t>
-            </a:r>
-            <a:r>
-              <a:rPr lang="en-US" dirty="0">
-                <a:latin typeface="Courier New" pitchFamily="49" charset="0"/>
-                <a:cs typeface="Courier New" pitchFamily="49" charset="0"/>
-              </a:rPr>
-              <a:t>OPERATOR ( "," OPERATOR )*</a:t>
+          <p:cNvPr id="3" name="Content Placeholder 2"/>
+          <p:cNvSpPr>
+            <a:spLocks noGrp="1"/>
+          </p:cNvSpPr>
+          <p:nvPr>
+            <p:ph idx="1"/>
+          </p:nvPr>
+        </p:nvSpPr>
+        <p:spPr/>
+        <p:txBody>
+          <a:bodyPr/>
+          <a:lstStyle/>
+          <a:p>
+            <a:r>
+              <a:rPr lang="nb-NO" dirty="0" smtClean="0"/>
+              <a:t>Eksperimentell søkemotor</a:t>
+            </a:r>
+          </a:p>
+          <a:p>
+            <a:r>
+              <a:rPr lang="nb-NO" dirty="0" smtClean="0"/>
+              <a:t>Distribuert arkitektur</a:t>
+            </a:r>
+          </a:p>
+          <a:p>
+            <a:r>
+              <a:rPr lang="nb-NO" dirty="0" smtClean="0"/>
+              <a:t>Utviklet av FAST</a:t>
             </a:r>
           </a:p>
         </p:txBody>
@@ -4232,6 +9919,13 @@
   <p:clrMapOvr>
     <a:masterClrMapping/>
   </p:clrMapOvr>
+  <p:timing>
+    <p:tnLst>
+      <p:par>
+        <p:cTn id="1" dur="indefinite" restart="never" nodeType="tmRoot"/>
+      </p:par>
+    </p:tnLst>
+  </p:timing>
 </p:sld>
 </file>
 
@@ -4269,133 +9963,7 @@
           <a:p>
             <a:r>
               <a:rPr lang="nb-NO" dirty="0" smtClean="0"/>
-              <a:t>Bakgrunn: MQL (eksempel)</a:t>
-            </a:r>
-            <a:endParaRPr lang="en-US" dirty="0"/>
-          </a:p>
-        </p:txBody>
-      </p:sp>
-      <p:sp>
-        <p:nvSpPr>
-          <p:cNvPr id="4" name="TextBox 3"/>
-          <p:cNvSpPr txBox="1"/>
-          <p:nvPr/>
-        </p:nvSpPr>
-        <p:spPr>
-          <a:xfrm>
-            <a:off x="3143240" y="3000372"/>
-            <a:ext cx="3929090" cy="923330"/>
-          </a:xfrm>
-          <a:prstGeom prst="rect">
-            <a:avLst/>
-          </a:prstGeom>
-          <a:noFill/>
-        </p:spPr>
-        <p:txBody>
-          <a:bodyPr wrap="square" rtlCol="0">
-            <a:spAutoFit/>
-          </a:bodyPr>
-          <a:lstStyle/>
-          <a:p>
-            <a:r>
-              <a:rPr lang="en-US" dirty="0">
-                <a:latin typeface="Courier New" pitchFamily="49" charset="0"/>
-                <a:cs typeface="Courier New" pitchFamily="49" charset="0"/>
-              </a:rPr>
-              <a:t>index(</a:t>
-            </a:r>
-            <a:r>
-              <a:rPr lang="en-US" dirty="0" err="1">
-                <a:latin typeface="Courier New" pitchFamily="49" charset="0"/>
-                <a:cs typeface="Courier New" pitchFamily="49" charset="0"/>
-              </a:rPr>
-              <a:t>valocc</a:t>
-            </a:r>
-            <a:r>
-              <a:rPr lang="en-US" dirty="0">
-                <a:latin typeface="Courier New" pitchFamily="49" charset="0"/>
-                <a:cs typeface="Courier New" pitchFamily="49" charset="0"/>
-              </a:rPr>
-              <a:t>;</a:t>
-            </a:r>
-          </a:p>
-          <a:p>
-            <a:r>
-              <a:rPr lang="en-US" dirty="0" smtClean="0">
-                <a:latin typeface="Courier New" pitchFamily="49" charset="0"/>
-                <a:cs typeface="Courier New" pitchFamily="49" charset="0"/>
-              </a:rPr>
-              <a:t>    scope</a:t>
-            </a:r>
-            <a:r>
-              <a:rPr lang="en-US" dirty="0">
-                <a:latin typeface="Courier New" pitchFamily="49" charset="0"/>
-                <a:cs typeface="Courier New" pitchFamily="49" charset="0"/>
-              </a:rPr>
-              <a:t>(/a/b;</a:t>
-            </a:r>
-          </a:p>
-          <a:p>
-            <a:r>
-              <a:rPr lang="en-US" dirty="0" smtClean="0">
-                <a:latin typeface="Courier New" pitchFamily="49" charset="0"/>
-                <a:cs typeface="Courier New" pitchFamily="49" charset="0"/>
-              </a:rPr>
-              <a:t>        lookup(c</a:t>
-            </a:r>
-            <a:r>
-              <a:rPr lang="en-US" dirty="0">
-                <a:latin typeface="Courier New" pitchFamily="49" charset="0"/>
-                <a:cs typeface="Courier New" pitchFamily="49" charset="0"/>
-              </a:rPr>
-              <a:t>)));</a:t>
-            </a:r>
-          </a:p>
-        </p:txBody>
-      </p:sp>
-    </p:spTree>
-  </p:cSld>
-  <p:clrMapOvr>
-    <a:masterClrMapping/>
-  </p:clrMapOvr>
-</p:sld>
-</file>
-
-<file path=ppt/slides/slide6.xml><?xml version="1.0" encoding="utf-8"?>
-<p:sld xmlns:a="http://schemas.openxmlformats.org/drawingml/2006/main" xmlns:r="http://schemas.openxmlformats.org/officeDocument/2006/relationships" xmlns:p="http://schemas.openxmlformats.org/presentationml/2006/main">
-  <p:cSld>
-    <p:spTree>
-      <p:nvGrpSpPr>
-        <p:cNvPr id="1" name=""/>
-        <p:cNvGrpSpPr/>
-        <p:nvPr/>
-      </p:nvGrpSpPr>
-      <p:grpSpPr>
-        <a:xfrm>
-          <a:off x="0" y="0"/>
-          <a:ext cx="0" cy="0"/>
-          <a:chOff x="0" y="0"/>
-          <a:chExt cx="0" cy="0"/>
-        </a:xfrm>
-      </p:grpSpPr>
-      <p:sp>
-        <p:nvSpPr>
-          <p:cNvPr id="2" name="Title 1"/>
-          <p:cNvSpPr>
-            <a:spLocks noGrp="1"/>
-          </p:cNvSpPr>
-          <p:nvPr>
-            <p:ph type="title"/>
-          </p:nvPr>
-        </p:nvSpPr>
-        <p:spPr/>
-        <p:txBody>
-          <a:bodyPr/>
-          <a:lstStyle/>
-          <a:p>
-            <a:r>
-              <a:rPr lang="nb-NO" dirty="0" smtClean="0"/>
-              <a:t>Bakgrunn: MARS/indeksering</a:t>
+              <a:t>MARS indeksering</a:t>
             </a:r>
             <a:endParaRPr lang="en-US" dirty="0"/>
           </a:p>
@@ -4579,7 +10147,7 @@
                     <a:p>
                       <a:r>
                         <a:rPr lang="nb-NO" dirty="0" smtClean="0"/>
-                        <a:t>a[1].b[2]</a:t>
+                        <a:t>a[1].b[3]</a:t>
                       </a:r>
                       <a:endParaRPr lang="en-US" dirty="0"/>
                     </a:p>
@@ -4650,10 +10218,10 @@
                     <a:lstStyle/>
                     <a:p>
                       <a:r>
-                        <a:rPr lang="nb-NO" dirty="0" smtClean="0"/>
+                        <a:rPr lang="nb-NO" baseline="0" dirty="0" smtClean="0"/>
                         <a:t>c</a:t>
                       </a:r>
-                      <a:endParaRPr lang="en-US" dirty="0"/>
+                      <a:endParaRPr lang="nb-NO" dirty="0" smtClean="0"/>
                     </a:p>
                   </a:txBody>
                   <a:tcPr/>
@@ -4663,16 +10231,99 @@
           </a:graphicData>
         </a:graphic>
       </p:graphicFrame>
+      <p:sp>
+        <p:nvSpPr>
+          <p:cNvPr id="10" name="TextBox 9"/>
+          <p:cNvSpPr txBox="1"/>
+          <p:nvPr/>
+        </p:nvSpPr>
+        <p:spPr>
+          <a:xfrm>
+            <a:off x="2357422" y="4643446"/>
+            <a:ext cx="2714644" cy="1754326"/>
+          </a:xfrm>
+          <a:prstGeom prst="rect">
+            <a:avLst/>
+          </a:prstGeom>
+          <a:noFill/>
+        </p:spPr>
+        <p:txBody>
+          <a:bodyPr wrap="square" rtlCol="0">
+            <a:spAutoFit/>
+          </a:bodyPr>
+          <a:lstStyle/>
+          <a:p>
+            <a:r>
+              <a:rPr lang="nb-NO" dirty="0" smtClean="0">
+                <a:latin typeface="Courier New" pitchFamily="49" charset="0"/>
+                <a:cs typeface="Courier New" pitchFamily="49" charset="0"/>
+              </a:rPr>
+              <a:t>&lt;a&gt;</a:t>
+            </a:r>
+          </a:p>
+          <a:p>
+            <a:r>
+              <a:rPr lang="nb-NO" dirty="0" smtClean="0">
+                <a:latin typeface="Courier New" pitchFamily="49" charset="0"/>
+                <a:cs typeface="Courier New" pitchFamily="49" charset="0"/>
+              </a:rPr>
+              <a:t>  &lt;b&gt; ... &lt;/b&gt;</a:t>
+            </a:r>
+          </a:p>
+          <a:p>
+            <a:r>
+              <a:rPr lang="nb-NO" dirty="0" smtClean="0">
+                <a:latin typeface="Courier New" pitchFamily="49" charset="0"/>
+                <a:cs typeface="Courier New" pitchFamily="49" charset="0"/>
+              </a:rPr>
+              <a:t>  &lt;b&gt;&lt;c /&gt;&lt;/b&gt;</a:t>
+            </a:r>
+          </a:p>
+          <a:p>
+            <a:r>
+              <a:rPr lang="nb-NO" dirty="0" smtClean="0">
+                <a:latin typeface="Courier New" pitchFamily="49" charset="0"/>
+                <a:cs typeface="Courier New" pitchFamily="49" charset="0"/>
+              </a:rPr>
+              <a:t>  &lt;b&gt;&lt;c /&gt;&lt;/b&gt;</a:t>
+            </a:r>
+          </a:p>
+          <a:p>
+            <a:r>
+              <a:rPr lang="nb-NO" dirty="0" smtClean="0">
+                <a:latin typeface="Courier New" pitchFamily="49" charset="0"/>
+                <a:cs typeface="Courier New" pitchFamily="49" charset="0"/>
+              </a:rPr>
+              <a:t>  &lt;b&gt;&lt;c /&gt;&lt;/b&gt;</a:t>
+            </a:r>
+          </a:p>
+          <a:p>
+            <a:r>
+              <a:rPr lang="nb-NO" dirty="0" smtClean="0">
+                <a:latin typeface="Courier New" pitchFamily="49" charset="0"/>
+                <a:cs typeface="Courier New" pitchFamily="49" charset="0"/>
+              </a:rPr>
+              <a:t>&lt;/a&gt;</a:t>
+            </a:r>
+            <a:endParaRPr lang="en-US" dirty="0">
+              <a:latin typeface="Courier New" pitchFamily="49" charset="0"/>
+              <a:cs typeface="Courier New" pitchFamily="49" charset="0"/>
+            </a:endParaRPr>
+          </a:p>
+        </p:txBody>
+      </p:sp>
       <p:cxnSp>
         <p:nvCxnSpPr>
-          <p:cNvPr id="6" name="Straight Arrow Connector 5"/>
-          <p:cNvCxnSpPr/>
+          <p:cNvPr id="12" name="Straight Arrow Connector 11"/>
+          <p:cNvCxnSpPr>
+            <a:stCxn id="10" idx="0"/>
+          </p:cNvCxnSpPr>
           <p:nvPr/>
         </p:nvCxnSpPr>
         <p:spPr>
           <a:xfrm rot="5400000" flipH="1" flipV="1">
-            <a:off x="2500298" y="4000504"/>
-            <a:ext cx="1143008" cy="428628"/>
+            <a:off x="3571868" y="3429000"/>
+            <a:ext cx="1357322" cy="1071570"/>
           </a:xfrm>
           <a:prstGeom prst="straightConnector1">
             <a:avLst/>
@@ -4696,41 +10347,108 @@
           </a:fontRef>
         </p:style>
       </p:cxnSp>
-      <p:sp>
-        <p:nvSpPr>
-          <p:cNvPr id="7" name="TextBox 6"/>
-          <p:cNvSpPr txBox="1"/>
-          <p:nvPr/>
-        </p:nvSpPr>
-        <p:spPr>
-          <a:xfrm>
-            <a:off x="857224" y="4929198"/>
-            <a:ext cx="5244256" cy="369332"/>
-          </a:xfrm>
-          <a:prstGeom prst="rect">
-            <a:avLst/>
-          </a:prstGeom>
-          <a:noFill/>
-        </p:spPr>
-        <p:txBody>
-          <a:bodyPr wrap="none" rtlCol="0">
-            <a:spAutoFit/>
-          </a:bodyPr>
-          <a:lstStyle/>
-          <a:p>
-            <a:r>
-              <a:rPr lang="nb-NO" dirty="0" smtClean="0"/>
-              <a:t>”valocc”-indeksen (values + occurences slått sammen)</a:t>
-            </a:r>
-            <a:endParaRPr lang="en-US" dirty="0"/>
-          </a:p>
-        </p:txBody>
-      </p:sp>
     </p:spTree>
   </p:cSld>
   <p:clrMapOvr>
     <a:masterClrMapping/>
   </p:clrMapOvr>
+  <p:timing>
+    <p:tnLst>
+      <p:par>
+        <p:cTn id="1" dur="indefinite" restart="never" nodeType="tmRoot"/>
+      </p:par>
+    </p:tnLst>
+  </p:timing>
+</p:sld>
+</file>
+
+<file path=ppt/slides/slide6.xml><?xml version="1.0" encoding="utf-8"?>
+<p:sld xmlns:a="http://schemas.openxmlformats.org/drawingml/2006/main" xmlns:r="http://schemas.openxmlformats.org/officeDocument/2006/relationships" xmlns:p="http://schemas.openxmlformats.org/presentationml/2006/main">
+  <p:cSld>
+    <p:spTree>
+      <p:nvGrpSpPr>
+        <p:cNvPr id="1" name=""/>
+        <p:cNvGrpSpPr/>
+        <p:nvPr/>
+      </p:nvGrpSpPr>
+      <p:grpSpPr>
+        <a:xfrm>
+          <a:off x="0" y="0"/>
+          <a:ext cx="0" cy="0"/>
+          <a:chOff x="0" y="0"/>
+          <a:chExt cx="0" cy="0"/>
+        </a:xfrm>
+      </p:grpSpPr>
+      <p:sp>
+        <p:nvSpPr>
+          <p:cNvPr id="2" name="Title 1"/>
+          <p:cNvSpPr>
+            <a:spLocks noGrp="1"/>
+          </p:cNvSpPr>
+          <p:nvPr>
+            <p:ph type="title"/>
+          </p:nvPr>
+        </p:nvSpPr>
+        <p:spPr/>
+        <p:txBody>
+          <a:bodyPr/>
+          <a:lstStyle/>
+          <a:p>
+            <a:r>
+              <a:rPr lang="nb-NO" dirty="0" smtClean="0"/>
+              <a:t>MQL</a:t>
+            </a:r>
+            <a:endParaRPr lang="en-US" dirty="0"/>
+          </a:p>
+        </p:txBody>
+      </p:sp>
+      <p:sp>
+        <p:nvSpPr>
+          <p:cNvPr id="3" name="Content Placeholder 2"/>
+          <p:cNvSpPr>
+            <a:spLocks noGrp="1"/>
+          </p:cNvSpPr>
+          <p:nvPr>
+            <p:ph idx="1"/>
+          </p:nvPr>
+        </p:nvSpPr>
+        <p:spPr/>
+        <p:txBody>
+          <a:bodyPr/>
+          <a:lstStyle/>
+          <a:p>
+            <a:r>
+              <a:rPr lang="nb-NO" dirty="0" smtClean="0"/>
+              <a:t>Spørringsspråk for MARS</a:t>
+            </a:r>
+          </a:p>
+          <a:p>
+            <a:r>
+              <a:rPr lang="nb-NO" dirty="0" smtClean="0"/>
+              <a:t>Syntaxmessig noe likt Lisp</a:t>
+            </a:r>
+          </a:p>
+          <a:p>
+            <a:r>
+              <a:rPr lang="nb-NO" dirty="0" smtClean="0"/>
+              <a:t>”Dialekt” av relasjonell algebra</a:t>
+            </a:r>
+            <a:endParaRPr lang="en-US" dirty="0"/>
+          </a:p>
+        </p:txBody>
+      </p:sp>
+    </p:spTree>
+  </p:cSld>
+  <p:clrMapOvr>
+    <a:masterClrMapping/>
+  </p:clrMapOvr>
+  <p:timing>
+    <p:tnLst>
+      <p:par>
+        <p:cTn id="1" dur="indefinite" restart="never" nodeType="tmRoot"/>
+      </p:par>
+    </p:tnLst>
+  </p:timing>
 </p:sld>
 </file>
 
@@ -4768,7 +10486,7 @@
           <a:p>
             <a:r>
               <a:rPr lang="nb-NO" dirty="0" smtClean="0"/>
-              <a:t>XQuery og XPath</a:t>
+              <a:t>MQL syntax</a:t>
             </a:r>
             <a:endParaRPr lang="en-US" dirty="0"/>
           </a:p>
@@ -4776,20 +10494,135 @@
       </p:sp>
       <p:sp>
         <p:nvSpPr>
-          <p:cNvPr id="3" name="Content Placeholder 2"/>
-          <p:cNvSpPr>
-            <a:spLocks noGrp="1"/>
-          </p:cNvSpPr>
-          <p:nvPr>
-            <p:ph idx="1"/>
-          </p:nvPr>
-        </p:nvSpPr>
-        <p:spPr/>
-        <p:txBody>
-          <a:bodyPr/>
-          <a:lstStyle/>
-          <a:p>
-            <a:endParaRPr lang="nb-NO" dirty="0" smtClean="0"/>
+          <p:cNvPr id="4" name="TextBox 3"/>
+          <p:cNvSpPr txBox="1"/>
+          <p:nvPr/>
+        </p:nvSpPr>
+        <p:spPr>
+          <a:xfrm>
+            <a:off x="857224" y="2428868"/>
+            <a:ext cx="7929618" cy="1754326"/>
+          </a:xfrm>
+          <a:prstGeom prst="rect">
+            <a:avLst/>
+          </a:prstGeom>
+          <a:noFill/>
+        </p:spPr>
+        <p:txBody>
+          <a:bodyPr wrap="square" rtlCol="0">
+            <a:spAutoFit/>
+          </a:bodyPr>
+          <a:lstStyle/>
+          <a:p>
+            <a:r>
+              <a:rPr lang="en-US" dirty="0">
+                <a:latin typeface="Courier New" pitchFamily="49" charset="0"/>
+                <a:cs typeface="Courier New" pitchFamily="49" charset="0"/>
+              </a:rPr>
+              <a:t>OPERATORNAME </a:t>
+            </a:r>
+            <a:r>
+              <a:rPr lang="en-US" dirty="0" smtClean="0">
+                <a:latin typeface="Courier New" pitchFamily="49" charset="0"/>
+                <a:cs typeface="Courier New" pitchFamily="49" charset="0"/>
+              </a:rPr>
+              <a:t>   ::= IDENTIFIER</a:t>
+            </a:r>
+          </a:p>
+          <a:p>
+            <a:endParaRPr lang="en-US" dirty="0">
+              <a:latin typeface="Courier New" pitchFamily="49" charset="0"/>
+              <a:cs typeface="Courier New" pitchFamily="49" charset="0"/>
+            </a:endParaRPr>
+          </a:p>
+          <a:p>
+            <a:r>
+              <a:rPr lang="en-US" dirty="0">
+                <a:latin typeface="Courier New" pitchFamily="49" charset="0"/>
+                <a:cs typeface="Courier New" pitchFamily="49" charset="0"/>
+              </a:rPr>
+              <a:t>OPERATOR </a:t>
+            </a:r>
+            <a:r>
+              <a:rPr lang="en-US" dirty="0" smtClean="0">
+                <a:latin typeface="Courier New" pitchFamily="49" charset="0"/>
+                <a:cs typeface="Courier New" pitchFamily="49" charset="0"/>
+              </a:rPr>
+              <a:t>       ::= </a:t>
+            </a:r>
+            <a:r>
+              <a:rPr lang="en-US" dirty="0">
+                <a:latin typeface="Courier New" pitchFamily="49" charset="0"/>
+                <a:cs typeface="Courier New" pitchFamily="49" charset="0"/>
+              </a:rPr>
+              <a:t>OPERATORNAME </a:t>
+            </a:r>
+            <a:r>
+              <a:rPr lang="en-US" dirty="0" smtClean="0">
+                <a:latin typeface="Courier New" pitchFamily="49" charset="0"/>
+                <a:cs typeface="Courier New" pitchFamily="49" charset="0"/>
+              </a:rPr>
+              <a:t>"(" PARAMETERLIST</a:t>
+            </a:r>
+            <a:r>
+              <a:rPr lang="en-US" dirty="0">
+                <a:latin typeface="Courier New" pitchFamily="49" charset="0"/>
+                <a:cs typeface="Courier New" pitchFamily="49" charset="0"/>
+              </a:rPr>
+              <a:t>?</a:t>
+            </a:r>
+          </a:p>
+          <a:p>
+            <a:r>
+              <a:rPr lang="en-US" dirty="0" smtClean="0">
+                <a:latin typeface="Courier New" pitchFamily="49" charset="0"/>
+                <a:cs typeface="Courier New" pitchFamily="49" charset="0"/>
+              </a:rPr>
+              <a:t>                    (";" </a:t>
+            </a:r>
+            <a:r>
+              <a:rPr lang="en-US" dirty="0">
+                <a:latin typeface="Courier New" pitchFamily="49" charset="0"/>
+                <a:cs typeface="Courier New" pitchFamily="49" charset="0"/>
+              </a:rPr>
+              <a:t>OPERATORLIST)? </a:t>
+            </a:r>
+            <a:r>
+              <a:rPr lang="en-US" dirty="0" smtClean="0">
+                <a:latin typeface="Courier New" pitchFamily="49" charset="0"/>
+                <a:cs typeface="Courier New" pitchFamily="49" charset="0"/>
+              </a:rPr>
+              <a:t>")“</a:t>
+            </a:r>
+          </a:p>
+          <a:p>
+            <a:endParaRPr lang="en-US" dirty="0">
+              <a:latin typeface="Courier New" pitchFamily="49" charset="0"/>
+              <a:cs typeface="Courier New" pitchFamily="49" charset="0"/>
+            </a:endParaRPr>
+          </a:p>
+          <a:p>
+            <a:r>
+              <a:rPr lang="en-US" dirty="0">
+                <a:latin typeface="Courier New" pitchFamily="49" charset="0"/>
+                <a:cs typeface="Courier New" pitchFamily="49" charset="0"/>
+              </a:rPr>
+              <a:t>OPERATORLIST </a:t>
+            </a:r>
+            <a:r>
+              <a:rPr lang="en-US" dirty="0" smtClean="0">
+                <a:latin typeface="Courier New" pitchFamily="49" charset="0"/>
+                <a:cs typeface="Courier New" pitchFamily="49" charset="0"/>
+              </a:rPr>
+              <a:t>   ::= </a:t>
+            </a:r>
+            <a:r>
+              <a:rPr lang="en-US" dirty="0">
+                <a:latin typeface="Courier New" pitchFamily="49" charset="0"/>
+                <a:cs typeface="Courier New" pitchFamily="49" charset="0"/>
+              </a:rPr>
+              <a:t>OPERATOR ( "," OPERATOR )*</a:t>
+            </a:r>
           </a:p>
         </p:txBody>
       </p:sp>
@@ -4798,6 +10631,13 @@
   <p:clrMapOvr>
     <a:masterClrMapping/>
   </p:clrMapOvr>
+  <p:timing>
+    <p:tnLst>
+      <p:par>
+        <p:cTn id="1" dur="indefinite" restart="never" nodeType="tmRoot"/>
+      </p:par>
+    </p:tnLst>
+  </p:timing>
 </p:sld>
 </file>
 
@@ -4835,7 +10675,7 @@
           <a:p>
             <a:r>
               <a:rPr lang="nb-NO" dirty="0" smtClean="0"/>
-              <a:t>Oversettelse og metoder</a:t>
+              <a:t>MQL syntax i praksis</a:t>
             </a:r>
             <a:endParaRPr lang="en-US" dirty="0"/>
           </a:p>
@@ -4843,57 +10683,37 @@
       </p:sp>
       <p:sp>
         <p:nvSpPr>
-          <p:cNvPr id="3" name="Content Placeholder 2"/>
-          <p:cNvSpPr>
-            <a:spLocks noGrp="1"/>
-          </p:cNvSpPr>
-          <p:nvPr>
-            <p:ph idx="1"/>
-          </p:nvPr>
-        </p:nvSpPr>
-        <p:spPr/>
-        <p:txBody>
-          <a:bodyPr/>
-          <a:lstStyle/>
-          <a:p>
-            <a:r>
-              <a:rPr lang="nb-NO" dirty="0" smtClean="0"/>
-              <a:t>Eksisterende løsninger</a:t>
-            </a:r>
-          </a:p>
-          <a:p>
-            <a:pPr lvl="1"/>
-            <a:r>
-              <a:rPr lang="nb-NO" dirty="0" smtClean="0"/>
-              <a:t>MonetDB/Pathfinder (Loop Lifting)</a:t>
-            </a:r>
-          </a:p>
-          <a:p>
-            <a:pPr lvl="1"/>
-            <a:r>
-              <a:rPr lang="nb-NO" dirty="0" smtClean="0"/>
-              <a:t>eXist (”path join”-algoritmer)</a:t>
-            </a:r>
-          </a:p>
-          <a:p>
-            <a:pPr lvl="1"/>
-            <a:r>
-              <a:rPr lang="nb-NO" dirty="0" smtClean="0"/>
-              <a:t>Galatex (tradisjonell ”range encoding”)</a:t>
-            </a:r>
-          </a:p>
-          <a:p>
-            <a:r>
-              <a:rPr lang="nb-NO" dirty="0" smtClean="0"/>
-              <a:t>Ytelse?</a:t>
-            </a:r>
-          </a:p>
-          <a:p>
-            <a:r>
-              <a:rPr lang="nb-NO" dirty="0" smtClean="0"/>
-              <a:t>Egnet for MARS?</a:t>
-            </a:r>
-            <a:endParaRPr lang="en-US" dirty="0"/>
+          <p:cNvPr id="4" name="TextBox 3"/>
+          <p:cNvSpPr txBox="1"/>
+          <p:nvPr/>
+        </p:nvSpPr>
+        <p:spPr>
+          <a:xfrm>
+            <a:off x="1000100" y="2857496"/>
+            <a:ext cx="7353295" cy="369332"/>
+          </a:xfrm>
+          <a:prstGeom prst="rect">
+            <a:avLst/>
+          </a:prstGeom>
+          <a:noFill/>
+        </p:spPr>
+        <p:txBody>
+          <a:bodyPr wrap="none" rtlCol="0">
+            <a:spAutoFit/>
+          </a:bodyPr>
+          <a:lstStyle/>
+          <a:p>
+            <a:r>
+              <a:rPr lang="nb-NO" dirty="0" smtClean="0">
+                <a:latin typeface="Courier New" pitchFamily="49" charset="0"/>
+                <a:cs typeface="Courier New" pitchFamily="49" charset="0"/>
+              </a:rPr>
+              <a:t>operator(param1, param2, ..., paramN; op1, op2, ...)</a:t>
+            </a:r>
+            <a:endParaRPr lang="en-US" dirty="0">
+              <a:latin typeface="Courier New" pitchFamily="49" charset="0"/>
+              <a:cs typeface="Courier New" pitchFamily="49" charset="0"/>
+            </a:endParaRPr>
           </a:p>
         </p:txBody>
       </p:sp>
@@ -4902,6 +10722,334 @@
   <p:clrMapOvr>
     <a:masterClrMapping/>
   </p:clrMapOvr>
+  <p:timing>
+    <p:tnLst>
+      <p:par>
+        <p:cTn id="1" dur="indefinite" restart="never" nodeType="tmRoot"/>
+      </p:par>
+    </p:tnLst>
+  </p:timing>
+</p:sld>
+</file>
+
+<file path=ppt/slides/slide9.xml><?xml version="1.0" encoding="utf-8"?>
+<p:sld xmlns:a="http://schemas.openxmlformats.org/drawingml/2006/main" xmlns:r="http://schemas.openxmlformats.org/officeDocument/2006/relationships" xmlns:p="http://schemas.openxmlformats.org/presentationml/2006/main">
+  <p:cSld>
+    <p:spTree>
+      <p:nvGrpSpPr>
+        <p:cNvPr id="1" name=""/>
+        <p:cNvGrpSpPr/>
+        <p:nvPr/>
+      </p:nvGrpSpPr>
+      <p:grpSpPr>
+        <a:xfrm>
+          <a:off x="0" y="0"/>
+          <a:ext cx="0" cy="0"/>
+          <a:chOff x="0" y="0"/>
+          <a:chExt cx="0" cy="0"/>
+        </a:xfrm>
+      </p:grpSpPr>
+      <p:sp>
+        <p:nvSpPr>
+          <p:cNvPr id="2" name="Title 1"/>
+          <p:cNvSpPr>
+            <a:spLocks noGrp="1"/>
+          </p:cNvSpPr>
+          <p:nvPr>
+            <p:ph type="title"/>
+          </p:nvPr>
+        </p:nvSpPr>
+        <p:spPr/>
+        <p:txBody>
+          <a:bodyPr/>
+          <a:lstStyle/>
+          <a:p>
+            <a:r>
+              <a:rPr lang="nb-NO" dirty="0" smtClean="0"/>
+              <a:t>MQL eksempel</a:t>
+            </a:r>
+            <a:endParaRPr lang="en-US" dirty="0"/>
+          </a:p>
+        </p:txBody>
+      </p:sp>
+      <p:sp>
+        <p:nvSpPr>
+          <p:cNvPr id="4" name="TextBox 3"/>
+          <p:cNvSpPr txBox="1"/>
+          <p:nvPr/>
+        </p:nvSpPr>
+        <p:spPr>
+          <a:xfrm>
+            <a:off x="3000364" y="1785926"/>
+            <a:ext cx="3000396" cy="923330"/>
+          </a:xfrm>
+          <a:prstGeom prst="rect">
+            <a:avLst/>
+          </a:prstGeom>
+          <a:noFill/>
+        </p:spPr>
+        <p:txBody>
+          <a:bodyPr wrap="square" rtlCol="0">
+            <a:spAutoFit/>
+          </a:bodyPr>
+          <a:lstStyle/>
+          <a:p>
+            <a:r>
+              <a:rPr lang="en-US" dirty="0">
+                <a:latin typeface="Courier New" pitchFamily="49" charset="0"/>
+                <a:cs typeface="Courier New" pitchFamily="49" charset="0"/>
+              </a:rPr>
+              <a:t>index(</a:t>
+            </a:r>
+            <a:r>
+              <a:rPr lang="en-US" dirty="0" err="1">
+                <a:latin typeface="Courier New" pitchFamily="49" charset="0"/>
+                <a:cs typeface="Courier New" pitchFamily="49" charset="0"/>
+              </a:rPr>
+              <a:t>valocc</a:t>
+            </a:r>
+            <a:r>
+              <a:rPr lang="en-US" dirty="0">
+                <a:latin typeface="Courier New" pitchFamily="49" charset="0"/>
+                <a:cs typeface="Courier New" pitchFamily="49" charset="0"/>
+              </a:rPr>
+              <a:t>;</a:t>
+            </a:r>
+          </a:p>
+          <a:p>
+            <a:r>
+              <a:rPr lang="en-US" dirty="0" smtClean="0">
+                <a:latin typeface="Courier New" pitchFamily="49" charset="0"/>
+                <a:cs typeface="Courier New" pitchFamily="49" charset="0"/>
+              </a:rPr>
+              <a:t>    scope</a:t>
+            </a:r>
+            <a:r>
+              <a:rPr lang="en-US" dirty="0">
+                <a:latin typeface="Courier New" pitchFamily="49" charset="0"/>
+                <a:cs typeface="Courier New" pitchFamily="49" charset="0"/>
+              </a:rPr>
+              <a:t>(/a/b;</a:t>
+            </a:r>
+          </a:p>
+          <a:p>
+            <a:r>
+              <a:rPr lang="en-US" dirty="0" smtClean="0">
+                <a:latin typeface="Courier New" pitchFamily="49" charset="0"/>
+                <a:cs typeface="Courier New" pitchFamily="49" charset="0"/>
+              </a:rPr>
+              <a:t>        lookup(c</a:t>
+            </a:r>
+            <a:r>
+              <a:rPr lang="en-US" dirty="0">
+                <a:latin typeface="Courier New" pitchFamily="49" charset="0"/>
+                <a:cs typeface="Courier New" pitchFamily="49" charset="0"/>
+              </a:rPr>
+              <a:t>)));</a:t>
+            </a:r>
+          </a:p>
+        </p:txBody>
+      </p:sp>
+      <p:sp>
+        <p:nvSpPr>
+          <p:cNvPr id="5" name="TextBox 4"/>
+          <p:cNvSpPr txBox="1"/>
+          <p:nvPr/>
+        </p:nvSpPr>
+        <p:spPr>
+          <a:xfrm>
+            <a:off x="3214678" y="3357562"/>
+            <a:ext cx="3214710" cy="1477328"/>
+          </a:xfrm>
+          <a:prstGeom prst="rect">
+            <a:avLst/>
+          </a:prstGeom>
+          <a:noFill/>
+        </p:spPr>
+        <p:txBody>
+          <a:bodyPr wrap="square" rtlCol="0">
+            <a:spAutoFit/>
+          </a:bodyPr>
+          <a:lstStyle/>
+          <a:p>
+            <a:r>
+              <a:rPr lang="nb-NO" dirty="0" smtClean="0">
+                <a:latin typeface="Courier New" pitchFamily="49" charset="0"/>
+                <a:cs typeface="Courier New" pitchFamily="49" charset="0"/>
+              </a:rPr>
+              <a:t>&lt;a&gt;</a:t>
+            </a:r>
+          </a:p>
+          <a:p>
+            <a:r>
+              <a:rPr lang="nb-NO" dirty="0" smtClean="0">
+                <a:latin typeface="Courier New" pitchFamily="49" charset="0"/>
+                <a:cs typeface="Courier New" pitchFamily="49" charset="0"/>
+              </a:rPr>
+              <a:t>  &lt;b&gt;&lt;c /&gt;&lt;/b&gt;</a:t>
+            </a:r>
+          </a:p>
+          <a:p>
+            <a:r>
+              <a:rPr lang="nb-NO" dirty="0" smtClean="0">
+                <a:latin typeface="Courier New" pitchFamily="49" charset="0"/>
+                <a:cs typeface="Courier New" pitchFamily="49" charset="0"/>
+              </a:rPr>
+              <a:t>  &lt;b&gt;&lt;c /&gt;&lt;/b&gt;</a:t>
+            </a:r>
+          </a:p>
+          <a:p>
+            <a:r>
+              <a:rPr lang="nb-NO" dirty="0" smtClean="0">
+                <a:latin typeface="Courier New" pitchFamily="49" charset="0"/>
+                <a:cs typeface="Courier New" pitchFamily="49" charset="0"/>
+              </a:rPr>
+              <a:t>  &lt;b&gt;&lt;c /&gt;&lt;/b&gt;</a:t>
+            </a:r>
+          </a:p>
+          <a:p>
+            <a:r>
+              <a:rPr lang="nb-NO" dirty="0" smtClean="0">
+                <a:latin typeface="Courier New" pitchFamily="49" charset="0"/>
+                <a:cs typeface="Courier New" pitchFamily="49" charset="0"/>
+              </a:rPr>
+              <a:t>&lt;/a&gt;</a:t>
+            </a:r>
+            <a:endParaRPr lang="en-US" dirty="0">
+              <a:latin typeface="Courier New" pitchFamily="49" charset="0"/>
+              <a:cs typeface="Courier New" pitchFamily="49" charset="0"/>
+            </a:endParaRPr>
+          </a:p>
+        </p:txBody>
+      </p:sp>
+      <p:cxnSp>
+        <p:nvCxnSpPr>
+          <p:cNvPr id="7" name="Straight Arrow Connector 6"/>
+          <p:cNvCxnSpPr/>
+          <p:nvPr/>
+        </p:nvCxnSpPr>
+        <p:spPr>
+          <a:xfrm rot="5400000">
+            <a:off x="3929058" y="3000372"/>
+            <a:ext cx="571504" cy="1588"/>
+          </a:xfrm>
+          <a:prstGeom prst="straightConnector1">
+            <a:avLst/>
+          </a:prstGeom>
+          <a:ln>
+            <a:tailEnd type="arrow"/>
+          </a:ln>
+        </p:spPr>
+        <p:style>
+          <a:lnRef idx="1">
+            <a:schemeClr val="accent1"/>
+          </a:lnRef>
+          <a:fillRef idx="0">
+            <a:schemeClr val="accent1"/>
+          </a:fillRef>
+          <a:effectRef idx="0">
+            <a:schemeClr val="accent1"/>
+          </a:effectRef>
+          <a:fontRef idx="minor">
+            <a:schemeClr val="tx1"/>
+          </a:fontRef>
+        </p:style>
+      </p:cxnSp>
+      <p:cxnSp>
+        <p:nvCxnSpPr>
+          <p:cNvPr id="9" name="Straight Arrow Connector 8"/>
+          <p:cNvCxnSpPr/>
+          <p:nvPr/>
+        </p:nvCxnSpPr>
+        <p:spPr>
+          <a:xfrm rot="5400000">
+            <a:off x="3965571" y="5178437"/>
+            <a:ext cx="500066" cy="1588"/>
+          </a:xfrm>
+          <a:prstGeom prst="straightConnector1">
+            <a:avLst/>
+          </a:prstGeom>
+          <a:ln>
+            <a:tailEnd type="arrow"/>
+          </a:ln>
+        </p:spPr>
+        <p:style>
+          <a:lnRef idx="1">
+            <a:schemeClr val="accent1"/>
+          </a:lnRef>
+          <a:fillRef idx="0">
+            <a:schemeClr val="accent1"/>
+          </a:fillRef>
+          <a:effectRef idx="0">
+            <a:schemeClr val="accent1"/>
+          </a:effectRef>
+          <a:fontRef idx="minor">
+            <a:schemeClr val="tx1"/>
+          </a:fontRef>
+        </p:style>
+      </p:cxnSp>
+      <p:sp>
+        <p:nvSpPr>
+          <p:cNvPr id="10" name="TextBox 9"/>
+          <p:cNvSpPr txBox="1"/>
+          <p:nvPr/>
+        </p:nvSpPr>
+        <p:spPr>
+          <a:xfrm>
+            <a:off x="3786182" y="5715016"/>
+            <a:ext cx="928694" cy="923330"/>
+          </a:xfrm>
+          <a:prstGeom prst="rect">
+            <a:avLst/>
+          </a:prstGeom>
+          <a:noFill/>
+        </p:spPr>
+        <p:txBody>
+          <a:bodyPr wrap="square" rtlCol="0">
+            <a:spAutoFit/>
+          </a:bodyPr>
+          <a:lstStyle/>
+          <a:p>
+            <a:r>
+              <a:rPr lang="nb-NO" dirty="0" smtClean="0">
+                <a:latin typeface="Courier New" pitchFamily="49" charset="0"/>
+                <a:cs typeface="Courier New" pitchFamily="49" charset="0"/>
+              </a:rPr>
+              <a:t>&lt;c /&gt;</a:t>
+            </a:r>
+          </a:p>
+          <a:p>
+            <a:r>
+              <a:rPr lang="nb-NO" dirty="0" smtClean="0">
+                <a:latin typeface="Courier New" pitchFamily="49" charset="0"/>
+                <a:cs typeface="Courier New" pitchFamily="49" charset="0"/>
+              </a:rPr>
+              <a:t>&lt;c /&gt;</a:t>
+            </a:r>
+          </a:p>
+          <a:p>
+            <a:r>
+              <a:rPr lang="nb-NO" dirty="0" smtClean="0">
+                <a:latin typeface="Courier New" pitchFamily="49" charset="0"/>
+                <a:cs typeface="Courier New" pitchFamily="49" charset="0"/>
+              </a:rPr>
+              <a:t>&lt;c /&gt;</a:t>
+            </a:r>
+          </a:p>
+        </p:txBody>
+      </p:sp>
+    </p:spTree>
+  </p:cSld>
+  <p:clrMapOvr>
+    <a:masterClrMapping/>
+  </p:clrMapOvr>
+  <p:timing>
+    <p:tnLst>
+      <p:par>
+        <p:cTn id="1" dur="indefinite" restart="never" nodeType="tmRoot"/>
+      </p:par>
+    </p:tnLst>
+  </p:timing>
 </p:sld>
 </file>
 
